--- a/cicm2015-poster.pptx
+++ b/cicm2015-poster.pptx
@@ -108,6 +108,6299 @@
     </a:lvl9pPr>
   </p:defaultTextStyle>
 </p:presentation>
+</file>
+
+<file path=ppt/diagrams/colors1.xml><?xml version="1.0" encoding="utf-8"?>
+<dgm:colorsDef xmlns:dgm="http://schemas.openxmlformats.org/drawingml/2006/diagram" xmlns:a="http://schemas.openxmlformats.org/drawingml/2006/main" uniqueId="urn:microsoft.com/office/officeart/2005/8/colors/accent1_2">
+  <dgm:title val=""/>
+  <dgm:desc val=""/>
+  <dgm:catLst>
+    <dgm:cat type="accent1" pri="11200"/>
+  </dgm:catLst>
+  <dgm:styleLbl name="node0">
+    <dgm:fillClrLst meth="repeat">
+      <a:schemeClr val="accent1"/>
+    </dgm:fillClrLst>
+    <dgm:linClrLst meth="repeat">
+      <a:schemeClr val="lt1"/>
+    </dgm:linClrLst>
+    <dgm:effectClrLst/>
+    <dgm:txLinClrLst/>
+    <dgm:txFillClrLst/>
+    <dgm:txEffectClrLst/>
+  </dgm:styleLbl>
+  <dgm:styleLbl name="alignNode1">
+    <dgm:fillClrLst meth="repeat">
+      <a:schemeClr val="accent1"/>
+    </dgm:fillClrLst>
+    <dgm:linClrLst meth="repeat">
+      <a:schemeClr val="accent1"/>
+    </dgm:linClrLst>
+    <dgm:effectClrLst/>
+    <dgm:txLinClrLst/>
+    <dgm:txFillClrLst/>
+    <dgm:txEffectClrLst/>
+  </dgm:styleLbl>
+  <dgm:styleLbl name="node1">
+    <dgm:fillClrLst meth="repeat">
+      <a:schemeClr val="accent1"/>
+    </dgm:fillClrLst>
+    <dgm:linClrLst meth="repeat">
+      <a:schemeClr val="lt1"/>
+    </dgm:linClrLst>
+    <dgm:effectClrLst/>
+    <dgm:txLinClrLst/>
+    <dgm:txFillClrLst/>
+    <dgm:txEffectClrLst/>
+  </dgm:styleLbl>
+  <dgm:styleLbl name="lnNode1">
+    <dgm:fillClrLst meth="repeat">
+      <a:schemeClr val="accent1"/>
+    </dgm:fillClrLst>
+    <dgm:linClrLst meth="repeat">
+      <a:schemeClr val="lt1"/>
+    </dgm:linClrLst>
+    <dgm:effectClrLst/>
+    <dgm:txLinClrLst/>
+    <dgm:txFillClrLst/>
+    <dgm:txEffectClrLst/>
+  </dgm:styleLbl>
+  <dgm:styleLbl name="vennNode1">
+    <dgm:fillClrLst meth="repeat">
+      <a:schemeClr val="accent1">
+        <a:alpha val="50000"/>
+      </a:schemeClr>
+    </dgm:fillClrLst>
+    <dgm:linClrLst meth="repeat">
+      <a:schemeClr val="lt1"/>
+    </dgm:linClrLst>
+    <dgm:effectClrLst/>
+    <dgm:txLinClrLst/>
+    <dgm:txFillClrLst/>
+    <dgm:txEffectClrLst/>
+  </dgm:styleLbl>
+  <dgm:styleLbl name="node2">
+    <dgm:fillClrLst meth="repeat">
+      <a:schemeClr val="accent1"/>
+    </dgm:fillClrLst>
+    <dgm:linClrLst meth="repeat">
+      <a:schemeClr val="lt1"/>
+    </dgm:linClrLst>
+    <dgm:effectClrLst/>
+    <dgm:txLinClrLst/>
+    <dgm:txFillClrLst/>
+    <dgm:txEffectClrLst/>
+  </dgm:styleLbl>
+  <dgm:styleLbl name="node3">
+    <dgm:fillClrLst meth="repeat">
+      <a:schemeClr val="accent1"/>
+    </dgm:fillClrLst>
+    <dgm:linClrLst meth="repeat">
+      <a:schemeClr val="lt1"/>
+    </dgm:linClrLst>
+    <dgm:effectClrLst/>
+    <dgm:txLinClrLst/>
+    <dgm:txFillClrLst/>
+    <dgm:txEffectClrLst/>
+  </dgm:styleLbl>
+  <dgm:styleLbl name="node4">
+    <dgm:fillClrLst meth="repeat">
+      <a:schemeClr val="accent1"/>
+    </dgm:fillClrLst>
+    <dgm:linClrLst meth="repeat">
+      <a:schemeClr val="lt1"/>
+    </dgm:linClrLst>
+    <dgm:effectClrLst/>
+    <dgm:txLinClrLst/>
+    <dgm:txFillClrLst/>
+    <dgm:txEffectClrLst/>
+  </dgm:styleLbl>
+  <dgm:styleLbl name="fgImgPlace1">
+    <dgm:fillClrLst meth="repeat">
+      <a:schemeClr val="accent1">
+        <a:tint val="50000"/>
+      </a:schemeClr>
+    </dgm:fillClrLst>
+    <dgm:linClrLst meth="repeat">
+      <a:schemeClr val="lt1"/>
+    </dgm:linClrLst>
+    <dgm:effectClrLst/>
+    <dgm:txLinClrLst/>
+    <dgm:txFillClrLst meth="repeat">
+      <a:schemeClr val="lt1"/>
+    </dgm:txFillClrLst>
+    <dgm:txEffectClrLst/>
+  </dgm:styleLbl>
+  <dgm:styleLbl name="alignImgPlace1">
+    <dgm:fillClrLst meth="repeat">
+      <a:schemeClr val="accent1">
+        <a:tint val="50000"/>
+      </a:schemeClr>
+    </dgm:fillClrLst>
+    <dgm:linClrLst meth="repeat">
+      <a:schemeClr val="lt1"/>
+    </dgm:linClrLst>
+    <dgm:effectClrLst/>
+    <dgm:txLinClrLst/>
+    <dgm:txFillClrLst meth="repeat">
+      <a:schemeClr val="lt1"/>
+    </dgm:txFillClrLst>
+    <dgm:txEffectClrLst/>
+  </dgm:styleLbl>
+  <dgm:styleLbl name="bgImgPlace1">
+    <dgm:fillClrLst meth="repeat">
+      <a:schemeClr val="accent1">
+        <a:tint val="50000"/>
+      </a:schemeClr>
+    </dgm:fillClrLst>
+    <dgm:linClrLst meth="repeat">
+      <a:schemeClr val="lt1"/>
+    </dgm:linClrLst>
+    <dgm:effectClrLst/>
+    <dgm:txLinClrLst/>
+    <dgm:txFillClrLst meth="repeat">
+      <a:schemeClr val="lt1"/>
+    </dgm:txFillClrLst>
+    <dgm:txEffectClrLst/>
+  </dgm:styleLbl>
+  <dgm:styleLbl name="sibTrans2D1">
+    <dgm:fillClrLst meth="repeat">
+      <a:schemeClr val="accent1">
+        <a:tint val="60000"/>
+      </a:schemeClr>
+    </dgm:fillClrLst>
+    <dgm:linClrLst meth="repeat">
+      <a:schemeClr val="accent1">
+        <a:tint val="60000"/>
+      </a:schemeClr>
+    </dgm:linClrLst>
+    <dgm:effectClrLst/>
+    <dgm:txLinClrLst/>
+    <dgm:txFillClrLst/>
+    <dgm:txEffectClrLst/>
+  </dgm:styleLbl>
+  <dgm:styleLbl name="fgSibTrans2D1">
+    <dgm:fillClrLst meth="repeat">
+      <a:schemeClr val="accent1">
+        <a:tint val="60000"/>
+      </a:schemeClr>
+    </dgm:fillClrLst>
+    <dgm:linClrLst meth="repeat">
+      <a:schemeClr val="accent1">
+        <a:tint val="60000"/>
+      </a:schemeClr>
+    </dgm:linClrLst>
+    <dgm:effectClrLst/>
+    <dgm:txLinClrLst/>
+    <dgm:txFillClrLst/>
+    <dgm:txEffectClrLst/>
+  </dgm:styleLbl>
+  <dgm:styleLbl name="bgSibTrans2D1">
+    <dgm:fillClrLst meth="repeat">
+      <a:schemeClr val="accent1">
+        <a:tint val="60000"/>
+      </a:schemeClr>
+    </dgm:fillClrLst>
+    <dgm:linClrLst meth="repeat">
+      <a:schemeClr val="accent1">
+        <a:tint val="60000"/>
+      </a:schemeClr>
+    </dgm:linClrLst>
+    <dgm:effectClrLst/>
+    <dgm:txLinClrLst/>
+    <dgm:txFillClrLst/>
+    <dgm:txEffectClrLst/>
+  </dgm:styleLbl>
+  <dgm:styleLbl name="sibTrans1D1">
+    <dgm:fillClrLst meth="repeat">
+      <a:schemeClr val="accent1"/>
+    </dgm:fillClrLst>
+    <dgm:linClrLst meth="repeat">
+      <a:schemeClr val="accent1"/>
+    </dgm:linClrLst>
+    <dgm:effectClrLst/>
+    <dgm:txLinClrLst/>
+    <dgm:txFillClrLst meth="repeat">
+      <a:schemeClr val="tx1"/>
+    </dgm:txFillClrLst>
+    <dgm:txEffectClrLst/>
+  </dgm:styleLbl>
+  <dgm:styleLbl name="callout">
+    <dgm:fillClrLst meth="repeat">
+      <a:schemeClr val="accent1"/>
+    </dgm:fillClrLst>
+    <dgm:linClrLst meth="repeat">
+      <a:schemeClr val="accent1">
+        <a:tint val="50000"/>
+      </a:schemeClr>
+    </dgm:linClrLst>
+    <dgm:effectClrLst/>
+    <dgm:txLinClrLst/>
+    <dgm:txFillClrLst meth="repeat">
+      <a:schemeClr val="tx1"/>
+    </dgm:txFillClrLst>
+    <dgm:txEffectClrLst/>
+  </dgm:styleLbl>
+  <dgm:styleLbl name="asst0">
+    <dgm:fillClrLst meth="repeat">
+      <a:schemeClr val="accent1"/>
+    </dgm:fillClrLst>
+    <dgm:linClrLst meth="repeat">
+      <a:schemeClr val="lt1"/>
+    </dgm:linClrLst>
+    <dgm:effectClrLst/>
+    <dgm:txLinClrLst/>
+    <dgm:txFillClrLst/>
+    <dgm:txEffectClrLst/>
+  </dgm:styleLbl>
+  <dgm:styleLbl name="asst1">
+    <dgm:fillClrLst meth="repeat">
+      <a:schemeClr val="accent1"/>
+    </dgm:fillClrLst>
+    <dgm:linClrLst meth="repeat">
+      <a:schemeClr val="lt1"/>
+    </dgm:linClrLst>
+    <dgm:effectClrLst/>
+    <dgm:txLinClrLst/>
+    <dgm:txFillClrLst/>
+    <dgm:txEffectClrLst/>
+  </dgm:styleLbl>
+  <dgm:styleLbl name="asst2">
+    <dgm:fillClrLst meth="repeat">
+      <a:schemeClr val="accent1"/>
+    </dgm:fillClrLst>
+    <dgm:linClrLst meth="repeat">
+      <a:schemeClr val="lt1"/>
+    </dgm:linClrLst>
+    <dgm:effectClrLst/>
+    <dgm:txLinClrLst/>
+    <dgm:txFillClrLst/>
+    <dgm:txEffectClrLst/>
+  </dgm:styleLbl>
+  <dgm:styleLbl name="asst3">
+    <dgm:fillClrLst meth="repeat">
+      <a:schemeClr val="accent1"/>
+    </dgm:fillClrLst>
+    <dgm:linClrLst meth="repeat">
+      <a:schemeClr val="lt1"/>
+    </dgm:linClrLst>
+    <dgm:effectClrLst/>
+    <dgm:txLinClrLst/>
+    <dgm:txFillClrLst/>
+    <dgm:txEffectClrLst/>
+  </dgm:styleLbl>
+  <dgm:styleLbl name="asst4">
+    <dgm:fillClrLst meth="repeat">
+      <a:schemeClr val="accent1"/>
+    </dgm:fillClrLst>
+    <dgm:linClrLst meth="repeat">
+      <a:schemeClr val="lt1"/>
+    </dgm:linClrLst>
+    <dgm:effectClrLst/>
+    <dgm:txLinClrLst/>
+    <dgm:txFillClrLst/>
+    <dgm:txEffectClrLst/>
+  </dgm:styleLbl>
+  <dgm:styleLbl name="parChTrans2D1">
+    <dgm:fillClrLst meth="repeat">
+      <a:schemeClr val="accent1">
+        <a:tint val="60000"/>
+      </a:schemeClr>
+    </dgm:fillClrLst>
+    <dgm:linClrLst meth="repeat">
+      <a:schemeClr val="accent1">
+        <a:tint val="60000"/>
+      </a:schemeClr>
+    </dgm:linClrLst>
+    <dgm:effectClrLst/>
+    <dgm:txLinClrLst/>
+    <dgm:txFillClrLst meth="repeat">
+      <a:schemeClr val="lt1"/>
+    </dgm:txFillClrLst>
+    <dgm:txEffectClrLst/>
+  </dgm:styleLbl>
+  <dgm:styleLbl name="parChTrans2D2">
+    <dgm:fillClrLst meth="repeat">
+      <a:schemeClr val="accent1"/>
+    </dgm:fillClrLst>
+    <dgm:linClrLst meth="repeat">
+      <a:schemeClr val="accent1"/>
+    </dgm:linClrLst>
+    <dgm:effectClrLst/>
+    <dgm:txLinClrLst/>
+    <dgm:txFillClrLst meth="repeat">
+      <a:schemeClr val="lt1"/>
+    </dgm:txFillClrLst>
+    <dgm:txEffectClrLst/>
+  </dgm:styleLbl>
+  <dgm:styleLbl name="parChTrans2D3">
+    <dgm:fillClrLst meth="repeat">
+      <a:schemeClr val="accent1"/>
+    </dgm:fillClrLst>
+    <dgm:linClrLst meth="repeat">
+      <a:schemeClr val="accent1"/>
+    </dgm:linClrLst>
+    <dgm:effectClrLst/>
+    <dgm:txLinClrLst/>
+    <dgm:txFillClrLst meth="repeat">
+      <a:schemeClr val="lt1"/>
+    </dgm:txFillClrLst>
+    <dgm:txEffectClrLst/>
+  </dgm:styleLbl>
+  <dgm:styleLbl name="parChTrans2D4">
+    <dgm:fillClrLst meth="repeat">
+      <a:schemeClr val="accent1"/>
+    </dgm:fillClrLst>
+    <dgm:linClrLst meth="repeat">
+      <a:schemeClr val="accent1"/>
+    </dgm:linClrLst>
+    <dgm:effectClrLst/>
+    <dgm:txLinClrLst/>
+    <dgm:txFillClrLst meth="repeat">
+      <a:schemeClr val="lt1"/>
+    </dgm:txFillClrLst>
+    <dgm:txEffectClrLst/>
+  </dgm:styleLbl>
+  <dgm:styleLbl name="parChTrans1D1">
+    <dgm:fillClrLst meth="repeat">
+      <a:schemeClr val="accent1"/>
+    </dgm:fillClrLst>
+    <dgm:linClrLst meth="repeat">
+      <a:schemeClr val="accent1">
+        <a:shade val="60000"/>
+      </a:schemeClr>
+    </dgm:linClrLst>
+    <dgm:effectClrLst/>
+    <dgm:txLinClrLst/>
+    <dgm:txFillClrLst meth="repeat">
+      <a:schemeClr val="tx1"/>
+    </dgm:txFillClrLst>
+    <dgm:txEffectClrLst/>
+  </dgm:styleLbl>
+  <dgm:styleLbl name="parChTrans1D2">
+    <dgm:fillClrLst meth="repeat">
+      <a:schemeClr val="accent1"/>
+    </dgm:fillClrLst>
+    <dgm:linClrLst meth="repeat">
+      <a:schemeClr val="accent1">
+        <a:shade val="60000"/>
+      </a:schemeClr>
+    </dgm:linClrLst>
+    <dgm:effectClrLst/>
+    <dgm:txLinClrLst/>
+    <dgm:txFillClrLst meth="repeat">
+      <a:schemeClr val="tx1"/>
+    </dgm:txFillClrLst>
+    <dgm:txEffectClrLst/>
+  </dgm:styleLbl>
+  <dgm:styleLbl name="parChTrans1D3">
+    <dgm:fillClrLst meth="repeat">
+      <a:schemeClr val="accent1"/>
+    </dgm:fillClrLst>
+    <dgm:linClrLst meth="repeat">
+      <a:schemeClr val="accent1">
+        <a:shade val="80000"/>
+      </a:schemeClr>
+    </dgm:linClrLst>
+    <dgm:effectClrLst/>
+    <dgm:txLinClrLst/>
+    <dgm:txFillClrLst meth="repeat">
+      <a:schemeClr val="tx1"/>
+    </dgm:txFillClrLst>
+    <dgm:txEffectClrLst/>
+  </dgm:styleLbl>
+  <dgm:styleLbl name="parChTrans1D4">
+    <dgm:fillClrLst meth="repeat">
+      <a:schemeClr val="accent1"/>
+    </dgm:fillClrLst>
+    <dgm:linClrLst meth="repeat">
+      <a:schemeClr val="accent1">
+        <a:shade val="80000"/>
+      </a:schemeClr>
+    </dgm:linClrLst>
+    <dgm:effectClrLst/>
+    <dgm:txLinClrLst/>
+    <dgm:txFillClrLst meth="repeat">
+      <a:schemeClr val="tx1"/>
+    </dgm:txFillClrLst>
+    <dgm:txEffectClrLst/>
+  </dgm:styleLbl>
+  <dgm:styleLbl name="fgAcc1">
+    <dgm:fillClrLst meth="repeat">
+      <a:schemeClr val="lt1">
+        <a:alpha val="90000"/>
+      </a:schemeClr>
+    </dgm:fillClrLst>
+    <dgm:linClrLst meth="repeat">
+      <a:schemeClr val="accent1"/>
+    </dgm:linClrLst>
+    <dgm:effectClrLst/>
+    <dgm:txLinClrLst/>
+    <dgm:txFillClrLst meth="repeat">
+      <a:schemeClr val="dk1"/>
+    </dgm:txFillClrLst>
+    <dgm:txEffectClrLst/>
+  </dgm:styleLbl>
+  <dgm:styleLbl name="conFgAcc1">
+    <dgm:fillClrLst meth="repeat">
+      <a:schemeClr val="lt1">
+        <a:alpha val="90000"/>
+      </a:schemeClr>
+    </dgm:fillClrLst>
+    <dgm:linClrLst meth="repeat">
+      <a:schemeClr val="accent1"/>
+    </dgm:linClrLst>
+    <dgm:effectClrLst/>
+    <dgm:txLinClrLst/>
+    <dgm:txFillClrLst meth="repeat">
+      <a:schemeClr val="dk1"/>
+    </dgm:txFillClrLst>
+    <dgm:txEffectClrLst/>
+  </dgm:styleLbl>
+  <dgm:styleLbl name="alignAcc1">
+    <dgm:fillClrLst meth="repeat">
+      <a:schemeClr val="lt1">
+        <a:alpha val="90000"/>
+      </a:schemeClr>
+    </dgm:fillClrLst>
+    <dgm:linClrLst meth="repeat">
+      <a:schemeClr val="accent1"/>
+    </dgm:linClrLst>
+    <dgm:effectClrLst/>
+    <dgm:txLinClrLst/>
+    <dgm:txFillClrLst meth="repeat">
+      <a:schemeClr val="dk1"/>
+    </dgm:txFillClrLst>
+    <dgm:txEffectClrLst/>
+  </dgm:styleLbl>
+  <dgm:styleLbl name="trAlignAcc1">
+    <dgm:fillClrLst meth="repeat">
+      <a:schemeClr val="lt1">
+        <a:alpha val="40000"/>
+      </a:schemeClr>
+    </dgm:fillClrLst>
+    <dgm:linClrLst meth="repeat">
+      <a:schemeClr val="accent1"/>
+    </dgm:linClrLst>
+    <dgm:effectClrLst/>
+    <dgm:txLinClrLst/>
+    <dgm:txFillClrLst meth="repeat">
+      <a:schemeClr val="dk1"/>
+    </dgm:txFillClrLst>
+    <dgm:txEffectClrLst/>
+  </dgm:styleLbl>
+  <dgm:styleLbl name="bgAcc1">
+    <dgm:fillClrLst meth="repeat">
+      <a:schemeClr val="lt1">
+        <a:alpha val="90000"/>
+      </a:schemeClr>
+    </dgm:fillClrLst>
+    <dgm:linClrLst meth="repeat">
+      <a:schemeClr val="accent1"/>
+    </dgm:linClrLst>
+    <dgm:effectClrLst/>
+    <dgm:txLinClrLst/>
+    <dgm:txFillClrLst meth="repeat">
+      <a:schemeClr val="dk1"/>
+    </dgm:txFillClrLst>
+    <dgm:txEffectClrLst/>
+  </dgm:styleLbl>
+  <dgm:styleLbl name="solidFgAcc1">
+    <dgm:fillClrLst meth="repeat">
+      <a:schemeClr val="lt1"/>
+    </dgm:fillClrLst>
+    <dgm:linClrLst meth="repeat">
+      <a:schemeClr val="accent1"/>
+    </dgm:linClrLst>
+    <dgm:effectClrLst/>
+    <dgm:txLinClrLst/>
+    <dgm:txFillClrLst meth="repeat">
+      <a:schemeClr val="dk1"/>
+    </dgm:txFillClrLst>
+    <dgm:txEffectClrLst/>
+  </dgm:styleLbl>
+  <dgm:styleLbl name="solidAlignAcc1">
+    <dgm:fillClrLst meth="repeat">
+      <a:schemeClr val="lt1"/>
+    </dgm:fillClrLst>
+    <dgm:linClrLst meth="repeat">
+      <a:schemeClr val="accent1"/>
+    </dgm:linClrLst>
+    <dgm:effectClrLst/>
+    <dgm:txLinClrLst/>
+    <dgm:txFillClrLst meth="repeat">
+      <a:schemeClr val="dk1"/>
+    </dgm:txFillClrLst>
+    <dgm:txEffectClrLst/>
+  </dgm:styleLbl>
+  <dgm:styleLbl name="solidBgAcc1">
+    <dgm:fillClrLst meth="repeat">
+      <a:schemeClr val="lt1"/>
+    </dgm:fillClrLst>
+    <dgm:linClrLst meth="repeat">
+      <a:schemeClr val="accent1"/>
+    </dgm:linClrLst>
+    <dgm:effectClrLst/>
+    <dgm:txLinClrLst/>
+    <dgm:txFillClrLst meth="repeat">
+      <a:schemeClr val="dk1"/>
+    </dgm:txFillClrLst>
+    <dgm:txEffectClrLst/>
+  </dgm:styleLbl>
+  <dgm:styleLbl name="fgAccFollowNode1">
+    <dgm:fillClrLst meth="repeat">
+      <a:schemeClr val="accent1">
+        <a:alpha val="90000"/>
+        <a:tint val="40000"/>
+      </a:schemeClr>
+    </dgm:fillClrLst>
+    <dgm:linClrLst meth="repeat">
+      <a:schemeClr val="accent1">
+        <a:alpha val="90000"/>
+        <a:tint val="40000"/>
+      </a:schemeClr>
+    </dgm:linClrLst>
+    <dgm:effectClrLst/>
+    <dgm:txLinClrLst/>
+    <dgm:txFillClrLst meth="repeat">
+      <a:schemeClr val="dk1"/>
+    </dgm:txFillClrLst>
+    <dgm:txEffectClrLst/>
+  </dgm:styleLbl>
+  <dgm:styleLbl name="alignAccFollowNode1">
+    <dgm:fillClrLst meth="repeat">
+      <a:schemeClr val="accent1">
+        <a:alpha val="90000"/>
+        <a:tint val="40000"/>
+      </a:schemeClr>
+    </dgm:fillClrLst>
+    <dgm:linClrLst meth="repeat">
+      <a:schemeClr val="accent1">
+        <a:alpha val="90000"/>
+        <a:tint val="40000"/>
+      </a:schemeClr>
+    </dgm:linClrLst>
+    <dgm:effectClrLst/>
+    <dgm:txLinClrLst/>
+    <dgm:txFillClrLst meth="repeat">
+      <a:schemeClr val="dk1"/>
+    </dgm:txFillClrLst>
+    <dgm:txEffectClrLst/>
+  </dgm:styleLbl>
+  <dgm:styleLbl name="bgAccFollowNode1">
+    <dgm:fillClrLst meth="repeat">
+      <a:schemeClr val="accent1">
+        <a:alpha val="90000"/>
+        <a:tint val="40000"/>
+      </a:schemeClr>
+    </dgm:fillClrLst>
+    <dgm:linClrLst meth="repeat">
+      <a:schemeClr val="accent1">
+        <a:alpha val="90000"/>
+        <a:tint val="40000"/>
+      </a:schemeClr>
+    </dgm:linClrLst>
+    <dgm:effectClrLst/>
+    <dgm:txLinClrLst/>
+    <dgm:txFillClrLst meth="repeat">
+      <a:schemeClr val="dk1"/>
+    </dgm:txFillClrLst>
+    <dgm:txEffectClrLst/>
+  </dgm:styleLbl>
+  <dgm:styleLbl name="fgAcc0">
+    <dgm:fillClrLst meth="repeat">
+      <a:schemeClr val="lt1">
+        <a:alpha val="90000"/>
+      </a:schemeClr>
+    </dgm:fillClrLst>
+    <dgm:linClrLst meth="repeat">
+      <a:schemeClr val="accent1"/>
+    </dgm:linClrLst>
+    <dgm:effectClrLst/>
+    <dgm:txLinClrLst/>
+    <dgm:txFillClrLst meth="repeat">
+      <a:schemeClr val="dk1"/>
+    </dgm:txFillClrLst>
+    <dgm:txEffectClrLst/>
+  </dgm:styleLbl>
+  <dgm:styleLbl name="fgAcc2">
+    <dgm:fillClrLst meth="repeat">
+      <a:schemeClr val="lt1">
+        <a:alpha val="90000"/>
+      </a:schemeClr>
+    </dgm:fillClrLst>
+    <dgm:linClrLst meth="repeat">
+      <a:schemeClr val="accent1"/>
+    </dgm:linClrLst>
+    <dgm:effectClrLst/>
+    <dgm:txLinClrLst/>
+    <dgm:txFillClrLst meth="repeat">
+      <a:schemeClr val="dk1"/>
+    </dgm:txFillClrLst>
+    <dgm:txEffectClrLst/>
+  </dgm:styleLbl>
+  <dgm:styleLbl name="fgAcc3">
+    <dgm:fillClrLst meth="repeat">
+      <a:schemeClr val="lt1">
+        <a:alpha val="90000"/>
+      </a:schemeClr>
+    </dgm:fillClrLst>
+    <dgm:linClrLst meth="repeat">
+      <a:schemeClr val="accent1"/>
+    </dgm:linClrLst>
+    <dgm:effectClrLst/>
+    <dgm:txLinClrLst/>
+    <dgm:txFillClrLst meth="repeat">
+      <a:schemeClr val="dk1"/>
+    </dgm:txFillClrLst>
+    <dgm:txEffectClrLst/>
+  </dgm:styleLbl>
+  <dgm:styleLbl name="fgAcc4">
+    <dgm:fillClrLst meth="repeat">
+      <a:schemeClr val="lt1">
+        <a:alpha val="90000"/>
+      </a:schemeClr>
+    </dgm:fillClrLst>
+    <dgm:linClrLst meth="repeat">
+      <a:schemeClr val="accent1"/>
+    </dgm:linClrLst>
+    <dgm:effectClrLst/>
+    <dgm:txLinClrLst/>
+    <dgm:txFillClrLst meth="repeat">
+      <a:schemeClr val="dk1"/>
+    </dgm:txFillClrLst>
+    <dgm:txEffectClrLst/>
+  </dgm:styleLbl>
+  <dgm:styleLbl name="bgShp">
+    <dgm:fillClrLst meth="repeat">
+      <a:schemeClr val="accent1">
+        <a:tint val="40000"/>
+      </a:schemeClr>
+    </dgm:fillClrLst>
+    <dgm:linClrLst meth="repeat">
+      <a:schemeClr val="accent1"/>
+    </dgm:linClrLst>
+    <dgm:effectClrLst/>
+    <dgm:txLinClrLst/>
+    <dgm:txFillClrLst meth="repeat">
+      <a:schemeClr val="dk1"/>
+    </dgm:txFillClrLst>
+    <dgm:txEffectClrLst/>
+  </dgm:styleLbl>
+  <dgm:styleLbl name="dkBgShp">
+    <dgm:fillClrLst meth="repeat">
+      <a:schemeClr val="accent1">
+        <a:shade val="80000"/>
+      </a:schemeClr>
+    </dgm:fillClrLst>
+    <dgm:linClrLst meth="repeat">
+      <a:schemeClr val="accent1"/>
+    </dgm:linClrLst>
+    <dgm:effectClrLst/>
+    <dgm:txLinClrLst/>
+    <dgm:txFillClrLst meth="repeat">
+      <a:schemeClr val="lt1"/>
+    </dgm:txFillClrLst>
+    <dgm:txEffectClrLst/>
+  </dgm:styleLbl>
+  <dgm:styleLbl name="trBgShp">
+    <dgm:fillClrLst meth="repeat">
+      <a:schemeClr val="accent1">
+        <a:tint val="50000"/>
+        <a:alpha val="40000"/>
+      </a:schemeClr>
+    </dgm:fillClrLst>
+    <dgm:linClrLst meth="repeat">
+      <a:schemeClr val="accent1"/>
+    </dgm:linClrLst>
+    <dgm:effectClrLst/>
+    <dgm:txLinClrLst/>
+    <dgm:txFillClrLst meth="repeat">
+      <a:schemeClr val="lt1"/>
+    </dgm:txFillClrLst>
+    <dgm:txEffectClrLst/>
+  </dgm:styleLbl>
+  <dgm:styleLbl name="fgShp">
+    <dgm:fillClrLst meth="repeat">
+      <a:schemeClr val="accent1">
+        <a:tint val="60000"/>
+      </a:schemeClr>
+    </dgm:fillClrLst>
+    <dgm:linClrLst meth="repeat">
+      <a:schemeClr val="lt1"/>
+    </dgm:linClrLst>
+    <dgm:effectClrLst/>
+    <dgm:txLinClrLst/>
+    <dgm:txFillClrLst meth="repeat">
+      <a:schemeClr val="dk1"/>
+    </dgm:txFillClrLst>
+    <dgm:txEffectClrLst/>
+  </dgm:styleLbl>
+  <dgm:styleLbl name="revTx">
+    <dgm:fillClrLst meth="repeat">
+      <a:schemeClr val="lt1">
+        <a:alpha val="0"/>
+      </a:schemeClr>
+    </dgm:fillClrLst>
+    <dgm:linClrLst meth="repeat">
+      <a:schemeClr val="dk1">
+        <a:alpha val="0"/>
+      </a:schemeClr>
+    </dgm:linClrLst>
+    <dgm:effectClrLst/>
+    <dgm:txLinClrLst/>
+    <dgm:txFillClrLst meth="repeat">
+      <a:schemeClr val="tx1"/>
+    </dgm:txFillClrLst>
+    <dgm:txEffectClrLst/>
+  </dgm:styleLbl>
+</dgm:colorsDef>
+</file>
+
+<file path=ppt/diagrams/colors2.xml><?xml version="1.0" encoding="utf-8"?>
+<dgm:colorsDef xmlns:dgm="http://schemas.openxmlformats.org/drawingml/2006/diagram" xmlns:a="http://schemas.openxmlformats.org/drawingml/2006/main" uniqueId="urn:microsoft.com/office/officeart/2005/8/colors/accent1_2">
+  <dgm:title val=""/>
+  <dgm:desc val=""/>
+  <dgm:catLst>
+    <dgm:cat type="accent1" pri="11200"/>
+  </dgm:catLst>
+  <dgm:styleLbl name="node0">
+    <dgm:fillClrLst meth="repeat">
+      <a:schemeClr val="accent1"/>
+    </dgm:fillClrLst>
+    <dgm:linClrLst meth="repeat">
+      <a:schemeClr val="lt1"/>
+    </dgm:linClrLst>
+    <dgm:effectClrLst/>
+    <dgm:txLinClrLst/>
+    <dgm:txFillClrLst/>
+    <dgm:txEffectClrLst/>
+  </dgm:styleLbl>
+  <dgm:styleLbl name="alignNode1">
+    <dgm:fillClrLst meth="repeat">
+      <a:schemeClr val="accent1"/>
+    </dgm:fillClrLst>
+    <dgm:linClrLst meth="repeat">
+      <a:schemeClr val="accent1"/>
+    </dgm:linClrLst>
+    <dgm:effectClrLst/>
+    <dgm:txLinClrLst/>
+    <dgm:txFillClrLst/>
+    <dgm:txEffectClrLst/>
+  </dgm:styleLbl>
+  <dgm:styleLbl name="node1">
+    <dgm:fillClrLst meth="repeat">
+      <a:schemeClr val="accent1"/>
+    </dgm:fillClrLst>
+    <dgm:linClrLst meth="repeat">
+      <a:schemeClr val="lt1"/>
+    </dgm:linClrLst>
+    <dgm:effectClrLst/>
+    <dgm:txLinClrLst/>
+    <dgm:txFillClrLst/>
+    <dgm:txEffectClrLst/>
+  </dgm:styleLbl>
+  <dgm:styleLbl name="lnNode1">
+    <dgm:fillClrLst meth="repeat">
+      <a:schemeClr val="accent1"/>
+    </dgm:fillClrLst>
+    <dgm:linClrLst meth="repeat">
+      <a:schemeClr val="lt1"/>
+    </dgm:linClrLst>
+    <dgm:effectClrLst/>
+    <dgm:txLinClrLst/>
+    <dgm:txFillClrLst/>
+    <dgm:txEffectClrLst/>
+  </dgm:styleLbl>
+  <dgm:styleLbl name="vennNode1">
+    <dgm:fillClrLst meth="repeat">
+      <a:schemeClr val="accent1">
+        <a:alpha val="50000"/>
+      </a:schemeClr>
+    </dgm:fillClrLst>
+    <dgm:linClrLst meth="repeat">
+      <a:schemeClr val="lt1"/>
+    </dgm:linClrLst>
+    <dgm:effectClrLst/>
+    <dgm:txLinClrLst/>
+    <dgm:txFillClrLst/>
+    <dgm:txEffectClrLst/>
+  </dgm:styleLbl>
+  <dgm:styleLbl name="node2">
+    <dgm:fillClrLst meth="repeat">
+      <a:schemeClr val="accent1"/>
+    </dgm:fillClrLst>
+    <dgm:linClrLst meth="repeat">
+      <a:schemeClr val="lt1"/>
+    </dgm:linClrLst>
+    <dgm:effectClrLst/>
+    <dgm:txLinClrLst/>
+    <dgm:txFillClrLst/>
+    <dgm:txEffectClrLst/>
+  </dgm:styleLbl>
+  <dgm:styleLbl name="node3">
+    <dgm:fillClrLst meth="repeat">
+      <a:schemeClr val="accent1"/>
+    </dgm:fillClrLst>
+    <dgm:linClrLst meth="repeat">
+      <a:schemeClr val="lt1"/>
+    </dgm:linClrLst>
+    <dgm:effectClrLst/>
+    <dgm:txLinClrLst/>
+    <dgm:txFillClrLst/>
+    <dgm:txEffectClrLst/>
+  </dgm:styleLbl>
+  <dgm:styleLbl name="node4">
+    <dgm:fillClrLst meth="repeat">
+      <a:schemeClr val="accent1"/>
+    </dgm:fillClrLst>
+    <dgm:linClrLst meth="repeat">
+      <a:schemeClr val="lt1"/>
+    </dgm:linClrLst>
+    <dgm:effectClrLst/>
+    <dgm:txLinClrLst/>
+    <dgm:txFillClrLst/>
+    <dgm:txEffectClrLst/>
+  </dgm:styleLbl>
+  <dgm:styleLbl name="fgImgPlace1">
+    <dgm:fillClrLst meth="repeat">
+      <a:schemeClr val="accent1">
+        <a:tint val="50000"/>
+      </a:schemeClr>
+    </dgm:fillClrLst>
+    <dgm:linClrLst meth="repeat">
+      <a:schemeClr val="lt1"/>
+    </dgm:linClrLst>
+    <dgm:effectClrLst/>
+    <dgm:txLinClrLst/>
+    <dgm:txFillClrLst meth="repeat">
+      <a:schemeClr val="lt1"/>
+    </dgm:txFillClrLst>
+    <dgm:txEffectClrLst/>
+  </dgm:styleLbl>
+  <dgm:styleLbl name="alignImgPlace1">
+    <dgm:fillClrLst meth="repeat">
+      <a:schemeClr val="accent1">
+        <a:tint val="50000"/>
+      </a:schemeClr>
+    </dgm:fillClrLst>
+    <dgm:linClrLst meth="repeat">
+      <a:schemeClr val="lt1"/>
+    </dgm:linClrLst>
+    <dgm:effectClrLst/>
+    <dgm:txLinClrLst/>
+    <dgm:txFillClrLst meth="repeat">
+      <a:schemeClr val="lt1"/>
+    </dgm:txFillClrLst>
+    <dgm:txEffectClrLst/>
+  </dgm:styleLbl>
+  <dgm:styleLbl name="bgImgPlace1">
+    <dgm:fillClrLst meth="repeat">
+      <a:schemeClr val="accent1">
+        <a:tint val="50000"/>
+      </a:schemeClr>
+    </dgm:fillClrLst>
+    <dgm:linClrLst meth="repeat">
+      <a:schemeClr val="lt1"/>
+    </dgm:linClrLst>
+    <dgm:effectClrLst/>
+    <dgm:txLinClrLst/>
+    <dgm:txFillClrLst meth="repeat">
+      <a:schemeClr val="lt1"/>
+    </dgm:txFillClrLst>
+    <dgm:txEffectClrLst/>
+  </dgm:styleLbl>
+  <dgm:styleLbl name="sibTrans2D1">
+    <dgm:fillClrLst meth="repeat">
+      <a:schemeClr val="accent1">
+        <a:tint val="60000"/>
+      </a:schemeClr>
+    </dgm:fillClrLst>
+    <dgm:linClrLst meth="repeat">
+      <a:schemeClr val="accent1">
+        <a:tint val="60000"/>
+      </a:schemeClr>
+    </dgm:linClrLst>
+    <dgm:effectClrLst/>
+    <dgm:txLinClrLst/>
+    <dgm:txFillClrLst/>
+    <dgm:txEffectClrLst/>
+  </dgm:styleLbl>
+  <dgm:styleLbl name="fgSibTrans2D1">
+    <dgm:fillClrLst meth="repeat">
+      <a:schemeClr val="accent1">
+        <a:tint val="60000"/>
+      </a:schemeClr>
+    </dgm:fillClrLst>
+    <dgm:linClrLst meth="repeat">
+      <a:schemeClr val="accent1">
+        <a:tint val="60000"/>
+      </a:schemeClr>
+    </dgm:linClrLst>
+    <dgm:effectClrLst/>
+    <dgm:txLinClrLst/>
+    <dgm:txFillClrLst/>
+    <dgm:txEffectClrLst/>
+  </dgm:styleLbl>
+  <dgm:styleLbl name="bgSibTrans2D1">
+    <dgm:fillClrLst meth="repeat">
+      <a:schemeClr val="accent1">
+        <a:tint val="60000"/>
+      </a:schemeClr>
+    </dgm:fillClrLst>
+    <dgm:linClrLst meth="repeat">
+      <a:schemeClr val="accent1">
+        <a:tint val="60000"/>
+      </a:schemeClr>
+    </dgm:linClrLst>
+    <dgm:effectClrLst/>
+    <dgm:txLinClrLst/>
+    <dgm:txFillClrLst/>
+    <dgm:txEffectClrLst/>
+  </dgm:styleLbl>
+  <dgm:styleLbl name="sibTrans1D1">
+    <dgm:fillClrLst meth="repeat">
+      <a:schemeClr val="accent1"/>
+    </dgm:fillClrLst>
+    <dgm:linClrLst meth="repeat">
+      <a:schemeClr val="accent1"/>
+    </dgm:linClrLst>
+    <dgm:effectClrLst/>
+    <dgm:txLinClrLst/>
+    <dgm:txFillClrLst meth="repeat">
+      <a:schemeClr val="tx1"/>
+    </dgm:txFillClrLst>
+    <dgm:txEffectClrLst/>
+  </dgm:styleLbl>
+  <dgm:styleLbl name="callout">
+    <dgm:fillClrLst meth="repeat">
+      <a:schemeClr val="accent1"/>
+    </dgm:fillClrLst>
+    <dgm:linClrLst meth="repeat">
+      <a:schemeClr val="accent1">
+        <a:tint val="50000"/>
+      </a:schemeClr>
+    </dgm:linClrLst>
+    <dgm:effectClrLst/>
+    <dgm:txLinClrLst/>
+    <dgm:txFillClrLst meth="repeat">
+      <a:schemeClr val="tx1"/>
+    </dgm:txFillClrLst>
+    <dgm:txEffectClrLst/>
+  </dgm:styleLbl>
+  <dgm:styleLbl name="asst0">
+    <dgm:fillClrLst meth="repeat">
+      <a:schemeClr val="accent1"/>
+    </dgm:fillClrLst>
+    <dgm:linClrLst meth="repeat">
+      <a:schemeClr val="lt1"/>
+    </dgm:linClrLst>
+    <dgm:effectClrLst/>
+    <dgm:txLinClrLst/>
+    <dgm:txFillClrLst/>
+    <dgm:txEffectClrLst/>
+  </dgm:styleLbl>
+  <dgm:styleLbl name="asst1">
+    <dgm:fillClrLst meth="repeat">
+      <a:schemeClr val="accent1"/>
+    </dgm:fillClrLst>
+    <dgm:linClrLst meth="repeat">
+      <a:schemeClr val="lt1"/>
+    </dgm:linClrLst>
+    <dgm:effectClrLst/>
+    <dgm:txLinClrLst/>
+    <dgm:txFillClrLst/>
+    <dgm:txEffectClrLst/>
+  </dgm:styleLbl>
+  <dgm:styleLbl name="asst2">
+    <dgm:fillClrLst meth="repeat">
+      <a:schemeClr val="accent1"/>
+    </dgm:fillClrLst>
+    <dgm:linClrLst meth="repeat">
+      <a:schemeClr val="lt1"/>
+    </dgm:linClrLst>
+    <dgm:effectClrLst/>
+    <dgm:txLinClrLst/>
+    <dgm:txFillClrLst/>
+    <dgm:txEffectClrLst/>
+  </dgm:styleLbl>
+  <dgm:styleLbl name="asst3">
+    <dgm:fillClrLst meth="repeat">
+      <a:schemeClr val="accent1"/>
+    </dgm:fillClrLst>
+    <dgm:linClrLst meth="repeat">
+      <a:schemeClr val="lt1"/>
+    </dgm:linClrLst>
+    <dgm:effectClrLst/>
+    <dgm:txLinClrLst/>
+    <dgm:txFillClrLst/>
+    <dgm:txEffectClrLst/>
+  </dgm:styleLbl>
+  <dgm:styleLbl name="asst4">
+    <dgm:fillClrLst meth="repeat">
+      <a:schemeClr val="accent1"/>
+    </dgm:fillClrLst>
+    <dgm:linClrLst meth="repeat">
+      <a:schemeClr val="lt1"/>
+    </dgm:linClrLst>
+    <dgm:effectClrLst/>
+    <dgm:txLinClrLst/>
+    <dgm:txFillClrLst/>
+    <dgm:txEffectClrLst/>
+  </dgm:styleLbl>
+  <dgm:styleLbl name="parChTrans2D1">
+    <dgm:fillClrLst meth="repeat">
+      <a:schemeClr val="accent1">
+        <a:tint val="60000"/>
+      </a:schemeClr>
+    </dgm:fillClrLst>
+    <dgm:linClrLst meth="repeat">
+      <a:schemeClr val="accent1">
+        <a:tint val="60000"/>
+      </a:schemeClr>
+    </dgm:linClrLst>
+    <dgm:effectClrLst/>
+    <dgm:txLinClrLst/>
+    <dgm:txFillClrLst meth="repeat">
+      <a:schemeClr val="lt1"/>
+    </dgm:txFillClrLst>
+    <dgm:txEffectClrLst/>
+  </dgm:styleLbl>
+  <dgm:styleLbl name="parChTrans2D2">
+    <dgm:fillClrLst meth="repeat">
+      <a:schemeClr val="accent1"/>
+    </dgm:fillClrLst>
+    <dgm:linClrLst meth="repeat">
+      <a:schemeClr val="accent1"/>
+    </dgm:linClrLst>
+    <dgm:effectClrLst/>
+    <dgm:txLinClrLst/>
+    <dgm:txFillClrLst meth="repeat">
+      <a:schemeClr val="lt1"/>
+    </dgm:txFillClrLst>
+    <dgm:txEffectClrLst/>
+  </dgm:styleLbl>
+  <dgm:styleLbl name="parChTrans2D3">
+    <dgm:fillClrLst meth="repeat">
+      <a:schemeClr val="accent1"/>
+    </dgm:fillClrLst>
+    <dgm:linClrLst meth="repeat">
+      <a:schemeClr val="accent1"/>
+    </dgm:linClrLst>
+    <dgm:effectClrLst/>
+    <dgm:txLinClrLst/>
+    <dgm:txFillClrLst meth="repeat">
+      <a:schemeClr val="lt1"/>
+    </dgm:txFillClrLst>
+    <dgm:txEffectClrLst/>
+  </dgm:styleLbl>
+  <dgm:styleLbl name="parChTrans2D4">
+    <dgm:fillClrLst meth="repeat">
+      <a:schemeClr val="accent1"/>
+    </dgm:fillClrLst>
+    <dgm:linClrLst meth="repeat">
+      <a:schemeClr val="accent1"/>
+    </dgm:linClrLst>
+    <dgm:effectClrLst/>
+    <dgm:txLinClrLst/>
+    <dgm:txFillClrLst meth="repeat">
+      <a:schemeClr val="lt1"/>
+    </dgm:txFillClrLst>
+    <dgm:txEffectClrLst/>
+  </dgm:styleLbl>
+  <dgm:styleLbl name="parChTrans1D1">
+    <dgm:fillClrLst meth="repeat">
+      <a:schemeClr val="accent1"/>
+    </dgm:fillClrLst>
+    <dgm:linClrLst meth="repeat">
+      <a:schemeClr val="accent1">
+        <a:shade val="60000"/>
+      </a:schemeClr>
+    </dgm:linClrLst>
+    <dgm:effectClrLst/>
+    <dgm:txLinClrLst/>
+    <dgm:txFillClrLst meth="repeat">
+      <a:schemeClr val="tx1"/>
+    </dgm:txFillClrLst>
+    <dgm:txEffectClrLst/>
+  </dgm:styleLbl>
+  <dgm:styleLbl name="parChTrans1D2">
+    <dgm:fillClrLst meth="repeat">
+      <a:schemeClr val="accent1"/>
+    </dgm:fillClrLst>
+    <dgm:linClrLst meth="repeat">
+      <a:schemeClr val="accent1">
+        <a:shade val="60000"/>
+      </a:schemeClr>
+    </dgm:linClrLst>
+    <dgm:effectClrLst/>
+    <dgm:txLinClrLst/>
+    <dgm:txFillClrLst meth="repeat">
+      <a:schemeClr val="tx1"/>
+    </dgm:txFillClrLst>
+    <dgm:txEffectClrLst/>
+  </dgm:styleLbl>
+  <dgm:styleLbl name="parChTrans1D3">
+    <dgm:fillClrLst meth="repeat">
+      <a:schemeClr val="accent1"/>
+    </dgm:fillClrLst>
+    <dgm:linClrLst meth="repeat">
+      <a:schemeClr val="accent1">
+        <a:shade val="80000"/>
+      </a:schemeClr>
+    </dgm:linClrLst>
+    <dgm:effectClrLst/>
+    <dgm:txLinClrLst/>
+    <dgm:txFillClrLst meth="repeat">
+      <a:schemeClr val="tx1"/>
+    </dgm:txFillClrLst>
+    <dgm:txEffectClrLst/>
+  </dgm:styleLbl>
+  <dgm:styleLbl name="parChTrans1D4">
+    <dgm:fillClrLst meth="repeat">
+      <a:schemeClr val="accent1"/>
+    </dgm:fillClrLst>
+    <dgm:linClrLst meth="repeat">
+      <a:schemeClr val="accent1">
+        <a:shade val="80000"/>
+      </a:schemeClr>
+    </dgm:linClrLst>
+    <dgm:effectClrLst/>
+    <dgm:txLinClrLst/>
+    <dgm:txFillClrLst meth="repeat">
+      <a:schemeClr val="tx1"/>
+    </dgm:txFillClrLst>
+    <dgm:txEffectClrLst/>
+  </dgm:styleLbl>
+  <dgm:styleLbl name="fgAcc1">
+    <dgm:fillClrLst meth="repeat">
+      <a:schemeClr val="lt1">
+        <a:alpha val="90000"/>
+      </a:schemeClr>
+    </dgm:fillClrLst>
+    <dgm:linClrLst meth="repeat">
+      <a:schemeClr val="accent1"/>
+    </dgm:linClrLst>
+    <dgm:effectClrLst/>
+    <dgm:txLinClrLst/>
+    <dgm:txFillClrLst meth="repeat">
+      <a:schemeClr val="dk1"/>
+    </dgm:txFillClrLst>
+    <dgm:txEffectClrLst/>
+  </dgm:styleLbl>
+  <dgm:styleLbl name="conFgAcc1">
+    <dgm:fillClrLst meth="repeat">
+      <a:schemeClr val="lt1">
+        <a:alpha val="90000"/>
+      </a:schemeClr>
+    </dgm:fillClrLst>
+    <dgm:linClrLst meth="repeat">
+      <a:schemeClr val="accent1"/>
+    </dgm:linClrLst>
+    <dgm:effectClrLst/>
+    <dgm:txLinClrLst/>
+    <dgm:txFillClrLst meth="repeat">
+      <a:schemeClr val="dk1"/>
+    </dgm:txFillClrLst>
+    <dgm:txEffectClrLst/>
+  </dgm:styleLbl>
+  <dgm:styleLbl name="alignAcc1">
+    <dgm:fillClrLst meth="repeat">
+      <a:schemeClr val="lt1">
+        <a:alpha val="90000"/>
+      </a:schemeClr>
+    </dgm:fillClrLst>
+    <dgm:linClrLst meth="repeat">
+      <a:schemeClr val="accent1"/>
+    </dgm:linClrLst>
+    <dgm:effectClrLst/>
+    <dgm:txLinClrLst/>
+    <dgm:txFillClrLst meth="repeat">
+      <a:schemeClr val="dk1"/>
+    </dgm:txFillClrLst>
+    <dgm:txEffectClrLst/>
+  </dgm:styleLbl>
+  <dgm:styleLbl name="trAlignAcc1">
+    <dgm:fillClrLst meth="repeat">
+      <a:schemeClr val="lt1">
+        <a:alpha val="40000"/>
+      </a:schemeClr>
+    </dgm:fillClrLst>
+    <dgm:linClrLst meth="repeat">
+      <a:schemeClr val="accent1"/>
+    </dgm:linClrLst>
+    <dgm:effectClrLst/>
+    <dgm:txLinClrLst/>
+    <dgm:txFillClrLst meth="repeat">
+      <a:schemeClr val="dk1"/>
+    </dgm:txFillClrLst>
+    <dgm:txEffectClrLst/>
+  </dgm:styleLbl>
+  <dgm:styleLbl name="bgAcc1">
+    <dgm:fillClrLst meth="repeat">
+      <a:schemeClr val="lt1">
+        <a:alpha val="90000"/>
+      </a:schemeClr>
+    </dgm:fillClrLst>
+    <dgm:linClrLst meth="repeat">
+      <a:schemeClr val="accent1"/>
+    </dgm:linClrLst>
+    <dgm:effectClrLst/>
+    <dgm:txLinClrLst/>
+    <dgm:txFillClrLst meth="repeat">
+      <a:schemeClr val="dk1"/>
+    </dgm:txFillClrLst>
+    <dgm:txEffectClrLst/>
+  </dgm:styleLbl>
+  <dgm:styleLbl name="solidFgAcc1">
+    <dgm:fillClrLst meth="repeat">
+      <a:schemeClr val="lt1"/>
+    </dgm:fillClrLst>
+    <dgm:linClrLst meth="repeat">
+      <a:schemeClr val="accent1"/>
+    </dgm:linClrLst>
+    <dgm:effectClrLst/>
+    <dgm:txLinClrLst/>
+    <dgm:txFillClrLst meth="repeat">
+      <a:schemeClr val="dk1"/>
+    </dgm:txFillClrLst>
+    <dgm:txEffectClrLst/>
+  </dgm:styleLbl>
+  <dgm:styleLbl name="solidAlignAcc1">
+    <dgm:fillClrLst meth="repeat">
+      <a:schemeClr val="lt1"/>
+    </dgm:fillClrLst>
+    <dgm:linClrLst meth="repeat">
+      <a:schemeClr val="accent1"/>
+    </dgm:linClrLst>
+    <dgm:effectClrLst/>
+    <dgm:txLinClrLst/>
+    <dgm:txFillClrLst meth="repeat">
+      <a:schemeClr val="dk1"/>
+    </dgm:txFillClrLst>
+    <dgm:txEffectClrLst/>
+  </dgm:styleLbl>
+  <dgm:styleLbl name="solidBgAcc1">
+    <dgm:fillClrLst meth="repeat">
+      <a:schemeClr val="lt1"/>
+    </dgm:fillClrLst>
+    <dgm:linClrLst meth="repeat">
+      <a:schemeClr val="accent1"/>
+    </dgm:linClrLst>
+    <dgm:effectClrLst/>
+    <dgm:txLinClrLst/>
+    <dgm:txFillClrLst meth="repeat">
+      <a:schemeClr val="dk1"/>
+    </dgm:txFillClrLst>
+    <dgm:txEffectClrLst/>
+  </dgm:styleLbl>
+  <dgm:styleLbl name="fgAccFollowNode1">
+    <dgm:fillClrLst meth="repeat">
+      <a:schemeClr val="accent1">
+        <a:alpha val="90000"/>
+        <a:tint val="40000"/>
+      </a:schemeClr>
+    </dgm:fillClrLst>
+    <dgm:linClrLst meth="repeat">
+      <a:schemeClr val="accent1">
+        <a:alpha val="90000"/>
+        <a:tint val="40000"/>
+      </a:schemeClr>
+    </dgm:linClrLst>
+    <dgm:effectClrLst/>
+    <dgm:txLinClrLst/>
+    <dgm:txFillClrLst meth="repeat">
+      <a:schemeClr val="dk1"/>
+    </dgm:txFillClrLst>
+    <dgm:txEffectClrLst/>
+  </dgm:styleLbl>
+  <dgm:styleLbl name="alignAccFollowNode1">
+    <dgm:fillClrLst meth="repeat">
+      <a:schemeClr val="accent1">
+        <a:alpha val="90000"/>
+        <a:tint val="40000"/>
+      </a:schemeClr>
+    </dgm:fillClrLst>
+    <dgm:linClrLst meth="repeat">
+      <a:schemeClr val="accent1">
+        <a:alpha val="90000"/>
+        <a:tint val="40000"/>
+      </a:schemeClr>
+    </dgm:linClrLst>
+    <dgm:effectClrLst/>
+    <dgm:txLinClrLst/>
+    <dgm:txFillClrLst meth="repeat">
+      <a:schemeClr val="dk1"/>
+    </dgm:txFillClrLst>
+    <dgm:txEffectClrLst/>
+  </dgm:styleLbl>
+  <dgm:styleLbl name="bgAccFollowNode1">
+    <dgm:fillClrLst meth="repeat">
+      <a:schemeClr val="accent1">
+        <a:alpha val="90000"/>
+        <a:tint val="40000"/>
+      </a:schemeClr>
+    </dgm:fillClrLst>
+    <dgm:linClrLst meth="repeat">
+      <a:schemeClr val="accent1">
+        <a:alpha val="90000"/>
+        <a:tint val="40000"/>
+      </a:schemeClr>
+    </dgm:linClrLst>
+    <dgm:effectClrLst/>
+    <dgm:txLinClrLst/>
+    <dgm:txFillClrLst meth="repeat">
+      <a:schemeClr val="dk1"/>
+    </dgm:txFillClrLst>
+    <dgm:txEffectClrLst/>
+  </dgm:styleLbl>
+  <dgm:styleLbl name="fgAcc0">
+    <dgm:fillClrLst meth="repeat">
+      <a:schemeClr val="lt1">
+        <a:alpha val="90000"/>
+      </a:schemeClr>
+    </dgm:fillClrLst>
+    <dgm:linClrLst meth="repeat">
+      <a:schemeClr val="accent1"/>
+    </dgm:linClrLst>
+    <dgm:effectClrLst/>
+    <dgm:txLinClrLst/>
+    <dgm:txFillClrLst meth="repeat">
+      <a:schemeClr val="dk1"/>
+    </dgm:txFillClrLst>
+    <dgm:txEffectClrLst/>
+  </dgm:styleLbl>
+  <dgm:styleLbl name="fgAcc2">
+    <dgm:fillClrLst meth="repeat">
+      <a:schemeClr val="lt1">
+        <a:alpha val="90000"/>
+      </a:schemeClr>
+    </dgm:fillClrLst>
+    <dgm:linClrLst meth="repeat">
+      <a:schemeClr val="accent1"/>
+    </dgm:linClrLst>
+    <dgm:effectClrLst/>
+    <dgm:txLinClrLst/>
+    <dgm:txFillClrLst meth="repeat">
+      <a:schemeClr val="dk1"/>
+    </dgm:txFillClrLst>
+    <dgm:txEffectClrLst/>
+  </dgm:styleLbl>
+  <dgm:styleLbl name="fgAcc3">
+    <dgm:fillClrLst meth="repeat">
+      <a:schemeClr val="lt1">
+        <a:alpha val="90000"/>
+      </a:schemeClr>
+    </dgm:fillClrLst>
+    <dgm:linClrLst meth="repeat">
+      <a:schemeClr val="accent1"/>
+    </dgm:linClrLst>
+    <dgm:effectClrLst/>
+    <dgm:txLinClrLst/>
+    <dgm:txFillClrLst meth="repeat">
+      <a:schemeClr val="dk1"/>
+    </dgm:txFillClrLst>
+    <dgm:txEffectClrLst/>
+  </dgm:styleLbl>
+  <dgm:styleLbl name="fgAcc4">
+    <dgm:fillClrLst meth="repeat">
+      <a:schemeClr val="lt1">
+        <a:alpha val="90000"/>
+      </a:schemeClr>
+    </dgm:fillClrLst>
+    <dgm:linClrLst meth="repeat">
+      <a:schemeClr val="accent1"/>
+    </dgm:linClrLst>
+    <dgm:effectClrLst/>
+    <dgm:txLinClrLst/>
+    <dgm:txFillClrLst meth="repeat">
+      <a:schemeClr val="dk1"/>
+    </dgm:txFillClrLst>
+    <dgm:txEffectClrLst/>
+  </dgm:styleLbl>
+  <dgm:styleLbl name="bgShp">
+    <dgm:fillClrLst meth="repeat">
+      <a:schemeClr val="accent1">
+        <a:tint val="40000"/>
+      </a:schemeClr>
+    </dgm:fillClrLst>
+    <dgm:linClrLst meth="repeat">
+      <a:schemeClr val="accent1"/>
+    </dgm:linClrLst>
+    <dgm:effectClrLst/>
+    <dgm:txLinClrLst/>
+    <dgm:txFillClrLst meth="repeat">
+      <a:schemeClr val="dk1"/>
+    </dgm:txFillClrLst>
+    <dgm:txEffectClrLst/>
+  </dgm:styleLbl>
+  <dgm:styleLbl name="dkBgShp">
+    <dgm:fillClrLst meth="repeat">
+      <a:schemeClr val="accent1">
+        <a:shade val="80000"/>
+      </a:schemeClr>
+    </dgm:fillClrLst>
+    <dgm:linClrLst meth="repeat">
+      <a:schemeClr val="accent1"/>
+    </dgm:linClrLst>
+    <dgm:effectClrLst/>
+    <dgm:txLinClrLst/>
+    <dgm:txFillClrLst meth="repeat">
+      <a:schemeClr val="lt1"/>
+    </dgm:txFillClrLst>
+    <dgm:txEffectClrLst/>
+  </dgm:styleLbl>
+  <dgm:styleLbl name="trBgShp">
+    <dgm:fillClrLst meth="repeat">
+      <a:schemeClr val="accent1">
+        <a:tint val="50000"/>
+        <a:alpha val="40000"/>
+      </a:schemeClr>
+    </dgm:fillClrLst>
+    <dgm:linClrLst meth="repeat">
+      <a:schemeClr val="accent1"/>
+    </dgm:linClrLst>
+    <dgm:effectClrLst/>
+    <dgm:txLinClrLst/>
+    <dgm:txFillClrLst meth="repeat">
+      <a:schemeClr val="lt1"/>
+    </dgm:txFillClrLst>
+    <dgm:txEffectClrLst/>
+  </dgm:styleLbl>
+  <dgm:styleLbl name="fgShp">
+    <dgm:fillClrLst meth="repeat">
+      <a:schemeClr val="accent1">
+        <a:tint val="60000"/>
+      </a:schemeClr>
+    </dgm:fillClrLst>
+    <dgm:linClrLst meth="repeat">
+      <a:schemeClr val="lt1"/>
+    </dgm:linClrLst>
+    <dgm:effectClrLst/>
+    <dgm:txLinClrLst/>
+    <dgm:txFillClrLst meth="repeat">
+      <a:schemeClr val="dk1"/>
+    </dgm:txFillClrLst>
+    <dgm:txEffectClrLst/>
+  </dgm:styleLbl>
+  <dgm:styleLbl name="revTx">
+    <dgm:fillClrLst meth="repeat">
+      <a:schemeClr val="lt1">
+        <a:alpha val="0"/>
+      </a:schemeClr>
+    </dgm:fillClrLst>
+    <dgm:linClrLst meth="repeat">
+      <a:schemeClr val="dk1">
+        <a:alpha val="0"/>
+      </a:schemeClr>
+    </dgm:linClrLst>
+    <dgm:effectClrLst/>
+    <dgm:txLinClrLst/>
+    <dgm:txFillClrLst meth="repeat">
+      <a:schemeClr val="tx1"/>
+    </dgm:txFillClrLst>
+    <dgm:txEffectClrLst/>
+  </dgm:styleLbl>
+</dgm:colorsDef>
+</file>
+
+<file path=ppt/diagrams/data1.xml><?xml version="1.0" encoding="utf-8"?>
+<dgm:dataModel xmlns:dgm="http://schemas.openxmlformats.org/drawingml/2006/diagram" xmlns:a="http://schemas.openxmlformats.org/drawingml/2006/main">
+  <dgm:ptLst>
+    <dgm:pt modelId="{C8C0CBDC-5F1D-3849-B649-0B2A80BFAED5}" type="doc">
+      <dgm:prSet loTypeId="urn:microsoft.com/office/officeart/2005/8/layout/radial5" loCatId="" qsTypeId="urn:microsoft.com/office/officeart/2005/8/quickstyle/simple4" qsCatId="simple" csTypeId="urn:microsoft.com/office/officeart/2005/8/colors/accent1_2" csCatId="accent1" phldr="1"/>
+      <dgm:spPr/>
+      <dgm:t>
+        <a:bodyPr/>
+        <a:lstStyle/>
+        <a:p>
+          <a:endParaRPr lang="en-GB"/>
+        </a:p>
+      </dgm:t>
+    </dgm:pt>
+    <dgm:pt modelId="{F46A178B-E19F-724F-99EF-E451E2AC192A}">
+      <dgm:prSet phldrT="[Text]"/>
+      <dgm:spPr>
+        <a:solidFill>
+          <a:srgbClr val="82B7FF"/>
+        </a:solidFill>
+      </dgm:spPr>
+      <dgm:t>
+        <a:bodyPr/>
+        <a:lstStyle/>
+        <a:p>
+          <a:r>
+            <a:rPr lang="en-GB" dirty="0" smtClean="0"/>
+            <a:t>TIP</a:t>
+          </a:r>
+          <a:endParaRPr lang="en-GB" dirty="0"/>
+        </a:p>
+      </dgm:t>
+    </dgm:pt>
+    <dgm:pt modelId="{46BDF1FE-02F1-0644-A708-5D9DFB89A1D4}" type="parTrans" cxnId="{FDC4D18C-95FB-524C-9C83-0FB887BD6828}">
+      <dgm:prSet/>
+      <dgm:spPr/>
+      <dgm:t>
+        <a:bodyPr/>
+        <a:lstStyle/>
+        <a:p>
+          <a:endParaRPr lang="en-GB"/>
+        </a:p>
+      </dgm:t>
+    </dgm:pt>
+    <dgm:pt modelId="{58F784D9-8447-F34F-A74D-0BB13794CC50}" type="sibTrans" cxnId="{FDC4D18C-95FB-524C-9C83-0FB887BD6828}">
+      <dgm:prSet/>
+      <dgm:spPr/>
+      <dgm:t>
+        <a:bodyPr/>
+        <a:lstStyle/>
+        <a:p>
+          <a:endParaRPr lang="en-GB"/>
+        </a:p>
+      </dgm:t>
+    </dgm:pt>
+    <dgm:pt modelId="{3A90D533-5A64-5147-B455-A1712C6D2C0D}">
+      <dgm:prSet phldrT="[Text]"/>
+      <dgm:spPr>
+        <a:solidFill>
+          <a:srgbClr val="000090"/>
+        </a:solidFill>
+      </dgm:spPr>
+      <dgm:t>
+        <a:bodyPr/>
+        <a:lstStyle/>
+        <a:p>
+          <a:r>
+            <a:rPr lang="en-GB" dirty="0" smtClean="0"/>
+            <a:t>SMT-LIB</a:t>
+          </a:r>
+          <a:endParaRPr lang="en-GB" dirty="0"/>
+        </a:p>
+      </dgm:t>
+    </dgm:pt>
+    <dgm:pt modelId="{7CCDD536-CD15-334E-B4D3-4B80927987AE}" type="parTrans" cxnId="{8AEDC194-9BE0-414F-81A8-87D168303C64}">
+      <dgm:prSet/>
+      <dgm:spPr>
+        <a:solidFill>
+          <a:srgbClr val="FF3AC5"/>
+        </a:solidFill>
+      </dgm:spPr>
+      <dgm:t>
+        <a:bodyPr/>
+        <a:lstStyle/>
+        <a:p>
+          <a:endParaRPr lang="en-GB"/>
+        </a:p>
+      </dgm:t>
+    </dgm:pt>
+    <dgm:pt modelId="{7BEED671-7565-DF4C-9A18-50C27EAABBB0}" type="sibTrans" cxnId="{8AEDC194-9BE0-414F-81A8-87D168303C64}">
+      <dgm:prSet/>
+      <dgm:spPr/>
+      <dgm:t>
+        <a:bodyPr/>
+        <a:lstStyle/>
+        <a:p>
+          <a:endParaRPr lang="en-GB"/>
+        </a:p>
+      </dgm:t>
+    </dgm:pt>
+    <dgm:pt modelId="{BE8CDE50-AA30-C440-B642-F5BE1BB97B61}">
+      <dgm:prSet phldrT="[Text]"/>
+      <dgm:spPr>
+        <a:solidFill>
+          <a:srgbClr val="000090"/>
+        </a:solidFill>
+      </dgm:spPr>
+      <dgm:t>
+        <a:bodyPr/>
+        <a:lstStyle/>
+        <a:p>
+          <a:r>
+            <a:rPr lang="en-GB" dirty="0" err="1" smtClean="0"/>
+            <a:t>WhyML</a:t>
+          </a:r>
+          <a:endParaRPr lang="en-GB" dirty="0"/>
+        </a:p>
+      </dgm:t>
+    </dgm:pt>
+    <dgm:pt modelId="{B6A8999E-62F8-F641-8F8C-0437BBA396AF}" type="parTrans" cxnId="{11BC1C1D-35A6-C14E-96F9-284DE41A70E2}">
+      <dgm:prSet/>
+      <dgm:spPr>
+        <a:solidFill>
+          <a:srgbClr val="FF3AC5"/>
+        </a:solidFill>
+      </dgm:spPr>
+      <dgm:t>
+        <a:bodyPr/>
+        <a:lstStyle/>
+        <a:p>
+          <a:endParaRPr lang="en-GB"/>
+        </a:p>
+      </dgm:t>
+    </dgm:pt>
+    <dgm:pt modelId="{4F18A2D7-C60B-0E46-8A7A-55D394F54A74}" type="sibTrans" cxnId="{11BC1C1D-35A6-C14E-96F9-284DE41A70E2}">
+      <dgm:prSet/>
+      <dgm:spPr/>
+      <dgm:t>
+        <a:bodyPr/>
+        <a:lstStyle/>
+        <a:p>
+          <a:endParaRPr lang="en-GB"/>
+        </a:p>
+      </dgm:t>
+    </dgm:pt>
+    <dgm:pt modelId="{09B4DD7A-7BF2-E04B-8B51-3A09650E159A}">
+      <dgm:prSet phldrT="[Text]"/>
+      <dgm:spPr>
+        <a:solidFill>
+          <a:srgbClr val="000090"/>
+        </a:solidFill>
+      </dgm:spPr>
+      <dgm:t>
+        <a:bodyPr/>
+        <a:lstStyle/>
+        <a:p>
+          <a:r>
+            <a:rPr lang="en-GB" dirty="0" smtClean="0"/>
+            <a:t>Isabelle/HOL</a:t>
+          </a:r>
+          <a:endParaRPr lang="en-GB" dirty="0"/>
+        </a:p>
+      </dgm:t>
+    </dgm:pt>
+    <dgm:pt modelId="{3D16CAED-EA4B-394A-9D74-AA86B931A543}" type="parTrans" cxnId="{63CFBBB8-493E-7B4D-95C2-3DA6CE4534E3}">
+      <dgm:prSet/>
+      <dgm:spPr>
+        <a:solidFill>
+          <a:srgbClr val="FF3AC5"/>
+        </a:solidFill>
+      </dgm:spPr>
+      <dgm:t>
+        <a:bodyPr/>
+        <a:lstStyle/>
+        <a:p>
+          <a:endParaRPr lang="en-GB"/>
+        </a:p>
+      </dgm:t>
+    </dgm:pt>
+    <dgm:pt modelId="{38F50254-0465-8C4C-BB30-CF1EF28A7CCB}" type="sibTrans" cxnId="{63CFBBB8-493E-7B4D-95C2-3DA6CE4534E3}">
+      <dgm:prSet/>
+      <dgm:spPr/>
+      <dgm:t>
+        <a:bodyPr/>
+        <a:lstStyle/>
+        <a:p>
+          <a:endParaRPr lang="en-GB"/>
+        </a:p>
+      </dgm:t>
+    </dgm:pt>
+    <dgm:pt modelId="{6C105103-6249-244B-9274-06EF3A7FCED2}">
+      <dgm:prSet phldrT="[Text]"/>
+      <dgm:spPr>
+        <a:solidFill>
+          <a:srgbClr val="000090"/>
+        </a:solidFill>
+      </dgm:spPr>
+      <dgm:t>
+        <a:bodyPr/>
+        <a:lstStyle/>
+        <a:p>
+          <a:r>
+            <a:rPr lang="en-GB" dirty="0" smtClean="0"/>
+            <a:t>Haskell</a:t>
+          </a:r>
+          <a:endParaRPr lang="en-GB" dirty="0"/>
+        </a:p>
+      </dgm:t>
+    </dgm:pt>
+    <dgm:pt modelId="{4355D6B0-6858-9D41-9195-0FE000E7AB9A}" type="parTrans" cxnId="{E6540C31-A0C0-1A4C-BA48-5DB7EAFBA7A3}">
+      <dgm:prSet/>
+      <dgm:spPr>
+        <a:solidFill>
+          <a:srgbClr val="FF3AC5"/>
+        </a:solidFill>
+      </dgm:spPr>
+      <dgm:t>
+        <a:bodyPr/>
+        <a:lstStyle/>
+        <a:p>
+          <a:endParaRPr lang="en-GB"/>
+        </a:p>
+      </dgm:t>
+    </dgm:pt>
+    <dgm:pt modelId="{7C3BF529-B095-1E4C-ABAF-E4BB5B90A89C}" type="sibTrans" cxnId="{E6540C31-A0C0-1A4C-BA48-5DB7EAFBA7A3}">
+      <dgm:prSet/>
+      <dgm:spPr/>
+      <dgm:t>
+        <a:bodyPr/>
+        <a:lstStyle/>
+        <a:p>
+          <a:endParaRPr lang="en-GB"/>
+        </a:p>
+      </dgm:t>
+    </dgm:pt>
+    <dgm:pt modelId="{57212AE7-8CDC-654C-9AE6-36194BD2727B}">
+      <dgm:prSet/>
+      <dgm:spPr/>
+      <dgm:t>
+        <a:bodyPr/>
+        <a:lstStyle/>
+        <a:p>
+          <a:endParaRPr lang="en-GB" dirty="0"/>
+        </a:p>
+      </dgm:t>
+    </dgm:pt>
+    <dgm:pt modelId="{AF4C51BA-641B-F948-9F93-D955424EBF9F}" type="parTrans" cxnId="{59844860-1563-CC43-8F6C-9CCE4E054B5C}">
+      <dgm:prSet/>
+      <dgm:spPr/>
+      <dgm:t>
+        <a:bodyPr/>
+        <a:lstStyle/>
+        <a:p>
+          <a:endParaRPr lang="en-GB"/>
+        </a:p>
+      </dgm:t>
+    </dgm:pt>
+    <dgm:pt modelId="{F3C5A20D-4C91-E641-B084-217A348B9656}" type="sibTrans" cxnId="{59844860-1563-CC43-8F6C-9CCE4E054B5C}">
+      <dgm:prSet/>
+      <dgm:spPr/>
+      <dgm:t>
+        <a:bodyPr/>
+        <a:lstStyle/>
+        <a:p>
+          <a:endParaRPr lang="en-GB"/>
+        </a:p>
+      </dgm:t>
+    </dgm:pt>
+    <dgm:pt modelId="{C53D66F3-B88D-9045-87B3-5B19C55E318C}" type="pres">
+      <dgm:prSet presAssocID="{C8C0CBDC-5F1D-3849-B649-0B2A80BFAED5}" presName="Name0" presStyleCnt="0">
+        <dgm:presLayoutVars>
+          <dgm:chMax val="1"/>
+          <dgm:dir/>
+          <dgm:animLvl val="ctr"/>
+          <dgm:resizeHandles val="exact"/>
+        </dgm:presLayoutVars>
+      </dgm:prSet>
+      <dgm:spPr/>
+    </dgm:pt>
+    <dgm:pt modelId="{580C5EC2-B321-8348-96A6-69B2D7D9C25A}" type="pres">
+      <dgm:prSet presAssocID="{F46A178B-E19F-724F-99EF-E451E2AC192A}" presName="centerShape" presStyleLbl="node0" presStyleIdx="0" presStyleCnt="1"/>
+      <dgm:spPr/>
+    </dgm:pt>
+    <dgm:pt modelId="{7ABBC4B2-E334-5D4A-A8B1-F9B4E7C9213C}" type="pres">
+      <dgm:prSet presAssocID="{7CCDD536-CD15-334E-B4D3-4B80927987AE}" presName="parTrans" presStyleLbl="sibTrans2D1" presStyleIdx="0" presStyleCnt="4"/>
+      <dgm:spPr/>
+    </dgm:pt>
+    <dgm:pt modelId="{0BBB25AC-0B10-0840-B720-125AF27BA57D}" type="pres">
+      <dgm:prSet presAssocID="{7CCDD536-CD15-334E-B4D3-4B80927987AE}" presName="connectorText" presStyleLbl="sibTrans2D1" presStyleIdx="0" presStyleCnt="4"/>
+      <dgm:spPr/>
+    </dgm:pt>
+    <dgm:pt modelId="{C7ED01B8-1DDB-1F49-A3B7-BDF46B76D552}" type="pres">
+      <dgm:prSet presAssocID="{3A90D533-5A64-5147-B455-A1712C6D2C0D}" presName="node" presStyleLbl="node1" presStyleIdx="0" presStyleCnt="4">
+        <dgm:presLayoutVars>
+          <dgm:bulletEnabled val="1"/>
+        </dgm:presLayoutVars>
+      </dgm:prSet>
+      <dgm:spPr/>
+      <dgm:t>
+        <a:bodyPr/>
+        <a:lstStyle/>
+        <a:p>
+          <a:endParaRPr lang="en-GB"/>
+        </a:p>
+      </dgm:t>
+    </dgm:pt>
+    <dgm:pt modelId="{FE4B66CD-C07E-1247-A2F8-E2B1A84C59CA}" type="pres">
+      <dgm:prSet presAssocID="{B6A8999E-62F8-F641-8F8C-0437BBA396AF}" presName="parTrans" presStyleLbl="sibTrans2D1" presStyleIdx="1" presStyleCnt="4"/>
+      <dgm:spPr/>
+    </dgm:pt>
+    <dgm:pt modelId="{18522A0C-2FB5-C846-B52D-D5BC273FDCD9}" type="pres">
+      <dgm:prSet presAssocID="{B6A8999E-62F8-F641-8F8C-0437BBA396AF}" presName="connectorText" presStyleLbl="sibTrans2D1" presStyleIdx="1" presStyleCnt="4"/>
+      <dgm:spPr/>
+    </dgm:pt>
+    <dgm:pt modelId="{FAFB3D5E-CF76-3044-BF1D-75BDFF452BE4}" type="pres">
+      <dgm:prSet presAssocID="{BE8CDE50-AA30-C440-B642-F5BE1BB97B61}" presName="node" presStyleLbl="node1" presStyleIdx="1" presStyleCnt="4">
+        <dgm:presLayoutVars>
+          <dgm:bulletEnabled val="1"/>
+        </dgm:presLayoutVars>
+      </dgm:prSet>
+      <dgm:spPr/>
+    </dgm:pt>
+    <dgm:pt modelId="{AF4C9CB7-0E8A-B04B-8570-C0940F4D65A9}" type="pres">
+      <dgm:prSet presAssocID="{3D16CAED-EA4B-394A-9D74-AA86B931A543}" presName="parTrans" presStyleLbl="sibTrans2D1" presStyleIdx="2" presStyleCnt="4"/>
+      <dgm:spPr/>
+    </dgm:pt>
+    <dgm:pt modelId="{3B8331C0-EF4D-9E43-9249-6C60A163EFA4}" type="pres">
+      <dgm:prSet presAssocID="{3D16CAED-EA4B-394A-9D74-AA86B931A543}" presName="connectorText" presStyleLbl="sibTrans2D1" presStyleIdx="2" presStyleCnt="4"/>
+      <dgm:spPr/>
+    </dgm:pt>
+    <dgm:pt modelId="{76E86298-7F88-8B44-8992-2543A0365208}" type="pres">
+      <dgm:prSet presAssocID="{09B4DD7A-7BF2-E04B-8B51-3A09650E159A}" presName="node" presStyleLbl="node1" presStyleIdx="2" presStyleCnt="4">
+        <dgm:presLayoutVars>
+          <dgm:bulletEnabled val="1"/>
+        </dgm:presLayoutVars>
+      </dgm:prSet>
+      <dgm:spPr/>
+      <dgm:t>
+        <a:bodyPr/>
+        <a:lstStyle/>
+        <a:p>
+          <a:endParaRPr lang="en-GB"/>
+        </a:p>
+      </dgm:t>
+    </dgm:pt>
+    <dgm:pt modelId="{9C670869-D0D4-364D-8B70-023CAC2ECE89}" type="pres">
+      <dgm:prSet presAssocID="{4355D6B0-6858-9D41-9195-0FE000E7AB9A}" presName="parTrans" presStyleLbl="sibTrans2D1" presStyleIdx="3" presStyleCnt="4"/>
+      <dgm:spPr/>
+    </dgm:pt>
+    <dgm:pt modelId="{13D8A98B-B9A6-2848-B6A1-F8F3A8213E59}" type="pres">
+      <dgm:prSet presAssocID="{4355D6B0-6858-9D41-9195-0FE000E7AB9A}" presName="connectorText" presStyleLbl="sibTrans2D1" presStyleIdx="3" presStyleCnt="4"/>
+      <dgm:spPr/>
+    </dgm:pt>
+    <dgm:pt modelId="{DF9D8650-9AA8-FC4B-8E10-265DB3B343F0}" type="pres">
+      <dgm:prSet presAssocID="{6C105103-6249-244B-9274-06EF3A7FCED2}" presName="node" presStyleLbl="node1" presStyleIdx="3" presStyleCnt="4">
+        <dgm:presLayoutVars>
+          <dgm:bulletEnabled val="1"/>
+        </dgm:presLayoutVars>
+      </dgm:prSet>
+      <dgm:spPr/>
+    </dgm:pt>
+  </dgm:ptLst>
+  <dgm:cxnLst>
+    <dgm:cxn modelId="{8AEDC194-9BE0-414F-81A8-87D168303C64}" srcId="{F46A178B-E19F-724F-99EF-E451E2AC192A}" destId="{3A90D533-5A64-5147-B455-A1712C6D2C0D}" srcOrd="0" destOrd="0" parTransId="{7CCDD536-CD15-334E-B4D3-4B80927987AE}" sibTransId="{7BEED671-7565-DF4C-9A18-50C27EAABBB0}"/>
+    <dgm:cxn modelId="{59844860-1563-CC43-8F6C-9CCE4E054B5C}" srcId="{C8C0CBDC-5F1D-3849-B649-0B2A80BFAED5}" destId="{57212AE7-8CDC-654C-9AE6-36194BD2727B}" srcOrd="1" destOrd="0" parTransId="{AF4C51BA-641B-F948-9F93-D955424EBF9F}" sibTransId="{F3C5A20D-4C91-E641-B084-217A348B9656}"/>
+    <dgm:cxn modelId="{080733DD-9635-9941-BFA5-77B34239F124}" type="presOf" srcId="{09B4DD7A-7BF2-E04B-8B51-3A09650E159A}" destId="{76E86298-7F88-8B44-8992-2543A0365208}" srcOrd="0" destOrd="0" presId="urn:microsoft.com/office/officeart/2005/8/layout/radial5"/>
+    <dgm:cxn modelId="{662773A3-1F39-5C42-9B47-6C481666C01B}" type="presOf" srcId="{F46A178B-E19F-724F-99EF-E451E2AC192A}" destId="{580C5EC2-B321-8348-96A6-69B2D7D9C25A}" srcOrd="0" destOrd="0" presId="urn:microsoft.com/office/officeart/2005/8/layout/radial5"/>
+    <dgm:cxn modelId="{D1B4D98E-B2B7-1E46-9199-E38167D07D75}" type="presOf" srcId="{B6A8999E-62F8-F641-8F8C-0437BBA396AF}" destId="{FE4B66CD-C07E-1247-A2F8-E2B1A84C59CA}" srcOrd="0" destOrd="0" presId="urn:microsoft.com/office/officeart/2005/8/layout/radial5"/>
+    <dgm:cxn modelId="{11BC1C1D-35A6-C14E-96F9-284DE41A70E2}" srcId="{F46A178B-E19F-724F-99EF-E451E2AC192A}" destId="{BE8CDE50-AA30-C440-B642-F5BE1BB97B61}" srcOrd="1" destOrd="0" parTransId="{B6A8999E-62F8-F641-8F8C-0437BBA396AF}" sibTransId="{4F18A2D7-C60B-0E46-8A7A-55D394F54A74}"/>
+    <dgm:cxn modelId="{A73A4867-18B9-3E4A-8087-620F28C35E0D}" type="presOf" srcId="{7CCDD536-CD15-334E-B4D3-4B80927987AE}" destId="{7ABBC4B2-E334-5D4A-A8B1-F9B4E7C9213C}" srcOrd="0" destOrd="0" presId="urn:microsoft.com/office/officeart/2005/8/layout/radial5"/>
+    <dgm:cxn modelId="{99C33F50-E443-4741-936B-8F6692895481}" type="presOf" srcId="{6C105103-6249-244B-9274-06EF3A7FCED2}" destId="{DF9D8650-9AA8-FC4B-8E10-265DB3B343F0}" srcOrd="0" destOrd="0" presId="urn:microsoft.com/office/officeart/2005/8/layout/radial5"/>
+    <dgm:cxn modelId="{63CFBBB8-493E-7B4D-95C2-3DA6CE4534E3}" srcId="{F46A178B-E19F-724F-99EF-E451E2AC192A}" destId="{09B4DD7A-7BF2-E04B-8B51-3A09650E159A}" srcOrd="2" destOrd="0" parTransId="{3D16CAED-EA4B-394A-9D74-AA86B931A543}" sibTransId="{38F50254-0465-8C4C-BB30-CF1EF28A7CCB}"/>
+    <dgm:cxn modelId="{7063D459-322C-9543-9459-67D8462EF8A8}" type="presOf" srcId="{C8C0CBDC-5F1D-3849-B649-0B2A80BFAED5}" destId="{C53D66F3-B88D-9045-87B3-5B19C55E318C}" srcOrd="0" destOrd="0" presId="urn:microsoft.com/office/officeart/2005/8/layout/radial5"/>
+    <dgm:cxn modelId="{B33A013D-389E-FA46-8E2D-FC8C6E8A41C9}" type="presOf" srcId="{3D16CAED-EA4B-394A-9D74-AA86B931A543}" destId="{AF4C9CB7-0E8A-B04B-8570-C0940F4D65A9}" srcOrd="0" destOrd="0" presId="urn:microsoft.com/office/officeart/2005/8/layout/radial5"/>
+    <dgm:cxn modelId="{91BC8721-62E1-D749-8369-8CF2D3FCAAF0}" type="presOf" srcId="{3A90D533-5A64-5147-B455-A1712C6D2C0D}" destId="{C7ED01B8-1DDB-1F49-A3B7-BDF46B76D552}" srcOrd="0" destOrd="0" presId="urn:microsoft.com/office/officeart/2005/8/layout/radial5"/>
+    <dgm:cxn modelId="{3BD97DC4-0F81-3E4E-B1FB-42DD848A6F07}" type="presOf" srcId="{7CCDD536-CD15-334E-B4D3-4B80927987AE}" destId="{0BBB25AC-0B10-0840-B720-125AF27BA57D}" srcOrd="1" destOrd="0" presId="urn:microsoft.com/office/officeart/2005/8/layout/radial5"/>
+    <dgm:cxn modelId="{2EA3EE56-FABF-BA46-87B4-649D44431463}" type="presOf" srcId="{B6A8999E-62F8-F641-8F8C-0437BBA396AF}" destId="{18522A0C-2FB5-C846-B52D-D5BC273FDCD9}" srcOrd="1" destOrd="0" presId="urn:microsoft.com/office/officeart/2005/8/layout/radial5"/>
+    <dgm:cxn modelId="{22C4BB1B-B173-C247-ADCC-8CB85FC6CACE}" type="presOf" srcId="{4355D6B0-6858-9D41-9195-0FE000E7AB9A}" destId="{9C670869-D0D4-364D-8B70-023CAC2ECE89}" srcOrd="0" destOrd="0" presId="urn:microsoft.com/office/officeart/2005/8/layout/radial5"/>
+    <dgm:cxn modelId="{9C76FEA8-3A52-314B-9259-53EEE8B4C06D}" type="presOf" srcId="{4355D6B0-6858-9D41-9195-0FE000E7AB9A}" destId="{13D8A98B-B9A6-2848-B6A1-F8F3A8213E59}" srcOrd="1" destOrd="0" presId="urn:microsoft.com/office/officeart/2005/8/layout/radial5"/>
+    <dgm:cxn modelId="{E6540C31-A0C0-1A4C-BA48-5DB7EAFBA7A3}" srcId="{F46A178B-E19F-724F-99EF-E451E2AC192A}" destId="{6C105103-6249-244B-9274-06EF3A7FCED2}" srcOrd="3" destOrd="0" parTransId="{4355D6B0-6858-9D41-9195-0FE000E7AB9A}" sibTransId="{7C3BF529-B095-1E4C-ABAF-E4BB5B90A89C}"/>
+    <dgm:cxn modelId="{CBF32032-E9C0-F94A-A41D-40B5804B13AD}" type="presOf" srcId="{3D16CAED-EA4B-394A-9D74-AA86B931A543}" destId="{3B8331C0-EF4D-9E43-9249-6C60A163EFA4}" srcOrd="1" destOrd="0" presId="urn:microsoft.com/office/officeart/2005/8/layout/radial5"/>
+    <dgm:cxn modelId="{FDC4D18C-95FB-524C-9C83-0FB887BD6828}" srcId="{C8C0CBDC-5F1D-3849-B649-0B2A80BFAED5}" destId="{F46A178B-E19F-724F-99EF-E451E2AC192A}" srcOrd="0" destOrd="0" parTransId="{46BDF1FE-02F1-0644-A708-5D9DFB89A1D4}" sibTransId="{58F784D9-8447-F34F-A74D-0BB13794CC50}"/>
+    <dgm:cxn modelId="{ED5A6582-AC78-AD4E-8EBD-30F99D89B916}" type="presOf" srcId="{BE8CDE50-AA30-C440-B642-F5BE1BB97B61}" destId="{FAFB3D5E-CF76-3044-BF1D-75BDFF452BE4}" srcOrd="0" destOrd="0" presId="urn:microsoft.com/office/officeart/2005/8/layout/radial5"/>
+    <dgm:cxn modelId="{2D6B6E21-E1F8-FF49-8B3E-C5B3BB6A8371}" type="presParOf" srcId="{C53D66F3-B88D-9045-87B3-5B19C55E318C}" destId="{580C5EC2-B321-8348-96A6-69B2D7D9C25A}" srcOrd="0" destOrd="0" presId="urn:microsoft.com/office/officeart/2005/8/layout/radial5"/>
+    <dgm:cxn modelId="{78DC60D4-8560-5944-B997-AF1612D90042}" type="presParOf" srcId="{C53D66F3-B88D-9045-87B3-5B19C55E318C}" destId="{7ABBC4B2-E334-5D4A-A8B1-F9B4E7C9213C}" srcOrd="1" destOrd="0" presId="urn:microsoft.com/office/officeart/2005/8/layout/radial5"/>
+    <dgm:cxn modelId="{FF5C9135-093D-9B40-B901-F5DB337807A3}" type="presParOf" srcId="{7ABBC4B2-E334-5D4A-A8B1-F9B4E7C9213C}" destId="{0BBB25AC-0B10-0840-B720-125AF27BA57D}" srcOrd="0" destOrd="0" presId="urn:microsoft.com/office/officeart/2005/8/layout/radial5"/>
+    <dgm:cxn modelId="{E76917F8-6060-9941-8C33-33A06917EDB5}" type="presParOf" srcId="{C53D66F3-B88D-9045-87B3-5B19C55E318C}" destId="{C7ED01B8-1DDB-1F49-A3B7-BDF46B76D552}" srcOrd="2" destOrd="0" presId="urn:microsoft.com/office/officeart/2005/8/layout/radial5"/>
+    <dgm:cxn modelId="{105396F5-1823-9844-AC12-EBD58423E6E2}" type="presParOf" srcId="{C53D66F3-B88D-9045-87B3-5B19C55E318C}" destId="{FE4B66CD-C07E-1247-A2F8-E2B1A84C59CA}" srcOrd="3" destOrd="0" presId="urn:microsoft.com/office/officeart/2005/8/layout/radial5"/>
+    <dgm:cxn modelId="{92AB7CDE-0365-984C-BA3E-3DFE068D4BB5}" type="presParOf" srcId="{FE4B66CD-C07E-1247-A2F8-E2B1A84C59CA}" destId="{18522A0C-2FB5-C846-B52D-D5BC273FDCD9}" srcOrd="0" destOrd="0" presId="urn:microsoft.com/office/officeart/2005/8/layout/radial5"/>
+    <dgm:cxn modelId="{F46B857E-57B6-9B40-83A1-998947412CB6}" type="presParOf" srcId="{C53D66F3-B88D-9045-87B3-5B19C55E318C}" destId="{FAFB3D5E-CF76-3044-BF1D-75BDFF452BE4}" srcOrd="4" destOrd="0" presId="urn:microsoft.com/office/officeart/2005/8/layout/radial5"/>
+    <dgm:cxn modelId="{CA90AFC5-B401-A948-B3AA-D5EA4266AC1E}" type="presParOf" srcId="{C53D66F3-B88D-9045-87B3-5B19C55E318C}" destId="{AF4C9CB7-0E8A-B04B-8570-C0940F4D65A9}" srcOrd="5" destOrd="0" presId="urn:microsoft.com/office/officeart/2005/8/layout/radial5"/>
+    <dgm:cxn modelId="{F18580A2-9322-FF4C-B832-97D703B620C1}" type="presParOf" srcId="{AF4C9CB7-0E8A-B04B-8570-C0940F4D65A9}" destId="{3B8331C0-EF4D-9E43-9249-6C60A163EFA4}" srcOrd="0" destOrd="0" presId="urn:microsoft.com/office/officeart/2005/8/layout/radial5"/>
+    <dgm:cxn modelId="{E766D343-DD99-F346-A903-7DECDD2259AB}" type="presParOf" srcId="{C53D66F3-B88D-9045-87B3-5B19C55E318C}" destId="{76E86298-7F88-8B44-8992-2543A0365208}" srcOrd="6" destOrd="0" presId="urn:microsoft.com/office/officeart/2005/8/layout/radial5"/>
+    <dgm:cxn modelId="{77031D5D-396A-AC4D-A672-8704DE0BC40C}" type="presParOf" srcId="{C53D66F3-B88D-9045-87B3-5B19C55E318C}" destId="{9C670869-D0D4-364D-8B70-023CAC2ECE89}" srcOrd="7" destOrd="0" presId="urn:microsoft.com/office/officeart/2005/8/layout/radial5"/>
+    <dgm:cxn modelId="{41DCB235-D55A-9B46-B558-6B5442EB183D}" type="presParOf" srcId="{9C670869-D0D4-364D-8B70-023CAC2ECE89}" destId="{13D8A98B-B9A6-2848-B6A1-F8F3A8213E59}" srcOrd="0" destOrd="0" presId="urn:microsoft.com/office/officeart/2005/8/layout/radial5"/>
+    <dgm:cxn modelId="{AA1F074F-276F-B841-8F04-FA7A113481B9}" type="presParOf" srcId="{C53D66F3-B88D-9045-87B3-5B19C55E318C}" destId="{DF9D8650-9AA8-FC4B-8E10-265DB3B343F0}" srcOrd="8" destOrd="0" presId="urn:microsoft.com/office/officeart/2005/8/layout/radial5"/>
+  </dgm:cxnLst>
+  <dgm:bg/>
+  <dgm:whole/>
+  <dgm:extLst>
+    <a:ext uri="http://schemas.microsoft.com/office/drawing/2008/diagram">
+      <dsp:dataModelExt xmlns:dsp="http://schemas.microsoft.com/office/drawing/2008/diagram" relId="rId7" minVer="http://schemas.openxmlformats.org/drawingml/2006/diagram"/>
+    </a:ext>
+  </dgm:extLst>
+</dgm:dataModel>
+</file>
+
+<file path=ppt/diagrams/data2.xml><?xml version="1.0" encoding="utf-8"?>
+<dgm:dataModel xmlns:dgm="http://schemas.openxmlformats.org/drawingml/2006/diagram" xmlns:a="http://schemas.openxmlformats.org/drawingml/2006/main">
+  <dgm:ptLst>
+    <dgm:pt modelId="{054C43B2-017F-B84E-B05C-2D7C92039D6E}" type="doc">
+      <dgm:prSet loTypeId="urn:microsoft.com/office/officeart/2005/8/layout/radial1" loCatId="" qsTypeId="urn:microsoft.com/office/officeart/2005/8/quickstyle/simple4" qsCatId="simple" csTypeId="urn:microsoft.com/office/officeart/2005/8/colors/accent1_2" csCatId="accent1" phldr="1"/>
+      <dgm:spPr/>
+      <dgm:t>
+        <a:bodyPr/>
+        <a:lstStyle/>
+        <a:p>
+          <a:endParaRPr lang="en-GB"/>
+        </a:p>
+      </dgm:t>
+    </dgm:pt>
+    <dgm:pt modelId="{F14CB638-B74D-ED4C-BD8E-FDD9E09910C7}">
+      <dgm:prSet phldrT="[Text]"/>
+      <dgm:spPr>
+        <a:solidFill>
+          <a:srgbClr val="82B7FF"/>
+        </a:solidFill>
+      </dgm:spPr>
+      <dgm:t>
+        <a:bodyPr/>
+        <a:lstStyle/>
+        <a:p>
+          <a:r>
+            <a:rPr lang="en-GB" dirty="0" smtClean="0">
+              <a:solidFill>
+                <a:schemeClr val="tx1"/>
+              </a:solidFill>
+            </a:rPr>
+            <a:t>TIP-problem</a:t>
+          </a:r>
+          <a:endParaRPr lang="en-GB" dirty="0">
+            <a:solidFill>
+              <a:schemeClr val="tx1"/>
+            </a:solidFill>
+          </a:endParaRPr>
+        </a:p>
+      </dgm:t>
+    </dgm:pt>
+    <dgm:pt modelId="{6843C2C4-45DB-E74F-AD08-8A248B28391C}" type="parTrans" cxnId="{A178F5D8-14DD-E246-99FA-7EDA7E9761ED}">
+      <dgm:prSet/>
+      <dgm:spPr/>
+      <dgm:t>
+        <a:bodyPr/>
+        <a:lstStyle/>
+        <a:p>
+          <a:endParaRPr lang="en-GB"/>
+        </a:p>
+      </dgm:t>
+    </dgm:pt>
+    <dgm:pt modelId="{179E6CEA-74DD-A444-B35D-4855B81052CD}" type="sibTrans" cxnId="{A178F5D8-14DD-E246-99FA-7EDA7E9761ED}">
+      <dgm:prSet/>
+      <dgm:spPr/>
+      <dgm:t>
+        <a:bodyPr/>
+        <a:lstStyle/>
+        <a:p>
+          <a:endParaRPr lang="en-GB"/>
+        </a:p>
+      </dgm:t>
+    </dgm:pt>
+    <dgm:pt modelId="{93CA8E9A-841B-DB41-A61D-61546E7D2525}">
+      <dgm:prSet phldrT="[Text]" custT="1"/>
+      <dgm:spPr>
+        <a:solidFill>
+          <a:srgbClr val="FFE01C"/>
+        </a:solidFill>
+      </dgm:spPr>
+      <dgm:t>
+        <a:bodyPr/>
+        <a:lstStyle/>
+        <a:p>
+          <a:r>
+            <a:rPr lang="en-GB" sz="2400" dirty="0" smtClean="0">
+              <a:solidFill>
+                <a:schemeClr val="tx1"/>
+              </a:solidFill>
+            </a:rPr>
+            <a:t>Theory Exploration:</a:t>
+          </a:r>
+        </a:p>
+        <a:p>
+          <a:r>
+            <a:rPr lang="en-GB" sz="2400" dirty="0" err="1" smtClean="0">
+              <a:solidFill>
+                <a:schemeClr val="tx1"/>
+              </a:solidFill>
+            </a:rPr>
+            <a:t>QuickSpec</a:t>
+          </a:r>
+          <a:endParaRPr lang="en-GB" sz="2400" dirty="0">
+            <a:solidFill>
+              <a:schemeClr val="tx1"/>
+            </a:solidFill>
+          </a:endParaRPr>
+        </a:p>
+      </dgm:t>
+    </dgm:pt>
+    <dgm:pt modelId="{98491BB1-768B-5C4B-BBC3-39A091E47C34}" type="parTrans" cxnId="{7ABF3385-CA6A-EA44-9F79-7E236A299F4B}">
+      <dgm:prSet/>
+      <dgm:spPr/>
+      <dgm:t>
+        <a:bodyPr/>
+        <a:lstStyle/>
+        <a:p>
+          <a:endParaRPr lang="en-GB"/>
+        </a:p>
+      </dgm:t>
+    </dgm:pt>
+    <dgm:pt modelId="{B20853E0-5EAA-EB4E-A205-2C7D8509563A}" type="sibTrans" cxnId="{7ABF3385-CA6A-EA44-9F79-7E236A299F4B}">
+      <dgm:prSet/>
+      <dgm:spPr/>
+      <dgm:t>
+        <a:bodyPr/>
+        <a:lstStyle/>
+        <a:p>
+          <a:endParaRPr lang="en-GB"/>
+        </a:p>
+      </dgm:t>
+    </dgm:pt>
+    <dgm:pt modelId="{2219D024-6F23-364F-A001-6906CCC0BC36}">
+      <dgm:prSet phldrT="[Text]" custT="1"/>
+      <dgm:spPr>
+        <a:solidFill>
+          <a:srgbClr val="FF5020"/>
+        </a:solidFill>
+      </dgm:spPr>
+      <dgm:t>
+        <a:bodyPr/>
+        <a:lstStyle/>
+        <a:p>
+          <a:r>
+            <a:rPr lang="en-GB" sz="3500" dirty="0" smtClean="0">
+              <a:solidFill>
+                <a:srgbClr val="000000"/>
+              </a:solidFill>
+            </a:rPr>
+            <a:t>Testing:</a:t>
+          </a:r>
+        </a:p>
+        <a:p>
+          <a:r>
+            <a:rPr lang="en-GB" sz="3500" dirty="0" smtClean="0">
+              <a:solidFill>
+                <a:srgbClr val="000000"/>
+              </a:solidFill>
+            </a:rPr>
+            <a:t>HBMC</a:t>
+          </a:r>
+          <a:endParaRPr lang="en-GB" sz="3500" dirty="0">
+            <a:solidFill>
+              <a:srgbClr val="000000"/>
+            </a:solidFill>
+          </a:endParaRPr>
+        </a:p>
+      </dgm:t>
+    </dgm:pt>
+    <dgm:pt modelId="{96911CD6-94BE-734D-B6F5-9F613B27B356}" type="parTrans" cxnId="{40685C87-4A07-F74E-AE49-671BD13C571F}">
+      <dgm:prSet/>
+      <dgm:spPr/>
+      <dgm:t>
+        <a:bodyPr/>
+        <a:lstStyle/>
+        <a:p>
+          <a:endParaRPr lang="en-GB"/>
+        </a:p>
+      </dgm:t>
+    </dgm:pt>
+    <dgm:pt modelId="{ACC8B9DB-0461-1A4F-A97D-48D09041E379}" type="sibTrans" cxnId="{40685C87-4A07-F74E-AE49-671BD13C571F}">
+      <dgm:prSet/>
+      <dgm:spPr/>
+      <dgm:t>
+        <a:bodyPr/>
+        <a:lstStyle/>
+        <a:p>
+          <a:endParaRPr lang="en-GB"/>
+        </a:p>
+      </dgm:t>
+    </dgm:pt>
+    <dgm:pt modelId="{C7EBA55C-F2E2-E246-9DDC-9E71A33AB76F}">
+      <dgm:prSet phldrT="[Text]" custT="1"/>
+      <dgm:spPr>
+        <a:solidFill>
+          <a:srgbClr val="4FBCA6"/>
+        </a:solidFill>
+      </dgm:spPr>
+      <dgm:t>
+        <a:bodyPr/>
+        <a:lstStyle/>
+        <a:p>
+          <a:pPr algn="ctr"/>
+          <a:r>
+            <a:rPr lang="en-GB" sz="2800" dirty="0" smtClean="0">
+              <a:solidFill>
+                <a:srgbClr val="000000"/>
+              </a:solidFill>
+            </a:rPr>
+            <a:t>Proving:</a:t>
+          </a:r>
+        </a:p>
+        <a:p>
+          <a:pPr algn="ctr"/>
+          <a:r>
+            <a:rPr lang="en-GB" sz="2800" dirty="0" err="1" smtClean="0">
+              <a:solidFill>
+                <a:srgbClr val="000000"/>
+              </a:solidFill>
+            </a:rPr>
+            <a:t>HipSpec</a:t>
+          </a:r>
+          <a:endParaRPr lang="en-GB" sz="2800" dirty="0" smtClean="0">
+            <a:solidFill>
+              <a:srgbClr val="000000"/>
+            </a:solidFill>
+          </a:endParaRPr>
+        </a:p>
+      </dgm:t>
+    </dgm:pt>
+    <dgm:pt modelId="{3EC18492-01B6-7047-A283-B6F138227FEA}" type="parTrans" cxnId="{140766C6-3E5C-5447-BE34-C84F730ED02E}">
+      <dgm:prSet/>
+      <dgm:spPr/>
+      <dgm:t>
+        <a:bodyPr/>
+        <a:lstStyle/>
+        <a:p>
+          <a:endParaRPr lang="en-GB"/>
+        </a:p>
+      </dgm:t>
+    </dgm:pt>
+    <dgm:pt modelId="{7530B075-8C2C-4547-B15D-713F1DE1F406}" type="sibTrans" cxnId="{140766C6-3E5C-5447-BE34-C84F730ED02E}">
+      <dgm:prSet/>
+      <dgm:spPr/>
+      <dgm:t>
+        <a:bodyPr/>
+        <a:lstStyle/>
+        <a:p>
+          <a:endParaRPr lang="en-GB"/>
+        </a:p>
+      </dgm:t>
+    </dgm:pt>
+    <dgm:pt modelId="{56ADF586-CC6A-C143-9F24-73967A171701}">
+      <dgm:prSet custT="1"/>
+      <dgm:spPr>
+        <a:solidFill>
+          <a:srgbClr val="4FBCA6"/>
+        </a:solidFill>
+      </dgm:spPr>
+      <dgm:t>
+        <a:bodyPr/>
+        <a:lstStyle/>
+        <a:p>
+          <a:r>
+            <a:rPr lang="en-GB" sz="2800" dirty="0" smtClean="0">
+              <a:solidFill>
+                <a:srgbClr val="000000"/>
+              </a:solidFill>
+            </a:rPr>
+            <a:t>Proving: Hipster</a:t>
+          </a:r>
+          <a:endParaRPr lang="en-GB" sz="2800" dirty="0">
+            <a:solidFill>
+              <a:srgbClr val="000000"/>
+            </a:solidFill>
+          </a:endParaRPr>
+        </a:p>
+      </dgm:t>
+    </dgm:pt>
+    <dgm:pt modelId="{794178FC-0D1D-7C49-A0A0-C552ED482260}" type="parTrans" cxnId="{B5F1ADF6-1A18-FA4F-8562-2E185ACFDF82}">
+      <dgm:prSet/>
+      <dgm:spPr/>
+      <dgm:t>
+        <a:bodyPr/>
+        <a:lstStyle/>
+        <a:p>
+          <a:endParaRPr lang="en-GB"/>
+        </a:p>
+      </dgm:t>
+    </dgm:pt>
+    <dgm:pt modelId="{326E4B0A-AA67-E345-AF36-7BCBEE55ED4B}" type="sibTrans" cxnId="{B5F1ADF6-1A18-FA4F-8562-2E185ACFDF82}">
+      <dgm:prSet/>
+      <dgm:spPr/>
+      <dgm:t>
+        <a:bodyPr/>
+        <a:lstStyle/>
+        <a:p>
+          <a:endParaRPr lang="en-GB"/>
+        </a:p>
+      </dgm:t>
+    </dgm:pt>
+    <dgm:pt modelId="{AF521888-B978-764B-AD76-146F3168DB3C}" type="pres">
+      <dgm:prSet presAssocID="{054C43B2-017F-B84E-B05C-2D7C92039D6E}" presName="cycle" presStyleCnt="0">
+        <dgm:presLayoutVars>
+          <dgm:chMax val="1"/>
+          <dgm:dir/>
+          <dgm:animLvl val="ctr"/>
+          <dgm:resizeHandles val="exact"/>
+        </dgm:presLayoutVars>
+      </dgm:prSet>
+      <dgm:spPr/>
+    </dgm:pt>
+    <dgm:pt modelId="{6DF4C925-8CC6-AA47-A6CA-DE412B686264}" type="pres">
+      <dgm:prSet presAssocID="{F14CB638-B74D-ED4C-BD8E-FDD9E09910C7}" presName="centerShape" presStyleLbl="node0" presStyleIdx="0" presStyleCnt="1"/>
+      <dgm:spPr/>
+    </dgm:pt>
+    <dgm:pt modelId="{A22B6FC2-B0DC-3B46-970A-600D67EE71BA}" type="pres">
+      <dgm:prSet presAssocID="{3EC18492-01B6-7047-A283-B6F138227FEA}" presName="Name9" presStyleLbl="parChTrans1D2" presStyleIdx="0" presStyleCnt="4"/>
+      <dgm:spPr/>
+    </dgm:pt>
+    <dgm:pt modelId="{3E336E57-605E-2F4E-A66E-F2A81FCAB3ED}" type="pres">
+      <dgm:prSet presAssocID="{3EC18492-01B6-7047-A283-B6F138227FEA}" presName="connTx" presStyleLbl="parChTrans1D2" presStyleIdx="0" presStyleCnt="4"/>
+      <dgm:spPr/>
+    </dgm:pt>
+    <dgm:pt modelId="{A03AAEB2-4E4C-4F44-868C-7CF6E7FA7998}" type="pres">
+      <dgm:prSet presAssocID="{C7EBA55C-F2E2-E246-9DDC-9E71A33AB76F}" presName="node" presStyleLbl="node1" presStyleIdx="0" presStyleCnt="4" custRadScaleRad="143120" custRadScaleInc="-98494">
+        <dgm:presLayoutVars>
+          <dgm:bulletEnabled val="1"/>
+        </dgm:presLayoutVars>
+      </dgm:prSet>
+      <dgm:spPr/>
+      <dgm:t>
+        <a:bodyPr/>
+        <a:lstStyle/>
+        <a:p>
+          <a:endParaRPr lang="en-GB"/>
+        </a:p>
+      </dgm:t>
+    </dgm:pt>
+    <dgm:pt modelId="{42921DDD-7DC4-2249-B141-428EACE2D266}" type="pres">
+      <dgm:prSet presAssocID="{98491BB1-768B-5C4B-BBC3-39A091E47C34}" presName="Name9" presStyleLbl="parChTrans1D2" presStyleIdx="1" presStyleCnt="4"/>
+      <dgm:spPr/>
+    </dgm:pt>
+    <dgm:pt modelId="{5570C892-DB8B-4946-8690-42ED6A283EAF}" type="pres">
+      <dgm:prSet presAssocID="{98491BB1-768B-5C4B-BBC3-39A091E47C34}" presName="connTx" presStyleLbl="parChTrans1D2" presStyleIdx="1" presStyleCnt="4"/>
+      <dgm:spPr/>
+    </dgm:pt>
+    <dgm:pt modelId="{2A1B689B-C457-BF48-A151-610190C99530}" type="pres">
+      <dgm:prSet presAssocID="{93CA8E9A-841B-DB41-A61D-61546E7D2525}" presName="node" presStyleLbl="node1" presStyleIdx="1" presStyleCnt="4" custRadScaleRad="139724" custRadScaleInc="-102008">
+        <dgm:presLayoutVars>
+          <dgm:bulletEnabled val="1"/>
+        </dgm:presLayoutVars>
+      </dgm:prSet>
+      <dgm:spPr/>
+      <dgm:t>
+        <a:bodyPr/>
+        <a:lstStyle/>
+        <a:p>
+          <a:endParaRPr lang="en-GB"/>
+        </a:p>
+      </dgm:t>
+    </dgm:pt>
+    <dgm:pt modelId="{17839772-0060-FB46-9D5E-11DCC87894C3}" type="pres">
+      <dgm:prSet presAssocID="{96911CD6-94BE-734D-B6F5-9F613B27B356}" presName="Name9" presStyleLbl="parChTrans1D2" presStyleIdx="2" presStyleCnt="4"/>
+      <dgm:spPr/>
+    </dgm:pt>
+    <dgm:pt modelId="{2E6D9793-4081-5F49-A5E7-0A0F2FD8DF82}" type="pres">
+      <dgm:prSet presAssocID="{96911CD6-94BE-734D-B6F5-9F613B27B356}" presName="connTx" presStyleLbl="parChTrans1D2" presStyleIdx="2" presStyleCnt="4"/>
+      <dgm:spPr/>
+    </dgm:pt>
+    <dgm:pt modelId="{CAA9D483-1CF2-5C46-A9F1-7BE58D3BF38F}" type="pres">
+      <dgm:prSet presAssocID="{2219D024-6F23-364F-A001-6906CCC0BC36}" presName="node" presStyleLbl="node1" presStyleIdx="2" presStyleCnt="4" custRadScaleRad="141883" custRadScaleInc="-99053">
+        <dgm:presLayoutVars>
+          <dgm:bulletEnabled val="1"/>
+        </dgm:presLayoutVars>
+      </dgm:prSet>
+      <dgm:spPr/>
+    </dgm:pt>
+    <dgm:pt modelId="{7C61498A-FF74-CC41-96C4-070D8764FF96}" type="pres">
+      <dgm:prSet presAssocID="{794178FC-0D1D-7C49-A0A0-C552ED482260}" presName="Name9" presStyleLbl="parChTrans1D2" presStyleIdx="3" presStyleCnt="4"/>
+      <dgm:spPr/>
+    </dgm:pt>
+    <dgm:pt modelId="{65FC26EA-2C48-6A44-83BA-BF3EF459BD05}" type="pres">
+      <dgm:prSet presAssocID="{794178FC-0D1D-7C49-A0A0-C552ED482260}" presName="connTx" presStyleLbl="parChTrans1D2" presStyleIdx="3" presStyleCnt="4"/>
+      <dgm:spPr/>
+    </dgm:pt>
+    <dgm:pt modelId="{98BA5590-0B55-184C-B522-93B1AF70C12D}" type="pres">
+      <dgm:prSet presAssocID="{56ADF586-CC6A-C143-9F24-73967A171701}" presName="node" presStyleLbl="node1" presStyleIdx="3" presStyleCnt="4" custRadScaleRad="143710" custRadScaleInc="-100972">
+        <dgm:presLayoutVars>
+          <dgm:bulletEnabled val="1"/>
+        </dgm:presLayoutVars>
+      </dgm:prSet>
+      <dgm:spPr/>
+      <dgm:t>
+        <a:bodyPr/>
+        <a:lstStyle/>
+        <a:p>
+          <a:endParaRPr lang="en-GB"/>
+        </a:p>
+      </dgm:t>
+    </dgm:pt>
+  </dgm:ptLst>
+  <dgm:cxnLst>
+    <dgm:cxn modelId="{42E360CF-83B0-164D-A21E-E4A9D232AE26}" type="presOf" srcId="{96911CD6-94BE-734D-B6F5-9F613B27B356}" destId="{2E6D9793-4081-5F49-A5E7-0A0F2FD8DF82}" srcOrd="1" destOrd="0" presId="urn:microsoft.com/office/officeart/2005/8/layout/radial1"/>
+    <dgm:cxn modelId="{1A319B00-0116-8641-902C-5A5F2874A6F3}" type="presOf" srcId="{3EC18492-01B6-7047-A283-B6F138227FEA}" destId="{A22B6FC2-B0DC-3B46-970A-600D67EE71BA}" srcOrd="0" destOrd="0" presId="urn:microsoft.com/office/officeart/2005/8/layout/radial1"/>
+    <dgm:cxn modelId="{C06F0FB2-AABC-F44E-B48B-8A2E722A55B7}" type="presOf" srcId="{56ADF586-CC6A-C143-9F24-73967A171701}" destId="{98BA5590-0B55-184C-B522-93B1AF70C12D}" srcOrd="0" destOrd="0" presId="urn:microsoft.com/office/officeart/2005/8/layout/radial1"/>
+    <dgm:cxn modelId="{140766C6-3E5C-5447-BE34-C84F730ED02E}" srcId="{F14CB638-B74D-ED4C-BD8E-FDD9E09910C7}" destId="{C7EBA55C-F2E2-E246-9DDC-9E71A33AB76F}" srcOrd="0" destOrd="0" parTransId="{3EC18492-01B6-7047-A283-B6F138227FEA}" sibTransId="{7530B075-8C2C-4547-B15D-713F1DE1F406}"/>
+    <dgm:cxn modelId="{B1715924-4B10-4D45-9998-EB960CBF47AD}" type="presOf" srcId="{3EC18492-01B6-7047-A283-B6F138227FEA}" destId="{3E336E57-605E-2F4E-A66E-F2A81FCAB3ED}" srcOrd="1" destOrd="0" presId="urn:microsoft.com/office/officeart/2005/8/layout/radial1"/>
+    <dgm:cxn modelId="{2B292DAF-E8DE-8E45-BE01-64B8EB49A5F6}" type="presOf" srcId="{98491BB1-768B-5C4B-BBC3-39A091E47C34}" destId="{42921DDD-7DC4-2249-B141-428EACE2D266}" srcOrd="0" destOrd="0" presId="urn:microsoft.com/office/officeart/2005/8/layout/radial1"/>
+    <dgm:cxn modelId="{45C7A68F-E44C-2347-8906-48D624127ED0}" type="presOf" srcId="{93CA8E9A-841B-DB41-A61D-61546E7D2525}" destId="{2A1B689B-C457-BF48-A151-610190C99530}" srcOrd="0" destOrd="0" presId="urn:microsoft.com/office/officeart/2005/8/layout/radial1"/>
+    <dgm:cxn modelId="{A14F2238-D45B-174C-8A1B-823AA3DBBF61}" type="presOf" srcId="{98491BB1-768B-5C4B-BBC3-39A091E47C34}" destId="{5570C892-DB8B-4946-8690-42ED6A283EAF}" srcOrd="1" destOrd="0" presId="urn:microsoft.com/office/officeart/2005/8/layout/radial1"/>
+    <dgm:cxn modelId="{2EBB00B9-725D-1544-B9C2-FE510710DFDE}" type="presOf" srcId="{794178FC-0D1D-7C49-A0A0-C552ED482260}" destId="{7C61498A-FF74-CC41-96C4-070D8764FF96}" srcOrd="0" destOrd="0" presId="urn:microsoft.com/office/officeart/2005/8/layout/radial1"/>
+    <dgm:cxn modelId="{40685C87-4A07-F74E-AE49-671BD13C571F}" srcId="{F14CB638-B74D-ED4C-BD8E-FDD9E09910C7}" destId="{2219D024-6F23-364F-A001-6906CCC0BC36}" srcOrd="2" destOrd="0" parTransId="{96911CD6-94BE-734D-B6F5-9F613B27B356}" sibTransId="{ACC8B9DB-0461-1A4F-A97D-48D09041E379}"/>
+    <dgm:cxn modelId="{B5F1ADF6-1A18-FA4F-8562-2E185ACFDF82}" srcId="{F14CB638-B74D-ED4C-BD8E-FDD9E09910C7}" destId="{56ADF586-CC6A-C143-9F24-73967A171701}" srcOrd="3" destOrd="0" parTransId="{794178FC-0D1D-7C49-A0A0-C552ED482260}" sibTransId="{326E4B0A-AA67-E345-AF36-7BCBEE55ED4B}"/>
+    <dgm:cxn modelId="{0264524A-B189-C748-B1F2-6C495C624D70}" type="presOf" srcId="{C7EBA55C-F2E2-E246-9DDC-9E71A33AB76F}" destId="{A03AAEB2-4E4C-4F44-868C-7CF6E7FA7998}" srcOrd="0" destOrd="0" presId="urn:microsoft.com/office/officeart/2005/8/layout/radial1"/>
+    <dgm:cxn modelId="{F1CA4F7F-1C16-4B4C-AC34-9323B967A434}" type="presOf" srcId="{F14CB638-B74D-ED4C-BD8E-FDD9E09910C7}" destId="{6DF4C925-8CC6-AA47-A6CA-DE412B686264}" srcOrd="0" destOrd="0" presId="urn:microsoft.com/office/officeart/2005/8/layout/radial1"/>
+    <dgm:cxn modelId="{F16EE095-BA8D-924B-875C-95A1B050B7E5}" type="presOf" srcId="{794178FC-0D1D-7C49-A0A0-C552ED482260}" destId="{65FC26EA-2C48-6A44-83BA-BF3EF459BD05}" srcOrd="1" destOrd="0" presId="urn:microsoft.com/office/officeart/2005/8/layout/radial1"/>
+    <dgm:cxn modelId="{B1E79E0B-AE9E-5E4D-9EAF-EC65632AFA8A}" type="presOf" srcId="{96911CD6-94BE-734D-B6F5-9F613B27B356}" destId="{17839772-0060-FB46-9D5E-11DCC87894C3}" srcOrd="0" destOrd="0" presId="urn:microsoft.com/office/officeart/2005/8/layout/radial1"/>
+    <dgm:cxn modelId="{5FD1C5DE-4698-2746-85FF-3F8D55FA5431}" type="presOf" srcId="{2219D024-6F23-364F-A001-6906CCC0BC36}" destId="{CAA9D483-1CF2-5C46-A9F1-7BE58D3BF38F}" srcOrd="0" destOrd="0" presId="urn:microsoft.com/office/officeart/2005/8/layout/radial1"/>
+    <dgm:cxn modelId="{73B3CCC8-8FED-554B-B566-2EAFDDF2B34E}" type="presOf" srcId="{054C43B2-017F-B84E-B05C-2D7C92039D6E}" destId="{AF521888-B978-764B-AD76-146F3168DB3C}" srcOrd="0" destOrd="0" presId="urn:microsoft.com/office/officeart/2005/8/layout/radial1"/>
+    <dgm:cxn modelId="{A178F5D8-14DD-E246-99FA-7EDA7E9761ED}" srcId="{054C43B2-017F-B84E-B05C-2D7C92039D6E}" destId="{F14CB638-B74D-ED4C-BD8E-FDD9E09910C7}" srcOrd="0" destOrd="0" parTransId="{6843C2C4-45DB-E74F-AD08-8A248B28391C}" sibTransId="{179E6CEA-74DD-A444-B35D-4855B81052CD}"/>
+    <dgm:cxn modelId="{7ABF3385-CA6A-EA44-9F79-7E236A299F4B}" srcId="{F14CB638-B74D-ED4C-BD8E-FDD9E09910C7}" destId="{93CA8E9A-841B-DB41-A61D-61546E7D2525}" srcOrd="1" destOrd="0" parTransId="{98491BB1-768B-5C4B-BBC3-39A091E47C34}" sibTransId="{B20853E0-5EAA-EB4E-A205-2C7D8509563A}"/>
+    <dgm:cxn modelId="{62EEB940-28C9-274F-BF43-E85286E7AB7F}" type="presParOf" srcId="{AF521888-B978-764B-AD76-146F3168DB3C}" destId="{6DF4C925-8CC6-AA47-A6CA-DE412B686264}" srcOrd="0" destOrd="0" presId="urn:microsoft.com/office/officeart/2005/8/layout/radial1"/>
+    <dgm:cxn modelId="{A28037F0-7EC6-DB41-8F1D-1E74EB54AD02}" type="presParOf" srcId="{AF521888-B978-764B-AD76-146F3168DB3C}" destId="{A22B6FC2-B0DC-3B46-970A-600D67EE71BA}" srcOrd="1" destOrd="0" presId="urn:microsoft.com/office/officeart/2005/8/layout/radial1"/>
+    <dgm:cxn modelId="{BE273855-591E-1247-9348-BDAAF977E56D}" type="presParOf" srcId="{A22B6FC2-B0DC-3B46-970A-600D67EE71BA}" destId="{3E336E57-605E-2F4E-A66E-F2A81FCAB3ED}" srcOrd="0" destOrd="0" presId="urn:microsoft.com/office/officeart/2005/8/layout/radial1"/>
+    <dgm:cxn modelId="{287C06EC-9D9C-8048-9456-C03625D99D5D}" type="presParOf" srcId="{AF521888-B978-764B-AD76-146F3168DB3C}" destId="{A03AAEB2-4E4C-4F44-868C-7CF6E7FA7998}" srcOrd="2" destOrd="0" presId="urn:microsoft.com/office/officeart/2005/8/layout/radial1"/>
+    <dgm:cxn modelId="{67199445-0C9B-BE48-AF1C-64066F32E1D1}" type="presParOf" srcId="{AF521888-B978-764B-AD76-146F3168DB3C}" destId="{42921DDD-7DC4-2249-B141-428EACE2D266}" srcOrd="3" destOrd="0" presId="urn:microsoft.com/office/officeart/2005/8/layout/radial1"/>
+    <dgm:cxn modelId="{641712BB-1F37-7044-ACCA-2E01F9CDA228}" type="presParOf" srcId="{42921DDD-7DC4-2249-B141-428EACE2D266}" destId="{5570C892-DB8B-4946-8690-42ED6A283EAF}" srcOrd="0" destOrd="0" presId="urn:microsoft.com/office/officeart/2005/8/layout/radial1"/>
+    <dgm:cxn modelId="{54A9AADA-3391-DC48-ACBC-9A04FDB9598D}" type="presParOf" srcId="{AF521888-B978-764B-AD76-146F3168DB3C}" destId="{2A1B689B-C457-BF48-A151-610190C99530}" srcOrd="4" destOrd="0" presId="urn:microsoft.com/office/officeart/2005/8/layout/radial1"/>
+    <dgm:cxn modelId="{51C516B8-AEC7-AD47-B8FA-5CF57FD97A53}" type="presParOf" srcId="{AF521888-B978-764B-AD76-146F3168DB3C}" destId="{17839772-0060-FB46-9D5E-11DCC87894C3}" srcOrd="5" destOrd="0" presId="urn:microsoft.com/office/officeart/2005/8/layout/radial1"/>
+    <dgm:cxn modelId="{8FFA61D9-ADB3-AC4B-96DC-D9A761CDAD79}" type="presParOf" srcId="{17839772-0060-FB46-9D5E-11DCC87894C3}" destId="{2E6D9793-4081-5F49-A5E7-0A0F2FD8DF82}" srcOrd="0" destOrd="0" presId="urn:microsoft.com/office/officeart/2005/8/layout/radial1"/>
+    <dgm:cxn modelId="{B31D1298-6392-CF4B-8D71-11AD87DBE5FF}" type="presParOf" srcId="{AF521888-B978-764B-AD76-146F3168DB3C}" destId="{CAA9D483-1CF2-5C46-A9F1-7BE58D3BF38F}" srcOrd="6" destOrd="0" presId="urn:microsoft.com/office/officeart/2005/8/layout/radial1"/>
+    <dgm:cxn modelId="{17A488C2-6D33-1D45-9234-E57B99C98968}" type="presParOf" srcId="{AF521888-B978-764B-AD76-146F3168DB3C}" destId="{7C61498A-FF74-CC41-96C4-070D8764FF96}" srcOrd="7" destOrd="0" presId="urn:microsoft.com/office/officeart/2005/8/layout/radial1"/>
+    <dgm:cxn modelId="{8DC358A0-3669-CF43-B001-6FAF03866292}" type="presParOf" srcId="{7C61498A-FF74-CC41-96C4-070D8764FF96}" destId="{65FC26EA-2C48-6A44-83BA-BF3EF459BD05}" srcOrd="0" destOrd="0" presId="urn:microsoft.com/office/officeart/2005/8/layout/radial1"/>
+    <dgm:cxn modelId="{7CB28918-B640-B049-8F67-637A4F870300}" type="presParOf" srcId="{AF521888-B978-764B-AD76-146F3168DB3C}" destId="{98BA5590-0B55-184C-B522-93B1AF70C12D}" srcOrd="8" destOrd="0" presId="urn:microsoft.com/office/officeart/2005/8/layout/radial1"/>
+  </dgm:cxnLst>
+  <dgm:bg>
+    <a:noFill/>
+  </dgm:bg>
+  <dgm:whole/>
+  <dgm:extLst>
+    <a:ext uri="http://schemas.microsoft.com/office/drawing/2008/diagram">
+      <dsp:dataModelExt xmlns:dsp="http://schemas.microsoft.com/office/drawing/2008/diagram" relId="rId12" minVer="http://schemas.openxmlformats.org/drawingml/2006/diagram"/>
+    </a:ext>
+  </dgm:extLst>
+</dgm:dataModel>
+</file>
+
+<file path=ppt/diagrams/drawing1.xml><?xml version="1.0" encoding="utf-8"?>
+<dsp:drawing xmlns:dgm="http://schemas.openxmlformats.org/drawingml/2006/diagram" xmlns:dsp="http://schemas.microsoft.com/office/drawing/2008/diagram" xmlns:a="http://schemas.openxmlformats.org/drawingml/2006/main">
+  <dsp:spTree>
+    <dsp:nvGrpSpPr>
+      <dsp:cNvPr id="0" name=""/>
+      <dsp:cNvGrpSpPr/>
+    </dsp:nvGrpSpPr>
+    <dsp:grpSpPr/>
+    <dsp:sp modelId="{580C5EC2-B321-8348-96A6-69B2D7D9C25A}">
+      <dsp:nvSpPr>
+        <dsp:cNvPr id="0" name=""/>
+        <dsp:cNvSpPr/>
+      </dsp:nvSpPr>
+      <dsp:spPr>
+        <a:xfrm>
+          <a:off x="3987135" y="3052959"/>
+          <a:ext cx="2178857" cy="2178857"/>
+        </a:xfrm>
+        <a:prstGeom prst="ellipse">
+          <a:avLst/>
+        </a:prstGeom>
+        <a:solidFill>
+          <a:srgbClr val="82B7FF"/>
+        </a:solidFill>
+        <a:ln>
+          <a:noFill/>
+        </a:ln>
+        <a:effectLst>
+          <a:outerShdw blurRad="40000" dist="23000" dir="5400000" rotWithShape="0">
+            <a:srgbClr val="000000">
+              <a:alpha val="35000"/>
+            </a:srgbClr>
+          </a:outerShdw>
+        </a:effectLst>
+      </dsp:spPr>
+      <dsp:style>
+        <a:lnRef idx="0">
+          <a:scrgbClr r="0" g="0" b="0"/>
+        </a:lnRef>
+        <a:fillRef idx="3">
+          <a:scrgbClr r="0" g="0" b="0"/>
+        </a:fillRef>
+        <a:effectRef idx="2">
+          <a:scrgbClr r="0" g="0" b="0"/>
+        </a:effectRef>
+        <a:fontRef idx="minor">
+          <a:schemeClr val="lt1"/>
+        </a:fontRef>
+      </dsp:style>
+      <dsp:txBody>
+        <a:bodyPr spcFirstLastPara="0" vert="horz" wrap="square" lIns="82550" tIns="82550" rIns="82550" bIns="82550" numCol="1" spcCol="1270" anchor="ctr" anchorCtr="0">
+          <a:noAutofit/>
+        </a:bodyPr>
+        <a:lstStyle/>
+        <a:p>
+          <a:pPr lvl="0" algn="ctr" defTabSz="2889250">
+            <a:lnSpc>
+              <a:spcPct val="90000"/>
+            </a:lnSpc>
+            <a:spcBef>
+              <a:spcPct val="0"/>
+            </a:spcBef>
+            <a:spcAft>
+              <a:spcPct val="35000"/>
+            </a:spcAft>
+          </a:pPr>
+          <a:r>
+            <a:rPr lang="en-GB" sz="6500" kern="1200" dirty="0" smtClean="0"/>
+            <a:t>TIP</a:t>
+          </a:r>
+          <a:endParaRPr lang="en-GB" sz="6500" kern="1200" dirty="0"/>
+        </a:p>
+      </dsp:txBody>
+      <dsp:txXfrm>
+        <a:off x="4306221" y="3372045"/>
+        <a:ext cx="1540685" cy="1540685"/>
+      </dsp:txXfrm>
+    </dsp:sp>
+    <dsp:sp modelId="{7ABBC4B2-E334-5D4A-A8B1-F9B4E7C9213C}">
+      <dsp:nvSpPr>
+        <dsp:cNvPr id="0" name=""/>
+        <dsp:cNvSpPr/>
+      </dsp:nvSpPr>
+      <dsp:spPr>
+        <a:xfrm rot="16200000">
+          <a:off x="4846381" y="2261277"/>
+          <a:ext cx="460364" cy="740811"/>
+        </a:xfrm>
+        <a:prstGeom prst="rightArrow">
+          <a:avLst>
+            <a:gd name="adj1" fmla="val 60000"/>
+            <a:gd name="adj2" fmla="val 50000"/>
+          </a:avLst>
+        </a:prstGeom>
+        <a:solidFill>
+          <a:srgbClr val="FF3AC5"/>
+        </a:solidFill>
+        <a:ln>
+          <a:noFill/>
+        </a:ln>
+        <a:effectLst>
+          <a:outerShdw blurRad="40000" dist="23000" dir="5400000" rotWithShape="0">
+            <a:srgbClr val="000000">
+              <a:alpha val="35000"/>
+            </a:srgbClr>
+          </a:outerShdw>
+        </a:effectLst>
+      </dsp:spPr>
+      <dsp:style>
+        <a:lnRef idx="0">
+          <a:scrgbClr r="0" g="0" b="0"/>
+        </a:lnRef>
+        <a:fillRef idx="3">
+          <a:scrgbClr r="0" g="0" b="0"/>
+        </a:fillRef>
+        <a:effectRef idx="2">
+          <a:scrgbClr r="0" g="0" b="0"/>
+        </a:effectRef>
+        <a:fontRef idx="minor">
+          <a:schemeClr val="lt1"/>
+        </a:fontRef>
+      </dsp:style>
+      <dsp:txBody>
+        <a:bodyPr spcFirstLastPara="0" vert="horz" wrap="square" lIns="0" tIns="0" rIns="0" bIns="0" numCol="1" spcCol="1270" anchor="ctr" anchorCtr="0">
+          <a:noAutofit/>
+        </a:bodyPr>
+        <a:lstStyle/>
+        <a:p>
+          <a:pPr lvl="0" algn="ctr" defTabSz="1377950">
+            <a:lnSpc>
+              <a:spcPct val="90000"/>
+            </a:lnSpc>
+            <a:spcBef>
+              <a:spcPct val="0"/>
+            </a:spcBef>
+            <a:spcAft>
+              <a:spcPct val="35000"/>
+            </a:spcAft>
+          </a:pPr>
+          <a:endParaRPr lang="en-GB" sz="3100" kern="1200"/>
+        </a:p>
+      </dsp:txBody>
+      <dsp:txXfrm>
+        <a:off x="4915436" y="2478494"/>
+        <a:ext cx="322255" cy="444487"/>
+      </dsp:txXfrm>
+    </dsp:sp>
+    <dsp:sp modelId="{C7ED01B8-1DDB-1F49-A3B7-BDF46B76D552}">
+      <dsp:nvSpPr>
+        <dsp:cNvPr id="0" name=""/>
+        <dsp:cNvSpPr/>
+      </dsp:nvSpPr>
+      <dsp:spPr>
+        <a:xfrm>
+          <a:off x="3987135" y="5490"/>
+          <a:ext cx="2178857" cy="2178857"/>
+        </a:xfrm>
+        <a:prstGeom prst="ellipse">
+          <a:avLst/>
+        </a:prstGeom>
+        <a:solidFill>
+          <a:srgbClr val="000090"/>
+        </a:solidFill>
+        <a:ln>
+          <a:noFill/>
+        </a:ln>
+        <a:effectLst>
+          <a:outerShdw blurRad="40000" dist="23000" dir="5400000" rotWithShape="0">
+            <a:srgbClr val="000000">
+              <a:alpha val="35000"/>
+            </a:srgbClr>
+          </a:outerShdw>
+        </a:effectLst>
+      </dsp:spPr>
+      <dsp:style>
+        <a:lnRef idx="0">
+          <a:scrgbClr r="0" g="0" b="0"/>
+        </a:lnRef>
+        <a:fillRef idx="3">
+          <a:scrgbClr r="0" g="0" b="0"/>
+        </a:fillRef>
+        <a:effectRef idx="2">
+          <a:scrgbClr r="0" g="0" b="0"/>
+        </a:effectRef>
+        <a:fontRef idx="minor">
+          <a:schemeClr val="lt1"/>
+        </a:fontRef>
+      </dsp:style>
+      <dsp:txBody>
+        <a:bodyPr spcFirstLastPara="0" vert="horz" wrap="square" lIns="39370" tIns="39370" rIns="39370" bIns="39370" numCol="1" spcCol="1270" anchor="ctr" anchorCtr="0">
+          <a:noAutofit/>
+        </a:bodyPr>
+        <a:lstStyle/>
+        <a:p>
+          <a:pPr lvl="0" algn="ctr" defTabSz="1377950">
+            <a:lnSpc>
+              <a:spcPct val="90000"/>
+            </a:lnSpc>
+            <a:spcBef>
+              <a:spcPct val="0"/>
+            </a:spcBef>
+            <a:spcAft>
+              <a:spcPct val="35000"/>
+            </a:spcAft>
+          </a:pPr>
+          <a:r>
+            <a:rPr lang="en-GB" sz="3100" kern="1200" dirty="0" smtClean="0"/>
+            <a:t>SMT-LIB</a:t>
+          </a:r>
+          <a:endParaRPr lang="en-GB" sz="3100" kern="1200" dirty="0"/>
+        </a:p>
+      </dsp:txBody>
+      <dsp:txXfrm>
+        <a:off x="4306221" y="324576"/>
+        <a:ext cx="1540685" cy="1540685"/>
+      </dsp:txXfrm>
+    </dsp:sp>
+    <dsp:sp modelId="{FE4B66CD-C07E-1247-A2F8-E2B1A84C59CA}">
+      <dsp:nvSpPr>
+        <dsp:cNvPr id="0" name=""/>
+        <dsp:cNvSpPr/>
+      </dsp:nvSpPr>
+      <dsp:spPr>
+        <a:xfrm>
+          <a:off x="6357087" y="3771982"/>
+          <a:ext cx="460364" cy="740811"/>
+        </a:xfrm>
+        <a:prstGeom prst="rightArrow">
+          <a:avLst>
+            <a:gd name="adj1" fmla="val 60000"/>
+            <a:gd name="adj2" fmla="val 50000"/>
+          </a:avLst>
+        </a:prstGeom>
+        <a:solidFill>
+          <a:srgbClr val="FF3AC5"/>
+        </a:solidFill>
+        <a:ln>
+          <a:noFill/>
+        </a:ln>
+        <a:effectLst>
+          <a:outerShdw blurRad="40000" dist="23000" dir="5400000" rotWithShape="0">
+            <a:srgbClr val="000000">
+              <a:alpha val="35000"/>
+            </a:srgbClr>
+          </a:outerShdw>
+        </a:effectLst>
+      </dsp:spPr>
+      <dsp:style>
+        <a:lnRef idx="0">
+          <a:scrgbClr r="0" g="0" b="0"/>
+        </a:lnRef>
+        <a:fillRef idx="3">
+          <a:scrgbClr r="0" g="0" b="0"/>
+        </a:fillRef>
+        <a:effectRef idx="2">
+          <a:scrgbClr r="0" g="0" b="0"/>
+        </a:effectRef>
+        <a:fontRef idx="minor">
+          <a:schemeClr val="lt1"/>
+        </a:fontRef>
+      </dsp:style>
+      <dsp:txBody>
+        <a:bodyPr spcFirstLastPara="0" vert="horz" wrap="square" lIns="0" tIns="0" rIns="0" bIns="0" numCol="1" spcCol="1270" anchor="ctr" anchorCtr="0">
+          <a:noAutofit/>
+        </a:bodyPr>
+        <a:lstStyle/>
+        <a:p>
+          <a:pPr lvl="0" algn="ctr" defTabSz="1377950">
+            <a:lnSpc>
+              <a:spcPct val="90000"/>
+            </a:lnSpc>
+            <a:spcBef>
+              <a:spcPct val="0"/>
+            </a:spcBef>
+            <a:spcAft>
+              <a:spcPct val="35000"/>
+            </a:spcAft>
+          </a:pPr>
+          <a:endParaRPr lang="en-GB" sz="3100" kern="1200"/>
+        </a:p>
+      </dsp:txBody>
+      <dsp:txXfrm>
+        <a:off x="6357087" y="3920144"/>
+        <a:ext cx="322255" cy="444487"/>
+      </dsp:txXfrm>
+    </dsp:sp>
+    <dsp:sp modelId="{FAFB3D5E-CF76-3044-BF1D-75BDFF452BE4}">
+      <dsp:nvSpPr>
+        <dsp:cNvPr id="0" name=""/>
+        <dsp:cNvSpPr/>
+      </dsp:nvSpPr>
+      <dsp:spPr>
+        <a:xfrm>
+          <a:off x="7034604" y="3052959"/>
+          <a:ext cx="2178857" cy="2178857"/>
+        </a:xfrm>
+        <a:prstGeom prst="ellipse">
+          <a:avLst/>
+        </a:prstGeom>
+        <a:solidFill>
+          <a:srgbClr val="000090"/>
+        </a:solidFill>
+        <a:ln>
+          <a:noFill/>
+        </a:ln>
+        <a:effectLst>
+          <a:outerShdw blurRad="40000" dist="23000" dir="5400000" rotWithShape="0">
+            <a:srgbClr val="000000">
+              <a:alpha val="35000"/>
+            </a:srgbClr>
+          </a:outerShdw>
+        </a:effectLst>
+      </dsp:spPr>
+      <dsp:style>
+        <a:lnRef idx="0">
+          <a:scrgbClr r="0" g="0" b="0"/>
+        </a:lnRef>
+        <a:fillRef idx="3">
+          <a:scrgbClr r="0" g="0" b="0"/>
+        </a:fillRef>
+        <a:effectRef idx="2">
+          <a:scrgbClr r="0" g="0" b="0"/>
+        </a:effectRef>
+        <a:fontRef idx="minor">
+          <a:schemeClr val="lt1"/>
+        </a:fontRef>
+      </dsp:style>
+      <dsp:txBody>
+        <a:bodyPr spcFirstLastPara="0" vert="horz" wrap="square" lIns="39370" tIns="39370" rIns="39370" bIns="39370" numCol="1" spcCol="1270" anchor="ctr" anchorCtr="0">
+          <a:noAutofit/>
+        </a:bodyPr>
+        <a:lstStyle/>
+        <a:p>
+          <a:pPr lvl="0" algn="ctr" defTabSz="1377950">
+            <a:lnSpc>
+              <a:spcPct val="90000"/>
+            </a:lnSpc>
+            <a:spcBef>
+              <a:spcPct val="0"/>
+            </a:spcBef>
+            <a:spcAft>
+              <a:spcPct val="35000"/>
+            </a:spcAft>
+          </a:pPr>
+          <a:r>
+            <a:rPr lang="en-GB" sz="3100" kern="1200" dirty="0" err="1" smtClean="0"/>
+            <a:t>WhyML</a:t>
+          </a:r>
+          <a:endParaRPr lang="en-GB" sz="3100" kern="1200" dirty="0"/>
+        </a:p>
+      </dsp:txBody>
+      <dsp:txXfrm>
+        <a:off x="7353690" y="3372045"/>
+        <a:ext cx="1540685" cy="1540685"/>
+      </dsp:txXfrm>
+    </dsp:sp>
+    <dsp:sp modelId="{AF4C9CB7-0E8A-B04B-8570-C0940F4D65A9}">
+      <dsp:nvSpPr>
+        <dsp:cNvPr id="0" name=""/>
+        <dsp:cNvSpPr/>
+      </dsp:nvSpPr>
+      <dsp:spPr>
+        <a:xfrm rot="5400000">
+          <a:off x="4846381" y="5282688"/>
+          <a:ext cx="460364" cy="740811"/>
+        </a:xfrm>
+        <a:prstGeom prst="rightArrow">
+          <a:avLst>
+            <a:gd name="adj1" fmla="val 60000"/>
+            <a:gd name="adj2" fmla="val 50000"/>
+          </a:avLst>
+        </a:prstGeom>
+        <a:solidFill>
+          <a:srgbClr val="FF3AC5"/>
+        </a:solidFill>
+        <a:ln>
+          <a:noFill/>
+        </a:ln>
+        <a:effectLst>
+          <a:outerShdw blurRad="40000" dist="23000" dir="5400000" rotWithShape="0">
+            <a:srgbClr val="000000">
+              <a:alpha val="35000"/>
+            </a:srgbClr>
+          </a:outerShdw>
+        </a:effectLst>
+      </dsp:spPr>
+      <dsp:style>
+        <a:lnRef idx="0">
+          <a:scrgbClr r="0" g="0" b="0"/>
+        </a:lnRef>
+        <a:fillRef idx="3">
+          <a:scrgbClr r="0" g="0" b="0"/>
+        </a:fillRef>
+        <a:effectRef idx="2">
+          <a:scrgbClr r="0" g="0" b="0"/>
+        </a:effectRef>
+        <a:fontRef idx="minor">
+          <a:schemeClr val="lt1"/>
+        </a:fontRef>
+      </dsp:style>
+      <dsp:txBody>
+        <a:bodyPr spcFirstLastPara="0" vert="horz" wrap="square" lIns="0" tIns="0" rIns="0" bIns="0" numCol="1" spcCol="1270" anchor="ctr" anchorCtr="0">
+          <a:noAutofit/>
+        </a:bodyPr>
+        <a:lstStyle/>
+        <a:p>
+          <a:pPr lvl="0" algn="ctr" defTabSz="1377950">
+            <a:lnSpc>
+              <a:spcPct val="90000"/>
+            </a:lnSpc>
+            <a:spcBef>
+              <a:spcPct val="0"/>
+            </a:spcBef>
+            <a:spcAft>
+              <a:spcPct val="35000"/>
+            </a:spcAft>
+          </a:pPr>
+          <a:endParaRPr lang="en-GB" sz="3100" kern="1200"/>
+        </a:p>
+      </dsp:txBody>
+      <dsp:txXfrm>
+        <a:off x="4915436" y="5361796"/>
+        <a:ext cx="322255" cy="444487"/>
+      </dsp:txXfrm>
+    </dsp:sp>
+    <dsp:sp modelId="{76E86298-7F88-8B44-8992-2543A0365208}">
+      <dsp:nvSpPr>
+        <dsp:cNvPr id="0" name=""/>
+        <dsp:cNvSpPr/>
+      </dsp:nvSpPr>
+      <dsp:spPr>
+        <a:xfrm>
+          <a:off x="3987135" y="6100429"/>
+          <a:ext cx="2178857" cy="2178857"/>
+        </a:xfrm>
+        <a:prstGeom prst="ellipse">
+          <a:avLst/>
+        </a:prstGeom>
+        <a:solidFill>
+          <a:srgbClr val="000090"/>
+        </a:solidFill>
+        <a:ln>
+          <a:noFill/>
+        </a:ln>
+        <a:effectLst>
+          <a:outerShdw blurRad="40000" dist="23000" dir="5400000" rotWithShape="0">
+            <a:srgbClr val="000000">
+              <a:alpha val="35000"/>
+            </a:srgbClr>
+          </a:outerShdw>
+        </a:effectLst>
+      </dsp:spPr>
+      <dsp:style>
+        <a:lnRef idx="0">
+          <a:scrgbClr r="0" g="0" b="0"/>
+        </a:lnRef>
+        <a:fillRef idx="3">
+          <a:scrgbClr r="0" g="0" b="0"/>
+        </a:fillRef>
+        <a:effectRef idx="2">
+          <a:scrgbClr r="0" g="0" b="0"/>
+        </a:effectRef>
+        <a:fontRef idx="minor">
+          <a:schemeClr val="lt1"/>
+        </a:fontRef>
+      </dsp:style>
+      <dsp:txBody>
+        <a:bodyPr spcFirstLastPara="0" vert="horz" wrap="square" lIns="39370" tIns="39370" rIns="39370" bIns="39370" numCol="1" spcCol="1270" anchor="ctr" anchorCtr="0">
+          <a:noAutofit/>
+        </a:bodyPr>
+        <a:lstStyle/>
+        <a:p>
+          <a:pPr lvl="0" algn="ctr" defTabSz="1377950">
+            <a:lnSpc>
+              <a:spcPct val="90000"/>
+            </a:lnSpc>
+            <a:spcBef>
+              <a:spcPct val="0"/>
+            </a:spcBef>
+            <a:spcAft>
+              <a:spcPct val="35000"/>
+            </a:spcAft>
+          </a:pPr>
+          <a:r>
+            <a:rPr lang="en-GB" sz="3100" kern="1200" dirty="0" smtClean="0"/>
+            <a:t>Isabelle/HOL</a:t>
+          </a:r>
+          <a:endParaRPr lang="en-GB" sz="3100" kern="1200" dirty="0"/>
+        </a:p>
+      </dsp:txBody>
+      <dsp:txXfrm>
+        <a:off x="4306221" y="6419515"/>
+        <a:ext cx="1540685" cy="1540685"/>
+      </dsp:txXfrm>
+    </dsp:sp>
+    <dsp:sp modelId="{9C670869-D0D4-364D-8B70-023CAC2ECE89}">
+      <dsp:nvSpPr>
+        <dsp:cNvPr id="0" name=""/>
+        <dsp:cNvSpPr/>
+      </dsp:nvSpPr>
+      <dsp:spPr>
+        <a:xfrm rot="10800000">
+          <a:off x="3335676" y="3771982"/>
+          <a:ext cx="460364" cy="740811"/>
+        </a:xfrm>
+        <a:prstGeom prst="rightArrow">
+          <a:avLst>
+            <a:gd name="adj1" fmla="val 60000"/>
+            <a:gd name="adj2" fmla="val 50000"/>
+          </a:avLst>
+        </a:prstGeom>
+        <a:solidFill>
+          <a:srgbClr val="FF3AC5"/>
+        </a:solidFill>
+        <a:ln>
+          <a:noFill/>
+        </a:ln>
+        <a:effectLst>
+          <a:outerShdw blurRad="40000" dist="23000" dir="5400000" rotWithShape="0">
+            <a:srgbClr val="000000">
+              <a:alpha val="35000"/>
+            </a:srgbClr>
+          </a:outerShdw>
+        </a:effectLst>
+      </dsp:spPr>
+      <dsp:style>
+        <a:lnRef idx="0">
+          <a:scrgbClr r="0" g="0" b="0"/>
+        </a:lnRef>
+        <a:fillRef idx="3">
+          <a:scrgbClr r="0" g="0" b="0"/>
+        </a:fillRef>
+        <a:effectRef idx="2">
+          <a:scrgbClr r="0" g="0" b="0"/>
+        </a:effectRef>
+        <a:fontRef idx="minor">
+          <a:schemeClr val="lt1"/>
+        </a:fontRef>
+      </dsp:style>
+      <dsp:txBody>
+        <a:bodyPr spcFirstLastPara="0" vert="horz" wrap="square" lIns="0" tIns="0" rIns="0" bIns="0" numCol="1" spcCol="1270" anchor="ctr" anchorCtr="0">
+          <a:noAutofit/>
+        </a:bodyPr>
+        <a:lstStyle/>
+        <a:p>
+          <a:pPr lvl="0" algn="ctr" defTabSz="1377950">
+            <a:lnSpc>
+              <a:spcPct val="90000"/>
+            </a:lnSpc>
+            <a:spcBef>
+              <a:spcPct val="0"/>
+            </a:spcBef>
+            <a:spcAft>
+              <a:spcPct val="35000"/>
+            </a:spcAft>
+          </a:pPr>
+          <a:endParaRPr lang="en-GB" sz="3100" kern="1200"/>
+        </a:p>
+      </dsp:txBody>
+      <dsp:txXfrm rot="10800000">
+        <a:off x="3473785" y="3920144"/>
+        <a:ext cx="322255" cy="444487"/>
+      </dsp:txXfrm>
+    </dsp:sp>
+    <dsp:sp modelId="{DF9D8650-9AA8-FC4B-8E10-265DB3B343F0}">
+      <dsp:nvSpPr>
+        <dsp:cNvPr id="0" name=""/>
+        <dsp:cNvSpPr/>
+      </dsp:nvSpPr>
+      <dsp:spPr>
+        <a:xfrm>
+          <a:off x="939665" y="3052959"/>
+          <a:ext cx="2178857" cy="2178857"/>
+        </a:xfrm>
+        <a:prstGeom prst="ellipse">
+          <a:avLst/>
+        </a:prstGeom>
+        <a:solidFill>
+          <a:srgbClr val="000090"/>
+        </a:solidFill>
+        <a:ln>
+          <a:noFill/>
+        </a:ln>
+        <a:effectLst>
+          <a:outerShdw blurRad="40000" dist="23000" dir="5400000" rotWithShape="0">
+            <a:srgbClr val="000000">
+              <a:alpha val="35000"/>
+            </a:srgbClr>
+          </a:outerShdw>
+        </a:effectLst>
+      </dsp:spPr>
+      <dsp:style>
+        <a:lnRef idx="0">
+          <a:scrgbClr r="0" g="0" b="0"/>
+        </a:lnRef>
+        <a:fillRef idx="3">
+          <a:scrgbClr r="0" g="0" b="0"/>
+        </a:fillRef>
+        <a:effectRef idx="2">
+          <a:scrgbClr r="0" g="0" b="0"/>
+        </a:effectRef>
+        <a:fontRef idx="minor">
+          <a:schemeClr val="lt1"/>
+        </a:fontRef>
+      </dsp:style>
+      <dsp:txBody>
+        <a:bodyPr spcFirstLastPara="0" vert="horz" wrap="square" lIns="39370" tIns="39370" rIns="39370" bIns="39370" numCol="1" spcCol="1270" anchor="ctr" anchorCtr="0">
+          <a:noAutofit/>
+        </a:bodyPr>
+        <a:lstStyle/>
+        <a:p>
+          <a:pPr lvl="0" algn="ctr" defTabSz="1377950">
+            <a:lnSpc>
+              <a:spcPct val="90000"/>
+            </a:lnSpc>
+            <a:spcBef>
+              <a:spcPct val="0"/>
+            </a:spcBef>
+            <a:spcAft>
+              <a:spcPct val="35000"/>
+            </a:spcAft>
+          </a:pPr>
+          <a:r>
+            <a:rPr lang="en-GB" sz="3100" kern="1200" dirty="0" smtClean="0"/>
+            <a:t>Haskell</a:t>
+          </a:r>
+          <a:endParaRPr lang="en-GB" sz="3100" kern="1200" dirty="0"/>
+        </a:p>
+      </dsp:txBody>
+      <dsp:txXfrm>
+        <a:off x="1258751" y="3372045"/>
+        <a:ext cx="1540685" cy="1540685"/>
+      </dsp:txXfrm>
+    </dsp:sp>
+  </dsp:spTree>
+</dsp:drawing>
+</file>
+
+<file path=ppt/diagrams/drawing2.xml><?xml version="1.0" encoding="utf-8"?>
+<dsp:drawing xmlns:dgm="http://schemas.openxmlformats.org/drawingml/2006/diagram" xmlns:dsp="http://schemas.microsoft.com/office/drawing/2008/diagram" xmlns:a="http://schemas.openxmlformats.org/drawingml/2006/main">
+  <dsp:spTree>
+    <dsp:nvGrpSpPr>
+      <dsp:cNvPr id="0" name=""/>
+      <dsp:cNvGrpSpPr/>
+    </dsp:nvGrpSpPr>
+    <dsp:grpSpPr/>
+    <dsp:sp modelId="{6DF4C925-8CC6-AA47-A6CA-DE412B686264}">
+      <dsp:nvSpPr>
+        <dsp:cNvPr id="0" name=""/>
+        <dsp:cNvSpPr/>
+      </dsp:nvSpPr>
+      <dsp:spPr>
+        <a:xfrm>
+          <a:off x="4587386" y="3098969"/>
+          <a:ext cx="2354258" cy="2354258"/>
+        </a:xfrm>
+        <a:prstGeom prst="ellipse">
+          <a:avLst/>
+        </a:prstGeom>
+        <a:solidFill>
+          <a:srgbClr val="82B7FF"/>
+        </a:solidFill>
+        <a:ln>
+          <a:noFill/>
+        </a:ln>
+        <a:effectLst>
+          <a:outerShdw blurRad="40000" dist="23000" dir="5400000" rotWithShape="0">
+            <a:srgbClr val="000000">
+              <a:alpha val="35000"/>
+            </a:srgbClr>
+          </a:outerShdw>
+        </a:effectLst>
+      </dsp:spPr>
+      <dsp:style>
+        <a:lnRef idx="0">
+          <a:scrgbClr r="0" g="0" b="0"/>
+        </a:lnRef>
+        <a:fillRef idx="3">
+          <a:scrgbClr r="0" g="0" b="0"/>
+        </a:fillRef>
+        <a:effectRef idx="2">
+          <a:scrgbClr r="0" g="0" b="0"/>
+        </a:effectRef>
+        <a:fontRef idx="minor">
+          <a:schemeClr val="lt1"/>
+        </a:fontRef>
+      </dsp:style>
+      <dsp:txBody>
+        <a:bodyPr spcFirstLastPara="0" vert="horz" wrap="square" lIns="22225" tIns="22225" rIns="22225" bIns="22225" numCol="1" spcCol="1270" anchor="ctr" anchorCtr="0">
+          <a:noAutofit/>
+        </a:bodyPr>
+        <a:lstStyle/>
+        <a:p>
+          <a:pPr lvl="0" algn="ctr" defTabSz="1555750">
+            <a:lnSpc>
+              <a:spcPct val="90000"/>
+            </a:lnSpc>
+            <a:spcBef>
+              <a:spcPct val="0"/>
+            </a:spcBef>
+            <a:spcAft>
+              <a:spcPct val="35000"/>
+            </a:spcAft>
+          </a:pPr>
+          <a:r>
+            <a:rPr lang="en-GB" sz="3500" kern="1200" dirty="0" smtClean="0">
+              <a:solidFill>
+                <a:schemeClr val="tx1"/>
+              </a:solidFill>
+            </a:rPr>
+            <a:t>TIP-problem</a:t>
+          </a:r>
+          <a:endParaRPr lang="en-GB" sz="3500" kern="1200" dirty="0">
+            <a:solidFill>
+              <a:schemeClr val="tx1"/>
+            </a:solidFill>
+          </a:endParaRPr>
+        </a:p>
+      </dsp:txBody>
+      <dsp:txXfrm>
+        <a:off x="4932159" y="3443742"/>
+        <a:ext cx="1664712" cy="1664712"/>
+      </dsp:txXfrm>
+    </dsp:sp>
+    <dsp:sp modelId="{A22B6FC2-B0DC-3B46-970A-600D67EE71BA}">
+      <dsp:nvSpPr>
+        <dsp:cNvPr id="0" name=""/>
+        <dsp:cNvSpPr/>
+      </dsp:nvSpPr>
+      <dsp:spPr>
+        <a:xfrm rot="13518344">
+          <a:off x="3228905" y="2708235"/>
+          <a:ext cx="2005146" cy="36756"/>
+        </a:xfrm>
+        <a:custGeom>
+          <a:avLst/>
+          <a:gdLst/>
+          <a:ahLst/>
+          <a:cxnLst/>
+          <a:rect l="0" t="0" r="0" b="0"/>
+          <a:pathLst>
+            <a:path>
+              <a:moveTo>
+                <a:pt x="0" y="18378"/>
+              </a:moveTo>
+              <a:lnTo>
+                <a:pt x="2005146" y="18378"/>
+              </a:lnTo>
+            </a:path>
+          </a:pathLst>
+        </a:custGeom>
+        <a:noFill/>
+        <a:ln w="9525" cap="flat" cmpd="sng" algn="ctr">
+          <a:solidFill>
+            <a:schemeClr val="accent1">
+              <a:shade val="60000"/>
+              <a:hueOff val="0"/>
+              <a:satOff val="0"/>
+              <a:lumOff val="0"/>
+              <a:alphaOff val="0"/>
+            </a:schemeClr>
+          </a:solidFill>
+          <a:prstDash val="solid"/>
+        </a:ln>
+        <a:effectLst/>
+      </dsp:spPr>
+      <dsp:style>
+        <a:lnRef idx="1">
+          <a:scrgbClr r="0" g="0" b="0"/>
+        </a:lnRef>
+        <a:fillRef idx="0">
+          <a:scrgbClr r="0" g="0" b="0"/>
+        </a:fillRef>
+        <a:effectRef idx="0">
+          <a:scrgbClr r="0" g="0" b="0"/>
+        </a:effectRef>
+        <a:fontRef idx="minor"/>
+      </dsp:style>
+      <dsp:txBody>
+        <a:bodyPr spcFirstLastPara="0" vert="horz" wrap="square" lIns="12700" tIns="0" rIns="12700" bIns="0" numCol="1" spcCol="1270" anchor="ctr" anchorCtr="0">
+          <a:noAutofit/>
+        </a:bodyPr>
+        <a:lstStyle/>
+        <a:p>
+          <a:pPr lvl="0" algn="ctr" defTabSz="311150">
+            <a:lnSpc>
+              <a:spcPct val="90000"/>
+            </a:lnSpc>
+            <a:spcBef>
+              <a:spcPct val="0"/>
+            </a:spcBef>
+            <a:spcAft>
+              <a:spcPct val="35000"/>
+            </a:spcAft>
+          </a:pPr>
+          <a:endParaRPr lang="en-GB" sz="700" kern="1200"/>
+        </a:p>
+      </dsp:txBody>
+      <dsp:txXfrm rot="10800000">
+        <a:off x="4181350" y="2676485"/>
+        <a:ext cx="100257" cy="100257"/>
+      </dsp:txXfrm>
+    </dsp:sp>
+    <dsp:sp modelId="{A03AAEB2-4E4C-4F44-868C-7CF6E7FA7998}">
+      <dsp:nvSpPr>
+        <dsp:cNvPr id="0" name=""/>
+        <dsp:cNvSpPr/>
+      </dsp:nvSpPr>
+      <dsp:spPr>
+        <a:xfrm>
+          <a:off x="1521313" y="0"/>
+          <a:ext cx="2354258" cy="2354258"/>
+        </a:xfrm>
+        <a:prstGeom prst="ellipse">
+          <a:avLst/>
+        </a:prstGeom>
+        <a:solidFill>
+          <a:srgbClr val="4FBCA6"/>
+        </a:solidFill>
+        <a:ln>
+          <a:noFill/>
+        </a:ln>
+        <a:effectLst>
+          <a:outerShdw blurRad="40000" dist="23000" dir="5400000" rotWithShape="0">
+            <a:srgbClr val="000000">
+              <a:alpha val="35000"/>
+            </a:srgbClr>
+          </a:outerShdw>
+        </a:effectLst>
+      </dsp:spPr>
+      <dsp:style>
+        <a:lnRef idx="0">
+          <a:scrgbClr r="0" g="0" b="0"/>
+        </a:lnRef>
+        <a:fillRef idx="3">
+          <a:scrgbClr r="0" g="0" b="0"/>
+        </a:fillRef>
+        <a:effectRef idx="2">
+          <a:scrgbClr r="0" g="0" b="0"/>
+        </a:effectRef>
+        <a:fontRef idx="minor">
+          <a:schemeClr val="lt1"/>
+        </a:fontRef>
+      </dsp:style>
+      <dsp:txBody>
+        <a:bodyPr spcFirstLastPara="0" vert="horz" wrap="square" lIns="17780" tIns="17780" rIns="17780" bIns="17780" numCol="1" spcCol="1270" anchor="ctr" anchorCtr="0">
+          <a:noAutofit/>
+        </a:bodyPr>
+        <a:lstStyle/>
+        <a:p>
+          <a:pPr lvl="0" algn="ctr" defTabSz="1244600">
+            <a:lnSpc>
+              <a:spcPct val="90000"/>
+            </a:lnSpc>
+            <a:spcBef>
+              <a:spcPct val="0"/>
+            </a:spcBef>
+            <a:spcAft>
+              <a:spcPct val="35000"/>
+            </a:spcAft>
+          </a:pPr>
+          <a:r>
+            <a:rPr lang="en-GB" sz="2800" kern="1200" dirty="0" smtClean="0">
+              <a:solidFill>
+                <a:srgbClr val="000000"/>
+              </a:solidFill>
+            </a:rPr>
+            <a:t>Proving:</a:t>
+          </a:r>
+        </a:p>
+        <a:p>
+          <a:pPr lvl="0" algn="ctr" defTabSz="1244600">
+            <a:lnSpc>
+              <a:spcPct val="90000"/>
+            </a:lnSpc>
+            <a:spcBef>
+              <a:spcPct val="0"/>
+            </a:spcBef>
+            <a:spcAft>
+              <a:spcPct val="35000"/>
+            </a:spcAft>
+          </a:pPr>
+          <a:r>
+            <a:rPr lang="en-GB" sz="2800" kern="1200" dirty="0" err="1" smtClean="0">
+              <a:solidFill>
+                <a:srgbClr val="000000"/>
+              </a:solidFill>
+            </a:rPr>
+            <a:t>HipSpec</a:t>
+          </a:r>
+          <a:endParaRPr lang="en-GB" sz="2800" kern="1200" dirty="0" smtClean="0">
+            <a:solidFill>
+              <a:srgbClr val="000000"/>
+            </a:solidFill>
+          </a:endParaRPr>
+        </a:p>
+      </dsp:txBody>
+      <dsp:txXfrm>
+        <a:off x="1866086" y="344773"/>
+        <a:ext cx="1664712" cy="1664712"/>
+      </dsp:txXfrm>
+    </dsp:sp>
+    <dsp:sp modelId="{42921DDD-7DC4-2249-B141-428EACE2D266}">
+      <dsp:nvSpPr>
+        <dsp:cNvPr id="0" name=""/>
+        <dsp:cNvSpPr/>
+      </dsp:nvSpPr>
+      <dsp:spPr>
+        <a:xfrm rot="18845784">
+          <a:off x="6290168" y="2719341"/>
+          <a:ext cx="1929906" cy="36756"/>
+        </a:xfrm>
+        <a:custGeom>
+          <a:avLst/>
+          <a:gdLst/>
+          <a:ahLst/>
+          <a:cxnLst/>
+          <a:rect l="0" t="0" r="0" b="0"/>
+          <a:pathLst>
+            <a:path>
+              <a:moveTo>
+                <a:pt x="0" y="18378"/>
+              </a:moveTo>
+              <a:lnTo>
+                <a:pt x="1929906" y="18378"/>
+              </a:lnTo>
+            </a:path>
+          </a:pathLst>
+        </a:custGeom>
+        <a:noFill/>
+        <a:ln w="9525" cap="flat" cmpd="sng" algn="ctr">
+          <a:solidFill>
+            <a:schemeClr val="accent1">
+              <a:shade val="60000"/>
+              <a:hueOff val="0"/>
+              <a:satOff val="0"/>
+              <a:lumOff val="0"/>
+              <a:alphaOff val="0"/>
+            </a:schemeClr>
+          </a:solidFill>
+          <a:prstDash val="solid"/>
+        </a:ln>
+        <a:effectLst/>
+      </dsp:spPr>
+      <dsp:style>
+        <a:lnRef idx="1">
+          <a:scrgbClr r="0" g="0" b="0"/>
+        </a:lnRef>
+        <a:fillRef idx="0">
+          <a:scrgbClr r="0" g="0" b="0"/>
+        </a:fillRef>
+        <a:effectRef idx="0">
+          <a:scrgbClr r="0" g="0" b="0"/>
+        </a:effectRef>
+        <a:fontRef idx="minor"/>
+      </dsp:style>
+      <dsp:txBody>
+        <a:bodyPr spcFirstLastPara="0" vert="horz" wrap="square" lIns="12700" tIns="0" rIns="12700" bIns="0" numCol="1" spcCol="1270" anchor="ctr" anchorCtr="0">
+          <a:noAutofit/>
+        </a:bodyPr>
+        <a:lstStyle/>
+        <a:p>
+          <a:pPr lvl="0" algn="ctr" defTabSz="266700">
+            <a:lnSpc>
+              <a:spcPct val="90000"/>
+            </a:lnSpc>
+            <a:spcBef>
+              <a:spcPct val="0"/>
+            </a:spcBef>
+            <a:spcAft>
+              <a:spcPct val="35000"/>
+            </a:spcAft>
+          </a:pPr>
+          <a:endParaRPr lang="en-GB" sz="600" kern="1200"/>
+        </a:p>
+      </dsp:txBody>
+      <dsp:txXfrm>
+        <a:off x="7206873" y="2689471"/>
+        <a:ext cx="96495" cy="96495"/>
+      </dsp:txXfrm>
+    </dsp:sp>
+    <dsp:sp modelId="{2A1B689B-C457-BF48-A151-610190C99530}">
+      <dsp:nvSpPr>
+        <dsp:cNvPr id="0" name=""/>
+        <dsp:cNvSpPr/>
+      </dsp:nvSpPr>
+      <dsp:spPr>
+        <a:xfrm>
+          <a:off x="7568598" y="22210"/>
+          <a:ext cx="2354258" cy="2354258"/>
+        </a:xfrm>
+        <a:prstGeom prst="ellipse">
+          <a:avLst/>
+        </a:prstGeom>
+        <a:solidFill>
+          <a:srgbClr val="FFE01C"/>
+        </a:solidFill>
+        <a:ln>
+          <a:noFill/>
+        </a:ln>
+        <a:effectLst>
+          <a:outerShdw blurRad="40000" dist="23000" dir="5400000" rotWithShape="0">
+            <a:srgbClr val="000000">
+              <a:alpha val="35000"/>
+            </a:srgbClr>
+          </a:outerShdw>
+        </a:effectLst>
+      </dsp:spPr>
+      <dsp:style>
+        <a:lnRef idx="0">
+          <a:scrgbClr r="0" g="0" b="0"/>
+        </a:lnRef>
+        <a:fillRef idx="3">
+          <a:scrgbClr r="0" g="0" b="0"/>
+        </a:fillRef>
+        <a:effectRef idx="2">
+          <a:scrgbClr r="0" g="0" b="0"/>
+        </a:effectRef>
+        <a:fontRef idx="minor">
+          <a:schemeClr val="lt1"/>
+        </a:fontRef>
+      </dsp:style>
+      <dsp:txBody>
+        <a:bodyPr spcFirstLastPara="0" vert="horz" wrap="square" lIns="15240" tIns="15240" rIns="15240" bIns="15240" numCol="1" spcCol="1270" anchor="ctr" anchorCtr="0">
+          <a:noAutofit/>
+        </a:bodyPr>
+        <a:lstStyle/>
+        <a:p>
+          <a:pPr lvl="0" algn="ctr" defTabSz="1066800">
+            <a:lnSpc>
+              <a:spcPct val="90000"/>
+            </a:lnSpc>
+            <a:spcBef>
+              <a:spcPct val="0"/>
+            </a:spcBef>
+            <a:spcAft>
+              <a:spcPct val="35000"/>
+            </a:spcAft>
+          </a:pPr>
+          <a:r>
+            <a:rPr lang="en-GB" sz="2400" kern="1200" dirty="0" smtClean="0">
+              <a:solidFill>
+                <a:schemeClr val="tx1"/>
+              </a:solidFill>
+            </a:rPr>
+            <a:t>Theory Exploration:</a:t>
+          </a:r>
+        </a:p>
+        <a:p>
+          <a:pPr lvl="0" algn="ctr" defTabSz="1066800">
+            <a:lnSpc>
+              <a:spcPct val="90000"/>
+            </a:lnSpc>
+            <a:spcBef>
+              <a:spcPct val="0"/>
+            </a:spcBef>
+            <a:spcAft>
+              <a:spcPct val="35000"/>
+            </a:spcAft>
+          </a:pPr>
+          <a:r>
+            <a:rPr lang="en-GB" sz="2400" kern="1200" dirty="0" err="1" smtClean="0">
+              <a:solidFill>
+                <a:schemeClr val="tx1"/>
+              </a:solidFill>
+            </a:rPr>
+            <a:t>QuickSpec</a:t>
+          </a:r>
+          <a:endParaRPr lang="en-GB" sz="2400" kern="1200" dirty="0">
+            <a:solidFill>
+              <a:schemeClr val="tx1"/>
+            </a:solidFill>
+          </a:endParaRPr>
+        </a:p>
+      </dsp:txBody>
+      <dsp:txXfrm>
+        <a:off x="7913371" y="366983"/>
+        <a:ext cx="1664712" cy="1664712"/>
+      </dsp:txXfrm>
+    </dsp:sp>
+    <dsp:sp modelId="{17839772-0060-FB46-9D5E-11DCC87894C3}">
+      <dsp:nvSpPr>
+        <dsp:cNvPr id="0" name=""/>
+        <dsp:cNvSpPr/>
+      </dsp:nvSpPr>
+      <dsp:spPr>
+        <a:xfrm rot="2725569">
+          <a:off x="6293066" y="5807203"/>
+          <a:ext cx="1996105" cy="36756"/>
+        </a:xfrm>
+        <a:custGeom>
+          <a:avLst/>
+          <a:gdLst/>
+          <a:ahLst/>
+          <a:cxnLst/>
+          <a:rect l="0" t="0" r="0" b="0"/>
+          <a:pathLst>
+            <a:path>
+              <a:moveTo>
+                <a:pt x="0" y="18378"/>
+              </a:moveTo>
+              <a:lnTo>
+                <a:pt x="1996105" y="18378"/>
+              </a:lnTo>
+            </a:path>
+          </a:pathLst>
+        </a:custGeom>
+        <a:noFill/>
+        <a:ln w="9525" cap="flat" cmpd="sng" algn="ctr">
+          <a:solidFill>
+            <a:schemeClr val="accent1">
+              <a:shade val="60000"/>
+              <a:hueOff val="0"/>
+              <a:satOff val="0"/>
+              <a:lumOff val="0"/>
+              <a:alphaOff val="0"/>
+            </a:schemeClr>
+          </a:solidFill>
+          <a:prstDash val="solid"/>
+        </a:ln>
+        <a:effectLst/>
+      </dsp:spPr>
+      <dsp:style>
+        <a:lnRef idx="1">
+          <a:scrgbClr r="0" g="0" b="0"/>
+        </a:lnRef>
+        <a:fillRef idx="0">
+          <a:scrgbClr r="0" g="0" b="0"/>
+        </a:fillRef>
+        <a:effectRef idx="0">
+          <a:scrgbClr r="0" g="0" b="0"/>
+        </a:effectRef>
+        <a:fontRef idx="minor"/>
+      </dsp:style>
+      <dsp:txBody>
+        <a:bodyPr spcFirstLastPara="0" vert="horz" wrap="square" lIns="12700" tIns="0" rIns="12700" bIns="0" numCol="1" spcCol="1270" anchor="ctr" anchorCtr="0">
+          <a:noAutofit/>
+        </a:bodyPr>
+        <a:lstStyle/>
+        <a:p>
+          <a:pPr lvl="0" algn="ctr" defTabSz="311150">
+            <a:lnSpc>
+              <a:spcPct val="90000"/>
+            </a:lnSpc>
+            <a:spcBef>
+              <a:spcPct val="0"/>
+            </a:spcBef>
+            <a:spcAft>
+              <a:spcPct val="35000"/>
+            </a:spcAft>
+          </a:pPr>
+          <a:endParaRPr lang="en-GB" sz="700" kern="1200"/>
+        </a:p>
+      </dsp:txBody>
+      <dsp:txXfrm>
+        <a:off x="7241216" y="5775679"/>
+        <a:ext cx="99805" cy="99805"/>
+      </dsp:txXfrm>
+    </dsp:sp>
+    <dsp:sp modelId="{CAA9D483-1CF2-5C46-A9F1-7BE58D3BF38F}">
+      <dsp:nvSpPr>
+        <dsp:cNvPr id="0" name=""/>
+        <dsp:cNvSpPr/>
+      </dsp:nvSpPr>
+      <dsp:spPr>
+        <a:xfrm>
+          <a:off x="7640593" y="6197935"/>
+          <a:ext cx="2354258" cy="2354258"/>
+        </a:xfrm>
+        <a:prstGeom prst="ellipse">
+          <a:avLst/>
+        </a:prstGeom>
+        <a:solidFill>
+          <a:srgbClr val="FF5020"/>
+        </a:solidFill>
+        <a:ln>
+          <a:noFill/>
+        </a:ln>
+        <a:effectLst>
+          <a:outerShdw blurRad="40000" dist="23000" dir="5400000" rotWithShape="0">
+            <a:srgbClr val="000000">
+              <a:alpha val="35000"/>
+            </a:srgbClr>
+          </a:outerShdw>
+        </a:effectLst>
+      </dsp:spPr>
+      <dsp:style>
+        <a:lnRef idx="0">
+          <a:scrgbClr r="0" g="0" b="0"/>
+        </a:lnRef>
+        <a:fillRef idx="3">
+          <a:scrgbClr r="0" g="0" b="0"/>
+        </a:fillRef>
+        <a:effectRef idx="2">
+          <a:scrgbClr r="0" g="0" b="0"/>
+        </a:effectRef>
+        <a:fontRef idx="minor">
+          <a:schemeClr val="lt1"/>
+        </a:fontRef>
+      </dsp:style>
+      <dsp:txBody>
+        <a:bodyPr spcFirstLastPara="0" vert="horz" wrap="square" lIns="22225" tIns="22225" rIns="22225" bIns="22225" numCol="1" spcCol="1270" anchor="ctr" anchorCtr="0">
+          <a:noAutofit/>
+        </a:bodyPr>
+        <a:lstStyle/>
+        <a:p>
+          <a:pPr lvl="0" algn="ctr" defTabSz="1555750">
+            <a:lnSpc>
+              <a:spcPct val="90000"/>
+            </a:lnSpc>
+            <a:spcBef>
+              <a:spcPct val="0"/>
+            </a:spcBef>
+            <a:spcAft>
+              <a:spcPct val="35000"/>
+            </a:spcAft>
+          </a:pPr>
+          <a:r>
+            <a:rPr lang="en-GB" sz="3500" kern="1200" dirty="0" smtClean="0">
+              <a:solidFill>
+                <a:srgbClr val="000000"/>
+              </a:solidFill>
+            </a:rPr>
+            <a:t>Testing:</a:t>
+          </a:r>
+        </a:p>
+        <a:p>
+          <a:pPr lvl="0" algn="ctr" defTabSz="1555750">
+            <a:lnSpc>
+              <a:spcPct val="90000"/>
+            </a:lnSpc>
+            <a:spcBef>
+              <a:spcPct val="0"/>
+            </a:spcBef>
+            <a:spcAft>
+              <a:spcPct val="35000"/>
+            </a:spcAft>
+          </a:pPr>
+          <a:r>
+            <a:rPr lang="en-GB" sz="3500" kern="1200" dirty="0" smtClean="0">
+              <a:solidFill>
+                <a:srgbClr val="000000"/>
+              </a:solidFill>
+            </a:rPr>
+            <a:t>HBMC</a:t>
+          </a:r>
+          <a:endParaRPr lang="en-GB" sz="3500" kern="1200" dirty="0">
+            <a:solidFill>
+              <a:srgbClr val="000000"/>
+            </a:solidFill>
+          </a:endParaRPr>
+        </a:p>
+      </dsp:txBody>
+      <dsp:txXfrm>
+        <a:off x="7985366" y="6542708"/>
+        <a:ext cx="1664712" cy="1664712"/>
+      </dsp:txXfrm>
+    </dsp:sp>
+    <dsp:sp modelId="{7C61498A-FF74-CC41-96C4-070D8764FF96}">
+      <dsp:nvSpPr>
+        <dsp:cNvPr id="0" name=""/>
+        <dsp:cNvSpPr/>
+      </dsp:nvSpPr>
+      <dsp:spPr>
+        <a:xfrm rot="8096078">
+          <a:off x="3206884" y="5807205"/>
+          <a:ext cx="2023354" cy="36756"/>
+        </a:xfrm>
+        <a:custGeom>
+          <a:avLst/>
+          <a:gdLst/>
+          <a:ahLst/>
+          <a:cxnLst/>
+          <a:rect l="0" t="0" r="0" b="0"/>
+          <a:pathLst>
+            <a:path>
+              <a:moveTo>
+                <a:pt x="0" y="18378"/>
+              </a:moveTo>
+              <a:lnTo>
+                <a:pt x="2023354" y="18378"/>
+              </a:lnTo>
+            </a:path>
+          </a:pathLst>
+        </a:custGeom>
+        <a:noFill/>
+        <a:ln w="9525" cap="flat" cmpd="sng" algn="ctr">
+          <a:solidFill>
+            <a:schemeClr val="accent1">
+              <a:shade val="60000"/>
+              <a:hueOff val="0"/>
+              <a:satOff val="0"/>
+              <a:lumOff val="0"/>
+              <a:alphaOff val="0"/>
+            </a:schemeClr>
+          </a:solidFill>
+          <a:prstDash val="solid"/>
+        </a:ln>
+        <a:effectLst/>
+      </dsp:spPr>
+      <dsp:style>
+        <a:lnRef idx="1">
+          <a:scrgbClr r="0" g="0" b="0"/>
+        </a:lnRef>
+        <a:fillRef idx="0">
+          <a:scrgbClr r="0" g="0" b="0"/>
+        </a:fillRef>
+        <a:effectRef idx="0">
+          <a:scrgbClr r="0" g="0" b="0"/>
+        </a:effectRef>
+        <a:fontRef idx="minor"/>
+      </dsp:style>
+      <dsp:txBody>
+        <a:bodyPr spcFirstLastPara="0" vert="horz" wrap="square" lIns="12700" tIns="0" rIns="12700" bIns="0" numCol="1" spcCol="1270" anchor="ctr" anchorCtr="0">
+          <a:noAutofit/>
+        </a:bodyPr>
+        <a:lstStyle/>
+        <a:p>
+          <a:pPr lvl="0" algn="ctr" defTabSz="311150">
+            <a:lnSpc>
+              <a:spcPct val="90000"/>
+            </a:lnSpc>
+            <a:spcBef>
+              <a:spcPct val="0"/>
+            </a:spcBef>
+            <a:spcAft>
+              <a:spcPct val="35000"/>
+            </a:spcAft>
+          </a:pPr>
+          <a:endParaRPr lang="en-GB" sz="700" kern="1200"/>
+        </a:p>
+      </dsp:txBody>
+      <dsp:txXfrm rot="10800000">
+        <a:off x="4167978" y="5774999"/>
+        <a:ext cx="101167" cy="101167"/>
+      </dsp:txXfrm>
+    </dsp:sp>
+    <dsp:sp modelId="{98BA5590-0B55-184C-B522-93B1AF70C12D}">
+      <dsp:nvSpPr>
+        <dsp:cNvPr id="0" name=""/>
+        <dsp:cNvSpPr/>
+      </dsp:nvSpPr>
+      <dsp:spPr>
+        <a:xfrm>
+          <a:off x="1495479" y="6197939"/>
+          <a:ext cx="2354258" cy="2354258"/>
+        </a:xfrm>
+        <a:prstGeom prst="ellipse">
+          <a:avLst/>
+        </a:prstGeom>
+        <a:solidFill>
+          <a:srgbClr val="4FBCA6"/>
+        </a:solidFill>
+        <a:ln>
+          <a:noFill/>
+        </a:ln>
+        <a:effectLst>
+          <a:outerShdw blurRad="40000" dist="23000" dir="5400000" rotWithShape="0">
+            <a:srgbClr val="000000">
+              <a:alpha val="35000"/>
+            </a:srgbClr>
+          </a:outerShdw>
+        </a:effectLst>
+      </dsp:spPr>
+      <dsp:style>
+        <a:lnRef idx="0">
+          <a:scrgbClr r="0" g="0" b="0"/>
+        </a:lnRef>
+        <a:fillRef idx="3">
+          <a:scrgbClr r="0" g="0" b="0"/>
+        </a:fillRef>
+        <a:effectRef idx="2">
+          <a:scrgbClr r="0" g="0" b="0"/>
+        </a:effectRef>
+        <a:fontRef idx="minor">
+          <a:schemeClr val="lt1"/>
+        </a:fontRef>
+      </dsp:style>
+      <dsp:txBody>
+        <a:bodyPr spcFirstLastPara="0" vert="horz" wrap="square" lIns="17780" tIns="17780" rIns="17780" bIns="17780" numCol="1" spcCol="1270" anchor="ctr" anchorCtr="0">
+          <a:noAutofit/>
+        </a:bodyPr>
+        <a:lstStyle/>
+        <a:p>
+          <a:pPr lvl="0" algn="ctr" defTabSz="1244600">
+            <a:lnSpc>
+              <a:spcPct val="90000"/>
+            </a:lnSpc>
+            <a:spcBef>
+              <a:spcPct val="0"/>
+            </a:spcBef>
+            <a:spcAft>
+              <a:spcPct val="35000"/>
+            </a:spcAft>
+          </a:pPr>
+          <a:r>
+            <a:rPr lang="en-GB" sz="2800" kern="1200" dirty="0" smtClean="0">
+              <a:solidFill>
+                <a:srgbClr val="000000"/>
+              </a:solidFill>
+            </a:rPr>
+            <a:t>Proving: Hipster</a:t>
+          </a:r>
+          <a:endParaRPr lang="en-GB" sz="2800" kern="1200" dirty="0">
+            <a:solidFill>
+              <a:srgbClr val="000000"/>
+            </a:solidFill>
+          </a:endParaRPr>
+        </a:p>
+      </dsp:txBody>
+      <dsp:txXfrm>
+        <a:off x="1840252" y="6542712"/>
+        <a:ext cx="1664712" cy="1664712"/>
+      </dsp:txXfrm>
+    </dsp:sp>
+  </dsp:spTree>
+</dsp:drawing>
+</file>
+
+<file path=ppt/diagrams/layout1.xml><?xml version="1.0" encoding="utf-8"?>
+<dgm:layoutDef xmlns:dgm="http://schemas.openxmlformats.org/drawingml/2006/diagram" xmlns:a="http://schemas.openxmlformats.org/drawingml/2006/main" uniqueId="urn:microsoft.com/office/officeart/2005/8/layout/radial5">
+  <dgm:title val=""/>
+  <dgm:desc val=""/>
+  <dgm:catLst>
+    <dgm:cat type="relationship" pri="23000"/>
+    <dgm:cat type="cycle" pri="11000"/>
+  </dgm:catLst>
+  <dgm:sampData>
+    <dgm:dataModel>
+      <dgm:ptLst>
+        <dgm:pt modelId="0" type="doc"/>
+        <dgm:pt modelId="1">
+          <dgm:prSet phldr="1"/>
+        </dgm:pt>
+        <dgm:pt modelId="11">
+          <dgm:prSet phldr="1"/>
+        </dgm:pt>
+        <dgm:pt modelId="12">
+          <dgm:prSet phldr="1"/>
+        </dgm:pt>
+        <dgm:pt modelId="13">
+          <dgm:prSet phldr="1"/>
+        </dgm:pt>
+        <dgm:pt modelId="14">
+          <dgm:prSet phldr="1"/>
+        </dgm:pt>
+      </dgm:ptLst>
+      <dgm:cxnLst>
+        <dgm:cxn modelId="2" srcId="0" destId="1" srcOrd="0" destOrd="0"/>
+        <dgm:cxn modelId="3" srcId="1" destId="11" srcOrd="0" destOrd="0"/>
+        <dgm:cxn modelId="4" srcId="1" destId="12" srcOrd="1" destOrd="0"/>
+        <dgm:cxn modelId="5" srcId="1" destId="13" srcOrd="2" destOrd="0"/>
+        <dgm:cxn modelId="6" srcId="1" destId="14" srcOrd="3" destOrd="0"/>
+      </dgm:cxnLst>
+      <dgm:bg/>
+      <dgm:whole/>
+    </dgm:dataModel>
+  </dgm:sampData>
+  <dgm:styleData>
+    <dgm:dataModel>
+      <dgm:ptLst>
+        <dgm:pt modelId="0" type="doc"/>
+        <dgm:pt modelId="1"/>
+        <dgm:pt modelId="11"/>
+        <dgm:pt modelId="12"/>
+        <dgm:pt modelId="13"/>
+      </dgm:ptLst>
+      <dgm:cxnLst>
+        <dgm:cxn modelId="2" srcId="0" destId="1" srcOrd="0" destOrd="0"/>
+        <dgm:cxn modelId="15" srcId="1" destId="11" srcOrd="0" destOrd="0"/>
+        <dgm:cxn modelId="16" srcId="1" destId="12" srcOrd="1" destOrd="0"/>
+        <dgm:cxn modelId="17" srcId="1" destId="13" srcOrd="2" destOrd="0"/>
+      </dgm:cxnLst>
+      <dgm:bg/>
+      <dgm:whole/>
+    </dgm:dataModel>
+  </dgm:styleData>
+  <dgm:clrData>
+    <dgm:dataModel>
+      <dgm:ptLst>
+        <dgm:pt modelId="0" type="doc"/>
+        <dgm:pt modelId="1"/>
+        <dgm:pt modelId="11"/>
+        <dgm:pt modelId="12"/>
+        <dgm:pt modelId="13"/>
+        <dgm:pt modelId="14"/>
+        <dgm:pt modelId="15"/>
+        <dgm:pt modelId="16"/>
+      </dgm:ptLst>
+      <dgm:cxnLst>
+        <dgm:cxn modelId="2" srcId="0" destId="1" srcOrd="0" destOrd="0"/>
+        <dgm:cxn modelId="16" srcId="1" destId="11" srcOrd="0" destOrd="0"/>
+        <dgm:cxn modelId="17" srcId="1" destId="12" srcOrd="1" destOrd="0"/>
+        <dgm:cxn modelId="18" srcId="1" destId="13" srcOrd="2" destOrd="0"/>
+        <dgm:cxn modelId="19" srcId="1" destId="14" srcOrd="3" destOrd="0"/>
+        <dgm:cxn modelId="20" srcId="1" destId="15" srcOrd="4" destOrd="0"/>
+        <dgm:cxn modelId="21" srcId="1" destId="16" srcOrd="5" destOrd="0"/>
+      </dgm:cxnLst>
+      <dgm:bg/>
+      <dgm:whole/>
+    </dgm:dataModel>
+  </dgm:clrData>
+  <dgm:layoutNode name="Name0">
+    <dgm:varLst>
+      <dgm:chMax val="1"/>
+      <dgm:dir/>
+      <dgm:animLvl val="ctr"/>
+      <dgm:resizeHandles val="exact"/>
+    </dgm:varLst>
+    <dgm:choose name="Name1">
+      <dgm:if name="Name2" func="var" arg="dir" op="equ" val="norm">
+        <dgm:alg type="cycle">
+          <dgm:param type="stAng" val="0"/>
+          <dgm:param type="spanAng" val="360"/>
+          <dgm:param type="ctrShpMap" val="fNode"/>
+        </dgm:alg>
+      </dgm:if>
+      <dgm:else name="Name3">
+        <dgm:alg type="cycle">
+          <dgm:param type="stAng" val="0"/>
+          <dgm:param type="spanAng" val="-360"/>
+          <dgm:param type="ctrShpMap" val="fNode"/>
+        </dgm:alg>
+      </dgm:else>
+    </dgm:choose>
+    <dgm:shape xmlns:r="http://schemas.openxmlformats.org/officeDocument/2006/relationships" r:blip="">
+      <dgm:adjLst/>
+    </dgm:shape>
+    <dgm:presOf/>
+    <dgm:constrLst>
+      <dgm:constr type="w" for="ch" forName="centerShape" refType="w"/>
+      <dgm:constr type="w" for="ch" forName="parTrans" refType="w" refFor="ch" refForName="centerShape" fact="0.4"/>
+      <dgm:constr type="w" for="ch" forName="node" refType="w" refFor="ch" refForName="centerShape" op="equ" fact="1.25"/>
+      <dgm:constr type="sp" refType="w" refFor="ch" refForName="centerShape" op="equ" fact="0.4"/>
+      <dgm:constr type="sibSp" refType="w" refFor="ch" refForName="node" fact="0.3"/>
+      <dgm:constr type="primFontSz" for="ch" forName="centerShape" val="65"/>
+      <dgm:constr type="primFontSz" for="des" forName="node" op="equ" val="65"/>
+      <dgm:constr type="primFontSz" for="des" forName="node" refType="primFontSz" refFor="ch" refForName="centerShape" op="lte"/>
+      <dgm:constr type="primFontSz" for="des" forName="connectorText" op="equ" val="55"/>
+      <dgm:constr type="primFontSz" for="des" forName="connectorText" refType="primFontSz" refFor="ch" refForName="centerShape" op="lte" fact="0.8"/>
+      <dgm:constr type="primFontSz" for="des" forName="connectorText" refType="primFontSz" refFor="des" refForName="node" op="lte"/>
+    </dgm:constrLst>
+    <dgm:choose name="Name4">
+      <dgm:if name="Name5" axis="ch ch" ptType="node node" st="1 1" cnt="1 0" func="cnt" op="lte" val="6">
+        <dgm:ruleLst>
+          <dgm:rule type="w" for="ch" forName="node" val="NaN" fact="1" max="NaN"/>
+        </dgm:ruleLst>
+      </dgm:if>
+      <dgm:if name="Name6" axis="ch ch" ptType="node node" st="1 1" cnt="1 0" func="cnt" op="lte" val="8">
+        <dgm:ruleLst>
+          <dgm:rule type="w" for="ch" forName="node" val="NaN" fact="0.9" max="NaN"/>
+        </dgm:ruleLst>
+      </dgm:if>
+      <dgm:if name="Name7" axis="ch ch" ptType="node node" st="1 1" cnt="1 0" func="cnt" op="lte" val="10">
+        <dgm:ruleLst>
+          <dgm:rule type="w" for="ch" forName="node" val="NaN" fact="0.8" max="NaN"/>
+        </dgm:ruleLst>
+      </dgm:if>
+      <dgm:if name="Name8" axis="ch ch" ptType="node node" st="1 1" cnt="1 0" func="cnt" op="lte" val="12">
+        <dgm:ruleLst>
+          <dgm:rule type="w" for="ch" forName="node" val="NaN" fact="0.7" max="NaN"/>
+        </dgm:ruleLst>
+      </dgm:if>
+      <dgm:if name="Name9" axis="ch ch" ptType="node node" st="1 1" cnt="1 0" func="cnt" op="lte" val="14">
+        <dgm:ruleLst>
+          <dgm:rule type="w" for="ch" forName="node" val="NaN" fact="0.6" max="NaN"/>
+        </dgm:ruleLst>
+      </dgm:if>
+      <dgm:else name="Name10">
+        <dgm:ruleLst>
+          <dgm:rule type="w" for="ch" forName="node" val="NaN" fact="0.5" max="NaN"/>
+        </dgm:ruleLst>
+      </dgm:else>
+    </dgm:choose>
+    <dgm:forEach name="Name11" axis="ch" ptType="node" cnt="1">
+      <dgm:layoutNode name="centerShape" styleLbl="node0">
+        <dgm:alg type="tx"/>
+        <dgm:shape xmlns:r="http://schemas.openxmlformats.org/officeDocument/2006/relationships" type="ellipse" r:blip="">
+          <dgm:adjLst/>
+        </dgm:shape>
+        <dgm:presOf axis="self"/>
+        <dgm:constrLst>
+          <dgm:constr type="h" refType="w"/>
+          <dgm:constr type="tMarg" refType="primFontSz" fact="0.1"/>
+          <dgm:constr type="bMarg" refType="primFontSz" fact="0.1"/>
+          <dgm:constr type="lMarg" refType="primFontSz" fact="0.1"/>
+          <dgm:constr type="rMarg" refType="primFontSz" fact="0.1"/>
+        </dgm:constrLst>
+        <dgm:ruleLst>
+          <dgm:rule type="primFontSz" val="5" fact="NaN" max="NaN"/>
+        </dgm:ruleLst>
+      </dgm:layoutNode>
+      <dgm:forEach name="Name12" axis="ch">
+        <dgm:forEach name="Name13" axis="self" ptType="parTrans">
+          <dgm:layoutNode name="parTrans" styleLbl="sibTrans2D1">
+            <dgm:alg type="conn">
+              <dgm:param type="begPts" val="auto"/>
+              <dgm:param type="endPts" val="auto"/>
+            </dgm:alg>
+            <dgm:shape xmlns:r="http://schemas.openxmlformats.org/officeDocument/2006/relationships" type="conn" r:blip="">
+              <dgm:adjLst/>
+            </dgm:shape>
+            <dgm:presOf axis="self"/>
+            <dgm:constrLst>
+              <dgm:constr type="h" refType="w" fact="0.85"/>
+            </dgm:constrLst>
+            <dgm:ruleLst/>
+            <dgm:layoutNode name="connectorText">
+              <dgm:alg type="tx">
+                <dgm:param type="autoTxRot" val="grav"/>
+              </dgm:alg>
+              <dgm:shape xmlns:r="http://schemas.openxmlformats.org/officeDocument/2006/relationships" type="conn" r:blip="" hideGeom="1">
+                <dgm:adjLst/>
+              </dgm:shape>
+              <dgm:presOf axis="self"/>
+              <dgm:constrLst>
+                <dgm:constr type="lMarg"/>
+                <dgm:constr type="rMarg"/>
+                <dgm:constr type="tMarg"/>
+                <dgm:constr type="bMarg"/>
+              </dgm:constrLst>
+              <dgm:ruleLst>
+                <dgm:rule type="primFontSz" val="5" fact="NaN" max="NaN"/>
+              </dgm:ruleLst>
+            </dgm:layoutNode>
+          </dgm:layoutNode>
+        </dgm:forEach>
+        <dgm:forEach name="Name14" axis="self" ptType="node">
+          <dgm:layoutNode name="node" styleLbl="node1">
+            <dgm:varLst>
+              <dgm:bulletEnabled val="1"/>
+            </dgm:varLst>
+            <dgm:alg type="tx">
+              <dgm:param type="txAnchorVertCh" val="mid"/>
+            </dgm:alg>
+            <dgm:shape xmlns:r="http://schemas.openxmlformats.org/officeDocument/2006/relationships" type="ellipse" r:blip="">
+              <dgm:adjLst/>
+            </dgm:shape>
+            <dgm:presOf axis="desOrSelf" ptType="node"/>
+            <dgm:constrLst>
+              <dgm:constr type="h" refType="w"/>
+              <dgm:constr type="tMarg" refType="primFontSz" fact="0.1"/>
+              <dgm:constr type="bMarg" refType="primFontSz" fact="0.1"/>
+              <dgm:constr type="lMarg" refType="primFontSz" fact="0.1"/>
+              <dgm:constr type="rMarg" refType="primFontSz" fact="0.1"/>
+            </dgm:constrLst>
+            <dgm:ruleLst>
+              <dgm:rule type="w" val="INF" fact="NaN" max="NaN"/>
+              <dgm:rule type="primFontSz" val="5" fact="NaN" max="NaN"/>
+            </dgm:ruleLst>
+          </dgm:layoutNode>
+        </dgm:forEach>
+      </dgm:forEach>
+    </dgm:forEach>
+  </dgm:layoutNode>
+</dgm:layoutDef>
+</file>
+
+<file path=ppt/diagrams/layout2.xml><?xml version="1.0" encoding="utf-8"?>
+<dgm:layoutDef xmlns:dgm="http://schemas.openxmlformats.org/drawingml/2006/diagram" xmlns:a="http://schemas.openxmlformats.org/drawingml/2006/main" uniqueId="urn:microsoft.com/office/officeart/2005/8/layout/radial1">
+  <dgm:title val=""/>
+  <dgm:desc val=""/>
+  <dgm:catLst>
+    <dgm:cat type="relationship" pri="22000"/>
+    <dgm:cat type="cycle" pri="10000"/>
+  </dgm:catLst>
+  <dgm:sampData>
+    <dgm:dataModel>
+      <dgm:ptLst>
+        <dgm:pt modelId="0" type="doc"/>
+        <dgm:pt modelId="1">
+          <dgm:prSet phldr="1"/>
+        </dgm:pt>
+        <dgm:pt modelId="11">
+          <dgm:prSet phldr="1"/>
+        </dgm:pt>
+        <dgm:pt modelId="12">
+          <dgm:prSet phldr="1"/>
+        </dgm:pt>
+        <dgm:pt modelId="13">
+          <dgm:prSet phldr="1"/>
+        </dgm:pt>
+        <dgm:pt modelId="14">
+          <dgm:prSet phldr="1"/>
+        </dgm:pt>
+      </dgm:ptLst>
+      <dgm:cxnLst>
+        <dgm:cxn modelId="2" srcId="0" destId="1" srcOrd="0" destOrd="0"/>
+        <dgm:cxn modelId="3" srcId="1" destId="11" srcOrd="0" destOrd="0"/>
+        <dgm:cxn modelId="4" srcId="1" destId="12" srcOrd="1" destOrd="0"/>
+        <dgm:cxn modelId="5" srcId="1" destId="13" srcOrd="2" destOrd="0"/>
+        <dgm:cxn modelId="6" srcId="1" destId="14" srcOrd="3" destOrd="0"/>
+      </dgm:cxnLst>
+      <dgm:bg/>
+      <dgm:whole/>
+    </dgm:dataModel>
+  </dgm:sampData>
+  <dgm:styleData>
+    <dgm:dataModel>
+      <dgm:ptLst>
+        <dgm:pt modelId="0" type="doc"/>
+        <dgm:pt modelId="1"/>
+        <dgm:pt modelId="11"/>
+        <dgm:pt modelId="12"/>
+        <dgm:pt modelId="13"/>
+      </dgm:ptLst>
+      <dgm:cxnLst>
+        <dgm:cxn modelId="2" srcId="0" destId="1" srcOrd="0" destOrd="0"/>
+        <dgm:cxn modelId="15" srcId="1" destId="11" srcOrd="0" destOrd="0"/>
+        <dgm:cxn modelId="16" srcId="1" destId="12" srcOrd="1" destOrd="0"/>
+        <dgm:cxn modelId="17" srcId="1" destId="13" srcOrd="2" destOrd="0"/>
+      </dgm:cxnLst>
+      <dgm:bg/>
+      <dgm:whole/>
+    </dgm:dataModel>
+  </dgm:styleData>
+  <dgm:clrData>
+    <dgm:dataModel>
+      <dgm:ptLst>
+        <dgm:pt modelId="0" type="doc"/>
+        <dgm:pt modelId="1"/>
+        <dgm:pt modelId="11"/>
+        <dgm:pt modelId="12"/>
+        <dgm:pt modelId="13"/>
+        <dgm:pt modelId="14"/>
+        <dgm:pt modelId="15"/>
+        <dgm:pt modelId="16"/>
+      </dgm:ptLst>
+      <dgm:cxnLst>
+        <dgm:cxn modelId="2" srcId="0" destId="1" srcOrd="0" destOrd="0"/>
+        <dgm:cxn modelId="16" srcId="1" destId="11" srcOrd="0" destOrd="0"/>
+        <dgm:cxn modelId="17" srcId="1" destId="12" srcOrd="1" destOrd="0"/>
+        <dgm:cxn modelId="18" srcId="1" destId="13" srcOrd="2" destOrd="0"/>
+        <dgm:cxn modelId="19" srcId="1" destId="14" srcOrd="3" destOrd="0"/>
+        <dgm:cxn modelId="20" srcId="1" destId="15" srcOrd="4" destOrd="0"/>
+        <dgm:cxn modelId="21" srcId="1" destId="16" srcOrd="5" destOrd="0"/>
+      </dgm:cxnLst>
+      <dgm:bg/>
+      <dgm:whole/>
+    </dgm:dataModel>
+  </dgm:clrData>
+  <dgm:layoutNode name="cycle">
+    <dgm:varLst>
+      <dgm:chMax val="1"/>
+      <dgm:dir/>
+      <dgm:animLvl val="ctr"/>
+      <dgm:resizeHandles val="exact"/>
+    </dgm:varLst>
+    <dgm:choose name="Name0">
+      <dgm:if name="Name1" func="var" arg="dir" op="equ" val="norm">
+        <dgm:choose name="Name2">
+          <dgm:if name="Name3" axis="ch ch" ptType="node node" st="1 1" cnt="1 0" func="cnt" op="lte" val="1">
+            <dgm:alg type="cycle">
+              <dgm:param type="stAng" val="90"/>
+              <dgm:param type="spanAng" val="360"/>
+              <dgm:param type="ctrShpMap" val="fNode"/>
+            </dgm:alg>
+          </dgm:if>
+          <dgm:else name="Name4">
+            <dgm:alg type="cycle">
+              <dgm:param type="stAng" val="0"/>
+              <dgm:param type="spanAng" val="360"/>
+              <dgm:param type="ctrShpMap" val="fNode"/>
+            </dgm:alg>
+          </dgm:else>
+        </dgm:choose>
+      </dgm:if>
+      <dgm:else name="Name5">
+        <dgm:alg type="cycle">
+          <dgm:param type="stAng" val="0"/>
+          <dgm:param type="spanAng" val="-360"/>
+          <dgm:param type="ctrShpMap" val="fNode"/>
+        </dgm:alg>
+      </dgm:else>
+    </dgm:choose>
+    <dgm:shape xmlns:r="http://schemas.openxmlformats.org/officeDocument/2006/relationships" r:blip="">
+      <dgm:adjLst/>
+    </dgm:shape>
+    <dgm:presOf/>
+    <dgm:constrLst>
+      <dgm:constr type="w" for="ch" forName="centerShape" refType="w"/>
+      <dgm:constr type="w" for="ch" forName="node" refType="w" refFor="ch" refForName="centerShape" op="equ"/>
+      <dgm:constr type="sp" refType="w" refFor="ch" refForName="node" fact="0.3"/>
+      <dgm:constr type="sibSp" refType="w" refFor="ch" refForName="node" fact="0.3"/>
+      <dgm:constr type="primFontSz" for="ch" forName="centerShape" val="65"/>
+      <dgm:constr type="primFontSz" for="des" forName="node" op="equ" val="65"/>
+      <dgm:constr type="primFontSz" for="des" forName="connTx" val="55"/>
+      <dgm:constr type="primFontSz" for="des" forName="connTx" refType="primFontSz" refFor="ch" refForName="centerShape" op="lte" fact="0.8"/>
+    </dgm:constrLst>
+    <dgm:ruleLst/>
+    <dgm:forEach name="Name6" axis="ch" ptType="node" cnt="1">
+      <dgm:layoutNode name="centerShape" styleLbl="node0">
+        <dgm:alg type="tx"/>
+        <dgm:shape xmlns:r="http://schemas.openxmlformats.org/officeDocument/2006/relationships" type="ellipse" r:blip="">
+          <dgm:adjLst/>
+        </dgm:shape>
+        <dgm:presOf axis="self"/>
+        <dgm:constrLst>
+          <dgm:constr type="h" refType="w"/>
+          <dgm:constr type="tMarg" refType="primFontSz" fact="0.05"/>
+          <dgm:constr type="bMarg" refType="primFontSz" fact="0.05"/>
+          <dgm:constr type="lMarg" refType="primFontSz" fact="0.05"/>
+          <dgm:constr type="rMarg" refType="primFontSz" fact="0.05"/>
+        </dgm:constrLst>
+        <dgm:ruleLst>
+          <dgm:rule type="primFontSz" val="5" fact="NaN" max="NaN"/>
+        </dgm:ruleLst>
+      </dgm:layoutNode>
+      <dgm:forEach name="Name7" axis="ch">
+        <dgm:forEach name="Name8" axis="self" ptType="parTrans">
+          <dgm:layoutNode name="Name9">
+            <dgm:alg type="conn">
+              <dgm:param type="dim" val="1D"/>
+              <dgm:param type="begPts" val="auto"/>
+              <dgm:param type="endPts" val="auto"/>
+              <dgm:param type="begSty" val="noArr"/>
+              <dgm:param type="endSty" val="noArr"/>
+            </dgm:alg>
+            <dgm:shape xmlns:r="http://schemas.openxmlformats.org/officeDocument/2006/relationships" type="conn" r:blip="">
+              <dgm:adjLst/>
+            </dgm:shape>
+            <dgm:presOf axis="self"/>
+            <dgm:constrLst>
+              <dgm:constr type="connDist"/>
+              <dgm:constr type="userA" for="ch" refType="connDist"/>
+              <dgm:constr type="w" val="1"/>
+              <dgm:constr type="h" val="5"/>
+              <dgm:constr type="begPad"/>
+              <dgm:constr type="endPad"/>
+            </dgm:constrLst>
+            <dgm:ruleLst/>
+            <dgm:layoutNode name="connTx">
+              <dgm:alg type="tx">
+                <dgm:param type="autoTxRot" val="grav"/>
+              </dgm:alg>
+              <dgm:shape xmlns:r="http://schemas.openxmlformats.org/officeDocument/2006/relationships" type="rect" r:blip="" hideGeom="1">
+                <dgm:adjLst/>
+              </dgm:shape>
+              <dgm:presOf axis="self"/>
+              <dgm:constrLst>
+                <dgm:constr type="userA"/>
+                <dgm:constr type="w" refType="userA" fact="0.05"/>
+                <dgm:constr type="h" refType="userA" fact="0.05"/>
+                <dgm:constr type="lMarg" val="1"/>
+                <dgm:constr type="rMarg" val="1"/>
+                <dgm:constr type="tMarg"/>
+                <dgm:constr type="bMarg"/>
+              </dgm:constrLst>
+              <dgm:ruleLst>
+                <dgm:rule type="w" val="NaN" fact="0.8" max="NaN"/>
+                <dgm:rule type="h" val="NaN" fact="1" max="NaN"/>
+                <dgm:rule type="primFontSz" val="5" fact="NaN" max="NaN"/>
+              </dgm:ruleLst>
+            </dgm:layoutNode>
+          </dgm:layoutNode>
+        </dgm:forEach>
+        <dgm:forEach name="Name10" axis="self" ptType="node">
+          <dgm:layoutNode name="node" styleLbl="node1">
+            <dgm:varLst>
+              <dgm:bulletEnabled val="1"/>
+            </dgm:varLst>
+            <dgm:alg type="tx">
+              <dgm:param type="txAnchorVertCh" val="mid"/>
+            </dgm:alg>
+            <dgm:shape xmlns:r="http://schemas.openxmlformats.org/officeDocument/2006/relationships" type="ellipse" r:blip="">
+              <dgm:adjLst/>
+            </dgm:shape>
+            <dgm:presOf axis="desOrSelf" ptType="node"/>
+            <dgm:constrLst>
+              <dgm:constr type="h" refType="w"/>
+              <dgm:constr type="tMarg" refType="primFontSz" fact="0.05"/>
+              <dgm:constr type="bMarg" refType="primFontSz" fact="0.05"/>
+              <dgm:constr type="lMarg" refType="primFontSz" fact="0.05"/>
+              <dgm:constr type="rMarg" refType="primFontSz" fact="0.05"/>
+            </dgm:constrLst>
+            <dgm:ruleLst>
+              <dgm:rule type="primFontSz" val="5" fact="NaN" max="NaN"/>
+            </dgm:ruleLst>
+          </dgm:layoutNode>
+        </dgm:forEach>
+      </dgm:forEach>
+    </dgm:forEach>
+  </dgm:layoutNode>
+</dgm:layoutDef>
+</file>
+
+<file path=ppt/diagrams/quickStyle1.xml><?xml version="1.0" encoding="utf-8"?>
+<dgm:styleDef xmlns:dgm="http://schemas.openxmlformats.org/drawingml/2006/diagram" xmlns:a="http://schemas.openxmlformats.org/drawingml/2006/main" uniqueId="urn:microsoft.com/office/officeart/2005/8/quickstyle/simple4">
+  <dgm:title val=""/>
+  <dgm:desc val=""/>
+  <dgm:catLst>
+    <dgm:cat type="simple" pri="10400"/>
+  </dgm:catLst>
+  <dgm:scene3d>
+    <a:camera prst="orthographicFront"/>
+    <a:lightRig rig="threePt" dir="t"/>
+  </dgm:scene3d>
+  <dgm:styleLbl name="node0">
+    <dgm:scene3d>
+      <a:camera prst="orthographicFront"/>
+      <a:lightRig rig="threePt" dir="t"/>
+    </dgm:scene3d>
+    <dgm:sp3d/>
+    <dgm:txPr/>
+    <dgm:style>
+      <a:lnRef idx="0">
+        <a:scrgbClr r="0" g="0" b="0"/>
+      </a:lnRef>
+      <a:fillRef idx="3">
+        <a:scrgbClr r="0" g="0" b="0"/>
+      </a:fillRef>
+      <a:effectRef idx="2">
+        <a:scrgbClr r="0" g="0" b="0"/>
+      </a:effectRef>
+      <a:fontRef idx="minor">
+        <a:schemeClr val="lt1"/>
+      </a:fontRef>
+    </dgm:style>
+  </dgm:styleLbl>
+  <dgm:styleLbl name="lnNode1">
+    <dgm:scene3d>
+      <a:camera prst="orthographicFront"/>
+      <a:lightRig rig="threePt" dir="t"/>
+    </dgm:scene3d>
+    <dgm:sp3d/>
+    <dgm:txPr/>
+    <dgm:style>
+      <a:lnRef idx="1">
+        <a:scrgbClr r="0" g="0" b="0"/>
+      </a:lnRef>
+      <a:fillRef idx="3">
+        <a:scrgbClr r="0" g="0" b="0"/>
+      </a:fillRef>
+      <a:effectRef idx="2">
+        <a:scrgbClr r="0" g="0" b="0"/>
+      </a:effectRef>
+      <a:fontRef idx="minor">
+        <a:schemeClr val="lt1"/>
+      </a:fontRef>
+    </dgm:style>
+  </dgm:styleLbl>
+  <dgm:styleLbl name="vennNode1">
+    <dgm:scene3d>
+      <a:camera prst="orthographicFront"/>
+      <a:lightRig rig="threePt" dir="t"/>
+    </dgm:scene3d>
+    <dgm:sp3d/>
+    <dgm:txPr/>
+    <dgm:style>
+      <a:lnRef idx="0">
+        <a:scrgbClr r="0" g="0" b="0"/>
+      </a:lnRef>
+      <a:fillRef idx="3">
+        <a:scrgbClr r="0" g="0" b="0"/>
+      </a:fillRef>
+      <a:effectRef idx="0">
+        <a:scrgbClr r="0" g="0" b="0"/>
+      </a:effectRef>
+      <a:fontRef idx="minor">
+        <a:schemeClr val="tx1"/>
+      </a:fontRef>
+    </dgm:style>
+  </dgm:styleLbl>
+  <dgm:styleLbl name="alignNode1">
+    <dgm:scene3d>
+      <a:camera prst="orthographicFront"/>
+      <a:lightRig rig="threePt" dir="t"/>
+    </dgm:scene3d>
+    <dgm:sp3d/>
+    <dgm:txPr/>
+    <dgm:style>
+      <a:lnRef idx="1">
+        <a:scrgbClr r="0" g="0" b="0"/>
+      </a:lnRef>
+      <a:fillRef idx="3">
+        <a:scrgbClr r="0" g="0" b="0"/>
+      </a:fillRef>
+      <a:effectRef idx="2">
+        <a:scrgbClr r="0" g="0" b="0"/>
+      </a:effectRef>
+      <a:fontRef idx="minor">
+        <a:schemeClr val="lt1"/>
+      </a:fontRef>
+    </dgm:style>
+  </dgm:styleLbl>
+  <dgm:styleLbl name="node1">
+    <dgm:scene3d>
+      <a:camera prst="orthographicFront"/>
+      <a:lightRig rig="threePt" dir="t"/>
+    </dgm:scene3d>
+    <dgm:sp3d/>
+    <dgm:txPr/>
+    <dgm:style>
+      <a:lnRef idx="0">
+        <a:scrgbClr r="0" g="0" b="0"/>
+      </a:lnRef>
+      <a:fillRef idx="3">
+        <a:scrgbClr r="0" g="0" b="0"/>
+      </a:fillRef>
+      <a:effectRef idx="2">
+        <a:scrgbClr r="0" g="0" b="0"/>
+      </a:effectRef>
+      <a:fontRef idx="minor">
+        <a:schemeClr val="lt1"/>
+      </a:fontRef>
+    </dgm:style>
+  </dgm:styleLbl>
+  <dgm:styleLbl name="node2">
+    <dgm:scene3d>
+      <a:camera prst="orthographicFront"/>
+      <a:lightRig rig="threePt" dir="t"/>
+    </dgm:scene3d>
+    <dgm:sp3d/>
+    <dgm:txPr/>
+    <dgm:style>
+      <a:lnRef idx="0">
+        <a:scrgbClr r="0" g="0" b="0"/>
+      </a:lnRef>
+      <a:fillRef idx="3">
+        <a:scrgbClr r="0" g="0" b="0"/>
+      </a:fillRef>
+      <a:effectRef idx="2">
+        <a:scrgbClr r="0" g="0" b="0"/>
+      </a:effectRef>
+      <a:fontRef idx="minor">
+        <a:schemeClr val="lt1"/>
+      </a:fontRef>
+    </dgm:style>
+  </dgm:styleLbl>
+  <dgm:styleLbl name="node3">
+    <dgm:scene3d>
+      <a:camera prst="orthographicFront"/>
+      <a:lightRig rig="threePt" dir="t"/>
+    </dgm:scene3d>
+    <dgm:sp3d/>
+    <dgm:txPr/>
+    <dgm:style>
+      <a:lnRef idx="0">
+        <a:scrgbClr r="0" g="0" b="0"/>
+      </a:lnRef>
+      <a:fillRef idx="3">
+        <a:scrgbClr r="0" g="0" b="0"/>
+      </a:fillRef>
+      <a:effectRef idx="2">
+        <a:scrgbClr r="0" g="0" b="0"/>
+      </a:effectRef>
+      <a:fontRef idx="minor">
+        <a:schemeClr val="lt1"/>
+      </a:fontRef>
+    </dgm:style>
+  </dgm:styleLbl>
+  <dgm:styleLbl name="node4">
+    <dgm:scene3d>
+      <a:camera prst="orthographicFront"/>
+      <a:lightRig rig="threePt" dir="t"/>
+    </dgm:scene3d>
+    <dgm:sp3d/>
+    <dgm:txPr/>
+    <dgm:style>
+      <a:lnRef idx="0">
+        <a:scrgbClr r="0" g="0" b="0"/>
+      </a:lnRef>
+      <a:fillRef idx="3">
+        <a:scrgbClr r="0" g="0" b="0"/>
+      </a:fillRef>
+      <a:effectRef idx="2">
+        <a:scrgbClr r="0" g="0" b="0"/>
+      </a:effectRef>
+      <a:fontRef idx="minor">
+        <a:schemeClr val="lt1"/>
+      </a:fontRef>
+    </dgm:style>
+  </dgm:styleLbl>
+  <dgm:styleLbl name="fgImgPlace1">
+    <dgm:scene3d>
+      <a:camera prst="orthographicFront"/>
+      <a:lightRig rig="threePt" dir="t"/>
+    </dgm:scene3d>
+    <dgm:sp3d/>
+    <dgm:txPr/>
+    <dgm:style>
+      <a:lnRef idx="0">
+        <a:scrgbClr r="0" g="0" b="0"/>
+      </a:lnRef>
+      <a:fillRef idx="1">
+        <a:scrgbClr r="0" g="0" b="0"/>
+      </a:fillRef>
+      <a:effectRef idx="2">
+        <a:scrgbClr r="0" g="0" b="0"/>
+      </a:effectRef>
+      <a:fontRef idx="minor"/>
+    </dgm:style>
+  </dgm:styleLbl>
+  <dgm:styleLbl name="alignImgPlace1">
+    <dgm:scene3d>
+      <a:camera prst="orthographicFront"/>
+      <a:lightRig rig="threePt" dir="t"/>
+    </dgm:scene3d>
+    <dgm:sp3d/>
+    <dgm:txPr/>
+    <dgm:style>
+      <a:lnRef idx="0">
+        <a:scrgbClr r="0" g="0" b="0"/>
+      </a:lnRef>
+      <a:fillRef idx="1">
+        <a:scrgbClr r="0" g="0" b="0"/>
+      </a:fillRef>
+      <a:effectRef idx="2">
+        <a:scrgbClr r="0" g="0" b="0"/>
+      </a:effectRef>
+      <a:fontRef idx="minor"/>
+    </dgm:style>
+  </dgm:styleLbl>
+  <dgm:styleLbl name="bgImgPlace1">
+    <dgm:scene3d>
+      <a:camera prst="orthographicFront"/>
+      <a:lightRig rig="threePt" dir="t"/>
+    </dgm:scene3d>
+    <dgm:sp3d/>
+    <dgm:txPr/>
+    <dgm:style>
+      <a:lnRef idx="0">
+        <a:scrgbClr r="0" g="0" b="0"/>
+      </a:lnRef>
+      <a:fillRef idx="1">
+        <a:scrgbClr r="0" g="0" b="0"/>
+      </a:fillRef>
+      <a:effectRef idx="2">
+        <a:scrgbClr r="0" g="0" b="0"/>
+      </a:effectRef>
+      <a:fontRef idx="minor"/>
+    </dgm:style>
+  </dgm:styleLbl>
+  <dgm:styleLbl name="sibTrans2D1">
+    <dgm:scene3d>
+      <a:camera prst="orthographicFront"/>
+      <a:lightRig rig="threePt" dir="t"/>
+    </dgm:scene3d>
+    <dgm:sp3d/>
+    <dgm:txPr/>
+    <dgm:style>
+      <a:lnRef idx="0">
+        <a:scrgbClr r="0" g="0" b="0"/>
+      </a:lnRef>
+      <a:fillRef idx="3">
+        <a:scrgbClr r="0" g="0" b="0"/>
+      </a:fillRef>
+      <a:effectRef idx="2">
+        <a:scrgbClr r="0" g="0" b="0"/>
+      </a:effectRef>
+      <a:fontRef idx="minor">
+        <a:schemeClr val="lt1"/>
+      </a:fontRef>
+    </dgm:style>
+  </dgm:styleLbl>
+  <dgm:styleLbl name="fgSibTrans2D1">
+    <dgm:scene3d>
+      <a:camera prst="orthographicFront"/>
+      <a:lightRig rig="threePt" dir="t"/>
+    </dgm:scene3d>
+    <dgm:sp3d/>
+    <dgm:txPr/>
+    <dgm:style>
+      <a:lnRef idx="0">
+        <a:scrgbClr r="0" g="0" b="0"/>
+      </a:lnRef>
+      <a:fillRef idx="3">
+        <a:scrgbClr r="0" g="0" b="0"/>
+      </a:fillRef>
+      <a:effectRef idx="2">
+        <a:scrgbClr r="0" g="0" b="0"/>
+      </a:effectRef>
+      <a:fontRef idx="minor">
+        <a:schemeClr val="lt1"/>
+      </a:fontRef>
+    </dgm:style>
+  </dgm:styleLbl>
+  <dgm:styleLbl name="bgSibTrans2D1">
+    <dgm:scene3d>
+      <a:camera prst="orthographicFront"/>
+      <a:lightRig rig="threePt" dir="t"/>
+    </dgm:scene3d>
+    <dgm:sp3d/>
+    <dgm:txPr/>
+    <dgm:style>
+      <a:lnRef idx="0">
+        <a:scrgbClr r="0" g="0" b="0"/>
+      </a:lnRef>
+      <a:fillRef idx="3">
+        <a:scrgbClr r="0" g="0" b="0"/>
+      </a:fillRef>
+      <a:effectRef idx="2">
+        <a:scrgbClr r="0" g="0" b="0"/>
+      </a:effectRef>
+      <a:fontRef idx="minor">
+        <a:schemeClr val="lt1"/>
+      </a:fontRef>
+    </dgm:style>
+  </dgm:styleLbl>
+  <dgm:styleLbl name="sibTrans1D1">
+    <dgm:scene3d>
+      <a:camera prst="orthographicFront"/>
+      <a:lightRig rig="threePt" dir="t"/>
+    </dgm:scene3d>
+    <dgm:sp3d/>
+    <dgm:txPr/>
+    <dgm:style>
+      <a:lnRef idx="1">
+        <a:scrgbClr r="0" g="0" b="0"/>
+      </a:lnRef>
+      <a:fillRef idx="0">
+        <a:scrgbClr r="0" g="0" b="0"/>
+      </a:fillRef>
+      <a:effectRef idx="0">
+        <a:scrgbClr r="0" g="0" b="0"/>
+      </a:effectRef>
+      <a:fontRef idx="minor"/>
+    </dgm:style>
+  </dgm:styleLbl>
+  <dgm:styleLbl name="callout">
+    <dgm:scene3d>
+      <a:camera prst="orthographicFront"/>
+      <a:lightRig rig="threePt" dir="t"/>
+    </dgm:scene3d>
+    <dgm:sp3d/>
+    <dgm:txPr/>
+    <dgm:style>
+      <a:lnRef idx="2">
+        <a:scrgbClr r="0" g="0" b="0"/>
+      </a:lnRef>
+      <a:fillRef idx="1">
+        <a:scrgbClr r="0" g="0" b="0"/>
+      </a:fillRef>
+      <a:effectRef idx="1">
+        <a:scrgbClr r="0" g="0" b="0"/>
+      </a:effectRef>
+      <a:fontRef idx="minor"/>
+    </dgm:style>
+  </dgm:styleLbl>
+  <dgm:styleLbl name="asst0">
+    <dgm:scene3d>
+      <a:camera prst="orthographicFront"/>
+      <a:lightRig rig="threePt" dir="t"/>
+    </dgm:scene3d>
+    <dgm:sp3d/>
+    <dgm:txPr/>
+    <dgm:style>
+      <a:lnRef idx="0">
+        <a:scrgbClr r="0" g="0" b="0"/>
+      </a:lnRef>
+      <a:fillRef idx="3">
+        <a:scrgbClr r="0" g="0" b="0"/>
+      </a:fillRef>
+      <a:effectRef idx="2">
+        <a:scrgbClr r="0" g="0" b="0"/>
+      </a:effectRef>
+      <a:fontRef idx="minor">
+        <a:schemeClr val="lt1"/>
+      </a:fontRef>
+    </dgm:style>
+  </dgm:styleLbl>
+  <dgm:styleLbl name="asst1">
+    <dgm:scene3d>
+      <a:camera prst="orthographicFront"/>
+      <a:lightRig rig="threePt" dir="t"/>
+    </dgm:scene3d>
+    <dgm:sp3d/>
+    <dgm:txPr/>
+    <dgm:style>
+      <a:lnRef idx="0">
+        <a:scrgbClr r="0" g="0" b="0"/>
+      </a:lnRef>
+      <a:fillRef idx="3">
+        <a:scrgbClr r="0" g="0" b="0"/>
+      </a:fillRef>
+      <a:effectRef idx="2">
+        <a:scrgbClr r="0" g="0" b="0"/>
+      </a:effectRef>
+      <a:fontRef idx="minor">
+        <a:schemeClr val="lt1"/>
+      </a:fontRef>
+    </dgm:style>
+  </dgm:styleLbl>
+  <dgm:styleLbl name="asst2">
+    <dgm:scene3d>
+      <a:camera prst="orthographicFront"/>
+      <a:lightRig rig="threePt" dir="t"/>
+    </dgm:scene3d>
+    <dgm:sp3d/>
+    <dgm:txPr/>
+    <dgm:style>
+      <a:lnRef idx="0">
+        <a:scrgbClr r="0" g="0" b="0"/>
+      </a:lnRef>
+      <a:fillRef idx="3">
+        <a:scrgbClr r="0" g="0" b="0"/>
+      </a:fillRef>
+      <a:effectRef idx="2">
+        <a:scrgbClr r="0" g="0" b="0"/>
+      </a:effectRef>
+      <a:fontRef idx="minor">
+        <a:schemeClr val="lt1"/>
+      </a:fontRef>
+    </dgm:style>
+  </dgm:styleLbl>
+  <dgm:styleLbl name="asst3">
+    <dgm:scene3d>
+      <a:camera prst="orthographicFront"/>
+      <a:lightRig rig="threePt" dir="t"/>
+    </dgm:scene3d>
+    <dgm:sp3d/>
+    <dgm:txPr/>
+    <dgm:style>
+      <a:lnRef idx="0">
+        <a:scrgbClr r="0" g="0" b="0"/>
+      </a:lnRef>
+      <a:fillRef idx="3">
+        <a:scrgbClr r="0" g="0" b="0"/>
+      </a:fillRef>
+      <a:effectRef idx="2">
+        <a:scrgbClr r="0" g="0" b="0"/>
+      </a:effectRef>
+      <a:fontRef idx="minor">
+        <a:schemeClr val="lt1"/>
+      </a:fontRef>
+    </dgm:style>
+  </dgm:styleLbl>
+  <dgm:styleLbl name="asst4">
+    <dgm:scene3d>
+      <a:camera prst="orthographicFront"/>
+      <a:lightRig rig="threePt" dir="t"/>
+    </dgm:scene3d>
+    <dgm:sp3d/>
+    <dgm:txPr/>
+    <dgm:style>
+      <a:lnRef idx="0">
+        <a:scrgbClr r="0" g="0" b="0"/>
+      </a:lnRef>
+      <a:fillRef idx="3">
+        <a:scrgbClr r="0" g="0" b="0"/>
+      </a:fillRef>
+      <a:effectRef idx="2">
+        <a:scrgbClr r="0" g="0" b="0"/>
+      </a:effectRef>
+      <a:fontRef idx="minor">
+        <a:schemeClr val="lt1"/>
+      </a:fontRef>
+    </dgm:style>
+  </dgm:styleLbl>
+  <dgm:styleLbl name="parChTrans2D1">
+    <dgm:scene3d>
+      <a:camera prst="orthographicFront"/>
+      <a:lightRig rig="threePt" dir="t"/>
+    </dgm:scene3d>
+    <dgm:sp3d/>
+    <dgm:txPr/>
+    <dgm:style>
+      <a:lnRef idx="0">
+        <a:scrgbClr r="0" g="0" b="0"/>
+      </a:lnRef>
+      <a:fillRef idx="3">
+        <a:scrgbClr r="0" g="0" b="0"/>
+      </a:fillRef>
+      <a:effectRef idx="2">
+        <a:scrgbClr r="0" g="0" b="0"/>
+      </a:effectRef>
+      <a:fontRef idx="minor">
+        <a:schemeClr val="lt1"/>
+      </a:fontRef>
+    </dgm:style>
+  </dgm:styleLbl>
+  <dgm:styleLbl name="parChTrans2D2">
+    <dgm:scene3d>
+      <a:camera prst="orthographicFront"/>
+      <a:lightRig rig="threePt" dir="t"/>
+    </dgm:scene3d>
+    <dgm:sp3d/>
+    <dgm:txPr/>
+    <dgm:style>
+      <a:lnRef idx="0">
+        <a:scrgbClr r="0" g="0" b="0"/>
+      </a:lnRef>
+      <a:fillRef idx="3">
+        <a:scrgbClr r="0" g="0" b="0"/>
+      </a:fillRef>
+      <a:effectRef idx="2">
+        <a:scrgbClr r="0" g="0" b="0"/>
+      </a:effectRef>
+      <a:fontRef idx="minor">
+        <a:schemeClr val="lt1"/>
+      </a:fontRef>
+    </dgm:style>
+  </dgm:styleLbl>
+  <dgm:styleLbl name="parChTrans2D3">
+    <dgm:scene3d>
+      <a:camera prst="orthographicFront"/>
+      <a:lightRig rig="threePt" dir="t"/>
+    </dgm:scene3d>
+    <dgm:sp3d/>
+    <dgm:txPr/>
+    <dgm:style>
+      <a:lnRef idx="1">
+        <a:scrgbClr r="0" g="0" b="0"/>
+      </a:lnRef>
+      <a:fillRef idx="3">
+        <a:scrgbClr r="0" g="0" b="0"/>
+      </a:fillRef>
+      <a:effectRef idx="2">
+        <a:scrgbClr r="0" g="0" b="0"/>
+      </a:effectRef>
+      <a:fontRef idx="minor">
+        <a:schemeClr val="lt1"/>
+      </a:fontRef>
+    </dgm:style>
+  </dgm:styleLbl>
+  <dgm:styleLbl name="parChTrans2D4">
+    <dgm:scene3d>
+      <a:camera prst="orthographicFront"/>
+      <a:lightRig rig="threePt" dir="t"/>
+    </dgm:scene3d>
+    <dgm:sp3d/>
+    <dgm:txPr/>
+    <dgm:style>
+      <a:lnRef idx="1">
+        <a:scrgbClr r="0" g="0" b="0"/>
+      </a:lnRef>
+      <a:fillRef idx="3">
+        <a:scrgbClr r="0" g="0" b="0"/>
+      </a:fillRef>
+      <a:effectRef idx="2">
+        <a:scrgbClr r="0" g="0" b="0"/>
+      </a:effectRef>
+      <a:fontRef idx="minor">
+        <a:schemeClr val="lt1"/>
+      </a:fontRef>
+    </dgm:style>
+  </dgm:styleLbl>
+  <dgm:styleLbl name="parChTrans1D1">
+    <dgm:scene3d>
+      <a:camera prst="orthographicFront"/>
+      <a:lightRig rig="threePt" dir="t"/>
+    </dgm:scene3d>
+    <dgm:sp3d/>
+    <dgm:txPr/>
+    <dgm:style>
+      <a:lnRef idx="1">
+        <a:scrgbClr r="0" g="0" b="0"/>
+      </a:lnRef>
+      <a:fillRef idx="0">
+        <a:scrgbClr r="0" g="0" b="0"/>
+      </a:fillRef>
+      <a:effectRef idx="0">
+        <a:scrgbClr r="0" g="0" b="0"/>
+      </a:effectRef>
+      <a:fontRef idx="minor"/>
+    </dgm:style>
+  </dgm:styleLbl>
+  <dgm:styleLbl name="parChTrans1D2">
+    <dgm:scene3d>
+      <a:camera prst="orthographicFront"/>
+      <a:lightRig rig="threePt" dir="t"/>
+    </dgm:scene3d>
+    <dgm:sp3d/>
+    <dgm:txPr/>
+    <dgm:style>
+      <a:lnRef idx="1">
+        <a:scrgbClr r="0" g="0" b="0"/>
+      </a:lnRef>
+      <a:fillRef idx="0">
+        <a:scrgbClr r="0" g="0" b="0"/>
+      </a:fillRef>
+      <a:effectRef idx="0">
+        <a:scrgbClr r="0" g="0" b="0"/>
+      </a:effectRef>
+      <a:fontRef idx="minor"/>
+    </dgm:style>
+  </dgm:styleLbl>
+  <dgm:styleLbl name="parChTrans1D3">
+    <dgm:scene3d>
+      <a:camera prst="orthographicFront"/>
+      <a:lightRig rig="threePt" dir="t"/>
+    </dgm:scene3d>
+    <dgm:sp3d/>
+    <dgm:txPr/>
+    <dgm:style>
+      <a:lnRef idx="1">
+        <a:scrgbClr r="0" g="0" b="0"/>
+      </a:lnRef>
+      <a:fillRef idx="0">
+        <a:scrgbClr r="0" g="0" b="0"/>
+      </a:fillRef>
+      <a:effectRef idx="0">
+        <a:scrgbClr r="0" g="0" b="0"/>
+      </a:effectRef>
+      <a:fontRef idx="minor"/>
+    </dgm:style>
+  </dgm:styleLbl>
+  <dgm:styleLbl name="parChTrans1D4">
+    <dgm:scene3d>
+      <a:camera prst="orthographicFront"/>
+      <a:lightRig rig="threePt" dir="t"/>
+    </dgm:scene3d>
+    <dgm:sp3d/>
+    <dgm:txPr/>
+    <dgm:style>
+      <a:lnRef idx="1">
+        <a:scrgbClr r="0" g="0" b="0"/>
+      </a:lnRef>
+      <a:fillRef idx="0">
+        <a:scrgbClr r="0" g="0" b="0"/>
+      </a:fillRef>
+      <a:effectRef idx="0">
+        <a:scrgbClr r="0" g="0" b="0"/>
+      </a:effectRef>
+      <a:fontRef idx="minor"/>
+    </dgm:style>
+  </dgm:styleLbl>
+  <dgm:styleLbl name="fgAcc1">
+    <dgm:scene3d>
+      <a:camera prst="orthographicFront"/>
+      <a:lightRig rig="threePt" dir="t"/>
+    </dgm:scene3d>
+    <dgm:sp3d/>
+    <dgm:txPr/>
+    <dgm:style>
+      <a:lnRef idx="1">
+        <a:scrgbClr r="0" g="0" b="0"/>
+      </a:lnRef>
+      <a:fillRef idx="1">
+        <a:scrgbClr r="0" g="0" b="0"/>
+      </a:fillRef>
+      <a:effectRef idx="0">
+        <a:scrgbClr r="0" g="0" b="0"/>
+      </a:effectRef>
+      <a:fontRef idx="minor"/>
+    </dgm:style>
+  </dgm:styleLbl>
+  <dgm:styleLbl name="conFgAcc1">
+    <dgm:scene3d>
+      <a:camera prst="orthographicFront"/>
+      <a:lightRig rig="threePt" dir="t"/>
+    </dgm:scene3d>
+    <dgm:sp3d/>
+    <dgm:txPr/>
+    <dgm:style>
+      <a:lnRef idx="1">
+        <a:scrgbClr r="0" g="0" b="0"/>
+      </a:lnRef>
+      <a:fillRef idx="1">
+        <a:scrgbClr r="0" g="0" b="0"/>
+      </a:fillRef>
+      <a:effectRef idx="0">
+        <a:scrgbClr r="0" g="0" b="0"/>
+      </a:effectRef>
+      <a:fontRef idx="minor"/>
+    </dgm:style>
+  </dgm:styleLbl>
+  <dgm:styleLbl name="alignAcc1">
+    <dgm:scene3d>
+      <a:camera prst="orthographicFront"/>
+      <a:lightRig rig="threePt" dir="t"/>
+    </dgm:scene3d>
+    <dgm:sp3d/>
+    <dgm:txPr/>
+    <dgm:style>
+      <a:lnRef idx="1">
+        <a:scrgbClr r="0" g="0" b="0"/>
+      </a:lnRef>
+      <a:fillRef idx="1">
+        <a:scrgbClr r="0" g="0" b="0"/>
+      </a:fillRef>
+      <a:effectRef idx="0">
+        <a:scrgbClr r="0" g="0" b="0"/>
+      </a:effectRef>
+      <a:fontRef idx="minor"/>
+    </dgm:style>
+  </dgm:styleLbl>
+  <dgm:styleLbl name="trAlignAcc1">
+    <dgm:scene3d>
+      <a:camera prst="orthographicFront"/>
+      <a:lightRig rig="threePt" dir="t"/>
+    </dgm:scene3d>
+    <dgm:sp3d/>
+    <dgm:txPr/>
+    <dgm:style>
+      <a:lnRef idx="1">
+        <a:scrgbClr r="0" g="0" b="0"/>
+      </a:lnRef>
+      <a:fillRef idx="1">
+        <a:scrgbClr r="0" g="0" b="0"/>
+      </a:fillRef>
+      <a:effectRef idx="0">
+        <a:scrgbClr r="0" g="0" b="0"/>
+      </a:effectRef>
+      <a:fontRef idx="minor"/>
+    </dgm:style>
+  </dgm:styleLbl>
+  <dgm:styleLbl name="bgAcc1">
+    <dgm:scene3d>
+      <a:camera prst="orthographicFront"/>
+      <a:lightRig rig="threePt" dir="t"/>
+    </dgm:scene3d>
+    <dgm:sp3d/>
+    <dgm:txPr/>
+    <dgm:style>
+      <a:lnRef idx="1">
+        <a:scrgbClr r="0" g="0" b="0"/>
+      </a:lnRef>
+      <a:fillRef idx="1">
+        <a:scrgbClr r="0" g="0" b="0"/>
+      </a:fillRef>
+      <a:effectRef idx="0">
+        <a:scrgbClr r="0" g="0" b="0"/>
+      </a:effectRef>
+      <a:fontRef idx="minor"/>
+    </dgm:style>
+  </dgm:styleLbl>
+  <dgm:styleLbl name="solidFgAcc1">
+    <dgm:scene3d>
+      <a:camera prst="orthographicFront"/>
+      <a:lightRig rig="threePt" dir="t"/>
+    </dgm:scene3d>
+    <dgm:sp3d/>
+    <dgm:txPr/>
+    <dgm:style>
+      <a:lnRef idx="1">
+        <a:scrgbClr r="0" g="0" b="0"/>
+      </a:lnRef>
+      <a:fillRef idx="1">
+        <a:scrgbClr r="0" g="0" b="0"/>
+      </a:fillRef>
+      <a:effectRef idx="0">
+        <a:scrgbClr r="0" g="0" b="0"/>
+      </a:effectRef>
+      <a:fontRef idx="minor"/>
+    </dgm:style>
+  </dgm:styleLbl>
+  <dgm:styleLbl name="solidAlignAcc1">
+    <dgm:scene3d>
+      <a:camera prst="orthographicFront"/>
+      <a:lightRig rig="threePt" dir="t"/>
+    </dgm:scene3d>
+    <dgm:sp3d/>
+    <dgm:txPr/>
+    <dgm:style>
+      <a:lnRef idx="1">
+        <a:scrgbClr r="0" g="0" b="0"/>
+      </a:lnRef>
+      <a:fillRef idx="1">
+        <a:scrgbClr r="0" g="0" b="0"/>
+      </a:fillRef>
+      <a:effectRef idx="0">
+        <a:scrgbClr r="0" g="0" b="0"/>
+      </a:effectRef>
+      <a:fontRef idx="minor"/>
+    </dgm:style>
+  </dgm:styleLbl>
+  <dgm:styleLbl name="solidBgAcc1">
+    <dgm:scene3d>
+      <a:camera prst="orthographicFront"/>
+      <a:lightRig rig="threePt" dir="t"/>
+    </dgm:scene3d>
+    <dgm:sp3d/>
+    <dgm:txPr/>
+    <dgm:style>
+      <a:lnRef idx="1">
+        <a:scrgbClr r="0" g="0" b="0"/>
+      </a:lnRef>
+      <a:fillRef idx="1">
+        <a:scrgbClr r="0" g="0" b="0"/>
+      </a:fillRef>
+      <a:effectRef idx="0">
+        <a:scrgbClr r="0" g="0" b="0"/>
+      </a:effectRef>
+      <a:fontRef idx="minor"/>
+    </dgm:style>
+  </dgm:styleLbl>
+  <dgm:styleLbl name="fgAccFollowNode1">
+    <dgm:scene3d>
+      <a:camera prst="orthographicFront"/>
+      <a:lightRig rig="threePt" dir="t"/>
+    </dgm:scene3d>
+    <dgm:sp3d/>
+    <dgm:txPr/>
+    <dgm:style>
+      <a:lnRef idx="1">
+        <a:scrgbClr r="0" g="0" b="0"/>
+      </a:lnRef>
+      <a:fillRef idx="1">
+        <a:scrgbClr r="0" g="0" b="0"/>
+      </a:fillRef>
+      <a:effectRef idx="0">
+        <a:scrgbClr r="0" g="0" b="0"/>
+      </a:effectRef>
+      <a:fontRef idx="minor"/>
+    </dgm:style>
+  </dgm:styleLbl>
+  <dgm:styleLbl name="alignAccFollowNode1">
+    <dgm:scene3d>
+      <a:camera prst="orthographicFront"/>
+      <a:lightRig rig="threePt" dir="t"/>
+    </dgm:scene3d>
+    <dgm:sp3d/>
+    <dgm:txPr/>
+    <dgm:style>
+      <a:lnRef idx="1">
+        <a:scrgbClr r="0" g="0" b="0"/>
+      </a:lnRef>
+      <a:fillRef idx="1">
+        <a:scrgbClr r="0" g="0" b="0"/>
+      </a:fillRef>
+      <a:effectRef idx="0">
+        <a:scrgbClr r="0" g="0" b="0"/>
+      </a:effectRef>
+      <a:fontRef idx="minor"/>
+    </dgm:style>
+  </dgm:styleLbl>
+  <dgm:styleLbl name="bgAccFollowNode1">
+    <dgm:scene3d>
+      <a:camera prst="orthographicFront"/>
+      <a:lightRig rig="threePt" dir="t"/>
+    </dgm:scene3d>
+    <dgm:sp3d/>
+    <dgm:txPr/>
+    <dgm:style>
+      <a:lnRef idx="1">
+        <a:scrgbClr r="0" g="0" b="0"/>
+      </a:lnRef>
+      <a:fillRef idx="1">
+        <a:scrgbClr r="0" g="0" b="0"/>
+      </a:fillRef>
+      <a:effectRef idx="0">
+        <a:scrgbClr r="0" g="0" b="0"/>
+      </a:effectRef>
+      <a:fontRef idx="minor"/>
+    </dgm:style>
+  </dgm:styleLbl>
+  <dgm:styleLbl name="fgAcc0">
+    <dgm:scene3d>
+      <a:camera prst="orthographicFront"/>
+      <a:lightRig rig="threePt" dir="t"/>
+    </dgm:scene3d>
+    <dgm:sp3d/>
+    <dgm:txPr/>
+    <dgm:style>
+      <a:lnRef idx="1">
+        <a:scrgbClr r="0" g="0" b="0"/>
+      </a:lnRef>
+      <a:fillRef idx="1">
+        <a:scrgbClr r="0" g="0" b="0"/>
+      </a:fillRef>
+      <a:effectRef idx="0">
+        <a:scrgbClr r="0" g="0" b="0"/>
+      </a:effectRef>
+      <a:fontRef idx="minor"/>
+    </dgm:style>
+  </dgm:styleLbl>
+  <dgm:styleLbl name="fgAcc2">
+    <dgm:scene3d>
+      <a:camera prst="orthographicFront"/>
+      <a:lightRig rig="threePt" dir="t"/>
+    </dgm:scene3d>
+    <dgm:sp3d/>
+    <dgm:txPr/>
+    <dgm:style>
+      <a:lnRef idx="1">
+        <a:scrgbClr r="0" g="0" b="0"/>
+      </a:lnRef>
+      <a:fillRef idx="1">
+        <a:scrgbClr r="0" g="0" b="0"/>
+      </a:fillRef>
+      <a:effectRef idx="0">
+        <a:scrgbClr r="0" g="0" b="0"/>
+      </a:effectRef>
+      <a:fontRef idx="minor"/>
+    </dgm:style>
+  </dgm:styleLbl>
+  <dgm:styleLbl name="fgAcc3">
+    <dgm:scene3d>
+      <a:camera prst="orthographicFront"/>
+      <a:lightRig rig="threePt" dir="t"/>
+    </dgm:scene3d>
+    <dgm:sp3d/>
+    <dgm:txPr/>
+    <dgm:style>
+      <a:lnRef idx="1">
+        <a:scrgbClr r="0" g="0" b="0"/>
+      </a:lnRef>
+      <a:fillRef idx="1">
+        <a:scrgbClr r="0" g="0" b="0"/>
+      </a:fillRef>
+      <a:effectRef idx="0">
+        <a:scrgbClr r="0" g="0" b="0"/>
+      </a:effectRef>
+      <a:fontRef idx="minor"/>
+    </dgm:style>
+  </dgm:styleLbl>
+  <dgm:styleLbl name="fgAcc4">
+    <dgm:scene3d>
+      <a:camera prst="orthographicFront"/>
+      <a:lightRig rig="threePt" dir="t"/>
+    </dgm:scene3d>
+    <dgm:sp3d/>
+    <dgm:txPr/>
+    <dgm:style>
+      <a:lnRef idx="1">
+        <a:scrgbClr r="0" g="0" b="0"/>
+      </a:lnRef>
+      <a:fillRef idx="1">
+        <a:scrgbClr r="0" g="0" b="0"/>
+      </a:fillRef>
+      <a:effectRef idx="0">
+        <a:scrgbClr r="0" g="0" b="0"/>
+      </a:effectRef>
+      <a:fontRef idx="minor"/>
+    </dgm:style>
+  </dgm:styleLbl>
+  <dgm:styleLbl name="bgShp">
+    <dgm:scene3d>
+      <a:camera prst="orthographicFront"/>
+      <a:lightRig rig="threePt" dir="t"/>
+    </dgm:scene3d>
+    <dgm:sp3d/>
+    <dgm:txPr/>
+    <dgm:style>
+      <a:lnRef idx="0">
+        <a:scrgbClr r="0" g="0" b="0"/>
+      </a:lnRef>
+      <a:fillRef idx="1">
+        <a:scrgbClr r="0" g="0" b="0"/>
+      </a:fillRef>
+      <a:effectRef idx="2">
+        <a:scrgbClr r="0" g="0" b="0"/>
+      </a:effectRef>
+      <a:fontRef idx="minor"/>
+    </dgm:style>
+  </dgm:styleLbl>
+  <dgm:styleLbl name="dkBgShp">
+    <dgm:scene3d>
+      <a:camera prst="orthographicFront"/>
+      <a:lightRig rig="threePt" dir="t"/>
+    </dgm:scene3d>
+    <dgm:sp3d/>
+    <dgm:txPr/>
+    <dgm:style>
+      <a:lnRef idx="0">
+        <a:scrgbClr r="0" g="0" b="0"/>
+      </a:lnRef>
+      <a:fillRef idx="1">
+        <a:scrgbClr r="0" g="0" b="0"/>
+      </a:fillRef>
+      <a:effectRef idx="2">
+        <a:scrgbClr r="0" g="0" b="0"/>
+      </a:effectRef>
+      <a:fontRef idx="minor"/>
+    </dgm:style>
+  </dgm:styleLbl>
+  <dgm:styleLbl name="trBgShp">
+    <dgm:scene3d>
+      <a:camera prst="orthographicFront"/>
+      <a:lightRig rig="threePt" dir="t"/>
+    </dgm:scene3d>
+    <dgm:sp3d/>
+    <dgm:txPr/>
+    <dgm:style>
+      <a:lnRef idx="0">
+        <a:scrgbClr r="0" g="0" b="0"/>
+      </a:lnRef>
+      <a:fillRef idx="1">
+        <a:scrgbClr r="0" g="0" b="0"/>
+      </a:fillRef>
+      <a:effectRef idx="0">
+        <a:scrgbClr r="0" g="0" b="0"/>
+      </a:effectRef>
+      <a:fontRef idx="minor"/>
+    </dgm:style>
+  </dgm:styleLbl>
+  <dgm:styleLbl name="fgShp">
+    <dgm:scene3d>
+      <a:camera prst="orthographicFront"/>
+      <a:lightRig rig="threePt" dir="t"/>
+    </dgm:scene3d>
+    <dgm:sp3d/>
+    <dgm:txPr/>
+    <dgm:style>
+      <a:lnRef idx="0">
+        <a:scrgbClr r="0" g="0" b="0"/>
+      </a:lnRef>
+      <a:fillRef idx="3">
+        <a:scrgbClr r="0" g="0" b="0"/>
+      </a:fillRef>
+      <a:effectRef idx="2">
+        <a:scrgbClr r="0" g="0" b="0"/>
+      </a:effectRef>
+      <a:fontRef idx="minor"/>
+    </dgm:style>
+  </dgm:styleLbl>
+  <dgm:styleLbl name="revTx">
+    <dgm:scene3d>
+      <a:camera prst="orthographicFront"/>
+      <a:lightRig rig="threePt" dir="t"/>
+    </dgm:scene3d>
+    <dgm:sp3d/>
+    <dgm:txPr/>
+    <dgm:style>
+      <a:lnRef idx="0">
+        <a:scrgbClr r="0" g="0" b="0"/>
+      </a:lnRef>
+      <a:fillRef idx="0">
+        <a:scrgbClr r="0" g="0" b="0"/>
+      </a:fillRef>
+      <a:effectRef idx="0">
+        <a:scrgbClr r="0" g="0" b="0"/>
+      </a:effectRef>
+      <a:fontRef idx="minor"/>
+    </dgm:style>
+  </dgm:styleLbl>
+</dgm:styleDef>
+</file>
+
+<file path=ppt/diagrams/quickStyle2.xml><?xml version="1.0" encoding="utf-8"?>
+<dgm:styleDef xmlns:dgm="http://schemas.openxmlformats.org/drawingml/2006/diagram" xmlns:a="http://schemas.openxmlformats.org/drawingml/2006/main" uniqueId="urn:microsoft.com/office/officeart/2005/8/quickstyle/simple4">
+  <dgm:title val=""/>
+  <dgm:desc val=""/>
+  <dgm:catLst>
+    <dgm:cat type="simple" pri="10400"/>
+  </dgm:catLst>
+  <dgm:scene3d>
+    <a:camera prst="orthographicFront"/>
+    <a:lightRig rig="threePt" dir="t"/>
+  </dgm:scene3d>
+  <dgm:styleLbl name="node0">
+    <dgm:scene3d>
+      <a:camera prst="orthographicFront"/>
+      <a:lightRig rig="threePt" dir="t"/>
+    </dgm:scene3d>
+    <dgm:sp3d/>
+    <dgm:txPr/>
+    <dgm:style>
+      <a:lnRef idx="0">
+        <a:scrgbClr r="0" g="0" b="0"/>
+      </a:lnRef>
+      <a:fillRef idx="3">
+        <a:scrgbClr r="0" g="0" b="0"/>
+      </a:fillRef>
+      <a:effectRef idx="2">
+        <a:scrgbClr r="0" g="0" b="0"/>
+      </a:effectRef>
+      <a:fontRef idx="minor">
+        <a:schemeClr val="lt1"/>
+      </a:fontRef>
+    </dgm:style>
+  </dgm:styleLbl>
+  <dgm:styleLbl name="lnNode1">
+    <dgm:scene3d>
+      <a:camera prst="orthographicFront"/>
+      <a:lightRig rig="threePt" dir="t"/>
+    </dgm:scene3d>
+    <dgm:sp3d/>
+    <dgm:txPr/>
+    <dgm:style>
+      <a:lnRef idx="1">
+        <a:scrgbClr r="0" g="0" b="0"/>
+      </a:lnRef>
+      <a:fillRef idx="3">
+        <a:scrgbClr r="0" g="0" b="0"/>
+      </a:fillRef>
+      <a:effectRef idx="2">
+        <a:scrgbClr r="0" g="0" b="0"/>
+      </a:effectRef>
+      <a:fontRef idx="minor">
+        <a:schemeClr val="lt1"/>
+      </a:fontRef>
+    </dgm:style>
+  </dgm:styleLbl>
+  <dgm:styleLbl name="vennNode1">
+    <dgm:scene3d>
+      <a:camera prst="orthographicFront"/>
+      <a:lightRig rig="threePt" dir="t"/>
+    </dgm:scene3d>
+    <dgm:sp3d/>
+    <dgm:txPr/>
+    <dgm:style>
+      <a:lnRef idx="0">
+        <a:scrgbClr r="0" g="0" b="0"/>
+      </a:lnRef>
+      <a:fillRef idx="3">
+        <a:scrgbClr r="0" g="0" b="0"/>
+      </a:fillRef>
+      <a:effectRef idx="0">
+        <a:scrgbClr r="0" g="0" b="0"/>
+      </a:effectRef>
+      <a:fontRef idx="minor">
+        <a:schemeClr val="tx1"/>
+      </a:fontRef>
+    </dgm:style>
+  </dgm:styleLbl>
+  <dgm:styleLbl name="alignNode1">
+    <dgm:scene3d>
+      <a:camera prst="orthographicFront"/>
+      <a:lightRig rig="threePt" dir="t"/>
+    </dgm:scene3d>
+    <dgm:sp3d/>
+    <dgm:txPr/>
+    <dgm:style>
+      <a:lnRef idx="1">
+        <a:scrgbClr r="0" g="0" b="0"/>
+      </a:lnRef>
+      <a:fillRef idx="3">
+        <a:scrgbClr r="0" g="0" b="0"/>
+      </a:fillRef>
+      <a:effectRef idx="2">
+        <a:scrgbClr r="0" g="0" b="0"/>
+      </a:effectRef>
+      <a:fontRef idx="minor">
+        <a:schemeClr val="lt1"/>
+      </a:fontRef>
+    </dgm:style>
+  </dgm:styleLbl>
+  <dgm:styleLbl name="node1">
+    <dgm:scene3d>
+      <a:camera prst="orthographicFront"/>
+      <a:lightRig rig="threePt" dir="t"/>
+    </dgm:scene3d>
+    <dgm:sp3d/>
+    <dgm:txPr/>
+    <dgm:style>
+      <a:lnRef idx="0">
+        <a:scrgbClr r="0" g="0" b="0"/>
+      </a:lnRef>
+      <a:fillRef idx="3">
+        <a:scrgbClr r="0" g="0" b="0"/>
+      </a:fillRef>
+      <a:effectRef idx="2">
+        <a:scrgbClr r="0" g="0" b="0"/>
+      </a:effectRef>
+      <a:fontRef idx="minor">
+        <a:schemeClr val="lt1"/>
+      </a:fontRef>
+    </dgm:style>
+  </dgm:styleLbl>
+  <dgm:styleLbl name="node2">
+    <dgm:scene3d>
+      <a:camera prst="orthographicFront"/>
+      <a:lightRig rig="threePt" dir="t"/>
+    </dgm:scene3d>
+    <dgm:sp3d/>
+    <dgm:txPr/>
+    <dgm:style>
+      <a:lnRef idx="0">
+        <a:scrgbClr r="0" g="0" b="0"/>
+      </a:lnRef>
+      <a:fillRef idx="3">
+        <a:scrgbClr r="0" g="0" b="0"/>
+      </a:fillRef>
+      <a:effectRef idx="2">
+        <a:scrgbClr r="0" g="0" b="0"/>
+      </a:effectRef>
+      <a:fontRef idx="minor">
+        <a:schemeClr val="lt1"/>
+      </a:fontRef>
+    </dgm:style>
+  </dgm:styleLbl>
+  <dgm:styleLbl name="node3">
+    <dgm:scene3d>
+      <a:camera prst="orthographicFront"/>
+      <a:lightRig rig="threePt" dir="t"/>
+    </dgm:scene3d>
+    <dgm:sp3d/>
+    <dgm:txPr/>
+    <dgm:style>
+      <a:lnRef idx="0">
+        <a:scrgbClr r="0" g="0" b="0"/>
+      </a:lnRef>
+      <a:fillRef idx="3">
+        <a:scrgbClr r="0" g="0" b="0"/>
+      </a:fillRef>
+      <a:effectRef idx="2">
+        <a:scrgbClr r="0" g="0" b="0"/>
+      </a:effectRef>
+      <a:fontRef idx="minor">
+        <a:schemeClr val="lt1"/>
+      </a:fontRef>
+    </dgm:style>
+  </dgm:styleLbl>
+  <dgm:styleLbl name="node4">
+    <dgm:scene3d>
+      <a:camera prst="orthographicFront"/>
+      <a:lightRig rig="threePt" dir="t"/>
+    </dgm:scene3d>
+    <dgm:sp3d/>
+    <dgm:txPr/>
+    <dgm:style>
+      <a:lnRef idx="0">
+        <a:scrgbClr r="0" g="0" b="0"/>
+      </a:lnRef>
+      <a:fillRef idx="3">
+        <a:scrgbClr r="0" g="0" b="0"/>
+      </a:fillRef>
+      <a:effectRef idx="2">
+        <a:scrgbClr r="0" g="0" b="0"/>
+      </a:effectRef>
+      <a:fontRef idx="minor">
+        <a:schemeClr val="lt1"/>
+      </a:fontRef>
+    </dgm:style>
+  </dgm:styleLbl>
+  <dgm:styleLbl name="fgImgPlace1">
+    <dgm:scene3d>
+      <a:camera prst="orthographicFront"/>
+      <a:lightRig rig="threePt" dir="t"/>
+    </dgm:scene3d>
+    <dgm:sp3d/>
+    <dgm:txPr/>
+    <dgm:style>
+      <a:lnRef idx="0">
+        <a:scrgbClr r="0" g="0" b="0"/>
+      </a:lnRef>
+      <a:fillRef idx="1">
+        <a:scrgbClr r="0" g="0" b="0"/>
+      </a:fillRef>
+      <a:effectRef idx="2">
+        <a:scrgbClr r="0" g="0" b="0"/>
+      </a:effectRef>
+      <a:fontRef idx="minor"/>
+    </dgm:style>
+  </dgm:styleLbl>
+  <dgm:styleLbl name="alignImgPlace1">
+    <dgm:scene3d>
+      <a:camera prst="orthographicFront"/>
+      <a:lightRig rig="threePt" dir="t"/>
+    </dgm:scene3d>
+    <dgm:sp3d/>
+    <dgm:txPr/>
+    <dgm:style>
+      <a:lnRef idx="0">
+        <a:scrgbClr r="0" g="0" b="0"/>
+      </a:lnRef>
+      <a:fillRef idx="1">
+        <a:scrgbClr r="0" g="0" b="0"/>
+      </a:fillRef>
+      <a:effectRef idx="2">
+        <a:scrgbClr r="0" g="0" b="0"/>
+      </a:effectRef>
+      <a:fontRef idx="minor"/>
+    </dgm:style>
+  </dgm:styleLbl>
+  <dgm:styleLbl name="bgImgPlace1">
+    <dgm:scene3d>
+      <a:camera prst="orthographicFront"/>
+      <a:lightRig rig="threePt" dir="t"/>
+    </dgm:scene3d>
+    <dgm:sp3d/>
+    <dgm:txPr/>
+    <dgm:style>
+      <a:lnRef idx="0">
+        <a:scrgbClr r="0" g="0" b="0"/>
+      </a:lnRef>
+      <a:fillRef idx="1">
+        <a:scrgbClr r="0" g="0" b="0"/>
+      </a:fillRef>
+      <a:effectRef idx="2">
+        <a:scrgbClr r="0" g="0" b="0"/>
+      </a:effectRef>
+      <a:fontRef idx="minor"/>
+    </dgm:style>
+  </dgm:styleLbl>
+  <dgm:styleLbl name="sibTrans2D1">
+    <dgm:scene3d>
+      <a:camera prst="orthographicFront"/>
+      <a:lightRig rig="threePt" dir="t"/>
+    </dgm:scene3d>
+    <dgm:sp3d/>
+    <dgm:txPr/>
+    <dgm:style>
+      <a:lnRef idx="0">
+        <a:scrgbClr r="0" g="0" b="0"/>
+      </a:lnRef>
+      <a:fillRef idx="3">
+        <a:scrgbClr r="0" g="0" b="0"/>
+      </a:fillRef>
+      <a:effectRef idx="2">
+        <a:scrgbClr r="0" g="0" b="0"/>
+      </a:effectRef>
+      <a:fontRef idx="minor">
+        <a:schemeClr val="lt1"/>
+      </a:fontRef>
+    </dgm:style>
+  </dgm:styleLbl>
+  <dgm:styleLbl name="fgSibTrans2D1">
+    <dgm:scene3d>
+      <a:camera prst="orthographicFront"/>
+      <a:lightRig rig="threePt" dir="t"/>
+    </dgm:scene3d>
+    <dgm:sp3d/>
+    <dgm:txPr/>
+    <dgm:style>
+      <a:lnRef idx="0">
+        <a:scrgbClr r="0" g="0" b="0"/>
+      </a:lnRef>
+      <a:fillRef idx="3">
+        <a:scrgbClr r="0" g="0" b="0"/>
+      </a:fillRef>
+      <a:effectRef idx="2">
+        <a:scrgbClr r="0" g="0" b="0"/>
+      </a:effectRef>
+      <a:fontRef idx="minor">
+        <a:schemeClr val="lt1"/>
+      </a:fontRef>
+    </dgm:style>
+  </dgm:styleLbl>
+  <dgm:styleLbl name="bgSibTrans2D1">
+    <dgm:scene3d>
+      <a:camera prst="orthographicFront"/>
+      <a:lightRig rig="threePt" dir="t"/>
+    </dgm:scene3d>
+    <dgm:sp3d/>
+    <dgm:txPr/>
+    <dgm:style>
+      <a:lnRef idx="0">
+        <a:scrgbClr r="0" g="0" b="0"/>
+      </a:lnRef>
+      <a:fillRef idx="3">
+        <a:scrgbClr r="0" g="0" b="0"/>
+      </a:fillRef>
+      <a:effectRef idx="2">
+        <a:scrgbClr r="0" g="0" b="0"/>
+      </a:effectRef>
+      <a:fontRef idx="minor">
+        <a:schemeClr val="lt1"/>
+      </a:fontRef>
+    </dgm:style>
+  </dgm:styleLbl>
+  <dgm:styleLbl name="sibTrans1D1">
+    <dgm:scene3d>
+      <a:camera prst="orthographicFront"/>
+      <a:lightRig rig="threePt" dir="t"/>
+    </dgm:scene3d>
+    <dgm:sp3d/>
+    <dgm:txPr/>
+    <dgm:style>
+      <a:lnRef idx="1">
+        <a:scrgbClr r="0" g="0" b="0"/>
+      </a:lnRef>
+      <a:fillRef idx="0">
+        <a:scrgbClr r="0" g="0" b="0"/>
+      </a:fillRef>
+      <a:effectRef idx="0">
+        <a:scrgbClr r="0" g="0" b="0"/>
+      </a:effectRef>
+      <a:fontRef idx="minor"/>
+    </dgm:style>
+  </dgm:styleLbl>
+  <dgm:styleLbl name="callout">
+    <dgm:scene3d>
+      <a:camera prst="orthographicFront"/>
+      <a:lightRig rig="threePt" dir="t"/>
+    </dgm:scene3d>
+    <dgm:sp3d/>
+    <dgm:txPr/>
+    <dgm:style>
+      <a:lnRef idx="2">
+        <a:scrgbClr r="0" g="0" b="0"/>
+      </a:lnRef>
+      <a:fillRef idx="1">
+        <a:scrgbClr r="0" g="0" b="0"/>
+      </a:fillRef>
+      <a:effectRef idx="1">
+        <a:scrgbClr r="0" g="0" b="0"/>
+      </a:effectRef>
+      <a:fontRef idx="minor"/>
+    </dgm:style>
+  </dgm:styleLbl>
+  <dgm:styleLbl name="asst0">
+    <dgm:scene3d>
+      <a:camera prst="orthographicFront"/>
+      <a:lightRig rig="threePt" dir="t"/>
+    </dgm:scene3d>
+    <dgm:sp3d/>
+    <dgm:txPr/>
+    <dgm:style>
+      <a:lnRef idx="0">
+        <a:scrgbClr r="0" g="0" b="0"/>
+      </a:lnRef>
+      <a:fillRef idx="3">
+        <a:scrgbClr r="0" g="0" b="0"/>
+      </a:fillRef>
+      <a:effectRef idx="2">
+        <a:scrgbClr r="0" g="0" b="0"/>
+      </a:effectRef>
+      <a:fontRef idx="minor">
+        <a:schemeClr val="lt1"/>
+      </a:fontRef>
+    </dgm:style>
+  </dgm:styleLbl>
+  <dgm:styleLbl name="asst1">
+    <dgm:scene3d>
+      <a:camera prst="orthographicFront"/>
+      <a:lightRig rig="threePt" dir="t"/>
+    </dgm:scene3d>
+    <dgm:sp3d/>
+    <dgm:txPr/>
+    <dgm:style>
+      <a:lnRef idx="0">
+        <a:scrgbClr r="0" g="0" b="0"/>
+      </a:lnRef>
+      <a:fillRef idx="3">
+        <a:scrgbClr r="0" g="0" b="0"/>
+      </a:fillRef>
+      <a:effectRef idx="2">
+        <a:scrgbClr r="0" g="0" b="0"/>
+      </a:effectRef>
+      <a:fontRef idx="minor">
+        <a:schemeClr val="lt1"/>
+      </a:fontRef>
+    </dgm:style>
+  </dgm:styleLbl>
+  <dgm:styleLbl name="asst2">
+    <dgm:scene3d>
+      <a:camera prst="orthographicFront"/>
+      <a:lightRig rig="threePt" dir="t"/>
+    </dgm:scene3d>
+    <dgm:sp3d/>
+    <dgm:txPr/>
+    <dgm:style>
+      <a:lnRef idx="0">
+        <a:scrgbClr r="0" g="0" b="0"/>
+      </a:lnRef>
+      <a:fillRef idx="3">
+        <a:scrgbClr r="0" g="0" b="0"/>
+      </a:fillRef>
+      <a:effectRef idx="2">
+        <a:scrgbClr r="0" g="0" b="0"/>
+      </a:effectRef>
+      <a:fontRef idx="minor">
+        <a:schemeClr val="lt1"/>
+      </a:fontRef>
+    </dgm:style>
+  </dgm:styleLbl>
+  <dgm:styleLbl name="asst3">
+    <dgm:scene3d>
+      <a:camera prst="orthographicFront"/>
+      <a:lightRig rig="threePt" dir="t"/>
+    </dgm:scene3d>
+    <dgm:sp3d/>
+    <dgm:txPr/>
+    <dgm:style>
+      <a:lnRef idx="0">
+        <a:scrgbClr r="0" g="0" b="0"/>
+      </a:lnRef>
+      <a:fillRef idx="3">
+        <a:scrgbClr r="0" g="0" b="0"/>
+      </a:fillRef>
+      <a:effectRef idx="2">
+        <a:scrgbClr r="0" g="0" b="0"/>
+      </a:effectRef>
+      <a:fontRef idx="minor">
+        <a:schemeClr val="lt1"/>
+      </a:fontRef>
+    </dgm:style>
+  </dgm:styleLbl>
+  <dgm:styleLbl name="asst4">
+    <dgm:scene3d>
+      <a:camera prst="orthographicFront"/>
+      <a:lightRig rig="threePt" dir="t"/>
+    </dgm:scene3d>
+    <dgm:sp3d/>
+    <dgm:txPr/>
+    <dgm:style>
+      <a:lnRef idx="0">
+        <a:scrgbClr r="0" g="0" b="0"/>
+      </a:lnRef>
+      <a:fillRef idx="3">
+        <a:scrgbClr r="0" g="0" b="0"/>
+      </a:fillRef>
+      <a:effectRef idx="2">
+        <a:scrgbClr r="0" g="0" b="0"/>
+      </a:effectRef>
+      <a:fontRef idx="minor">
+        <a:schemeClr val="lt1"/>
+      </a:fontRef>
+    </dgm:style>
+  </dgm:styleLbl>
+  <dgm:styleLbl name="parChTrans2D1">
+    <dgm:scene3d>
+      <a:camera prst="orthographicFront"/>
+      <a:lightRig rig="threePt" dir="t"/>
+    </dgm:scene3d>
+    <dgm:sp3d/>
+    <dgm:txPr/>
+    <dgm:style>
+      <a:lnRef idx="0">
+        <a:scrgbClr r="0" g="0" b="0"/>
+      </a:lnRef>
+      <a:fillRef idx="3">
+        <a:scrgbClr r="0" g="0" b="0"/>
+      </a:fillRef>
+      <a:effectRef idx="2">
+        <a:scrgbClr r="0" g="0" b="0"/>
+      </a:effectRef>
+      <a:fontRef idx="minor">
+        <a:schemeClr val="lt1"/>
+      </a:fontRef>
+    </dgm:style>
+  </dgm:styleLbl>
+  <dgm:styleLbl name="parChTrans2D2">
+    <dgm:scene3d>
+      <a:camera prst="orthographicFront"/>
+      <a:lightRig rig="threePt" dir="t"/>
+    </dgm:scene3d>
+    <dgm:sp3d/>
+    <dgm:txPr/>
+    <dgm:style>
+      <a:lnRef idx="0">
+        <a:scrgbClr r="0" g="0" b="0"/>
+      </a:lnRef>
+      <a:fillRef idx="3">
+        <a:scrgbClr r="0" g="0" b="0"/>
+      </a:fillRef>
+      <a:effectRef idx="2">
+        <a:scrgbClr r="0" g="0" b="0"/>
+      </a:effectRef>
+      <a:fontRef idx="minor">
+        <a:schemeClr val="lt1"/>
+      </a:fontRef>
+    </dgm:style>
+  </dgm:styleLbl>
+  <dgm:styleLbl name="parChTrans2D3">
+    <dgm:scene3d>
+      <a:camera prst="orthographicFront"/>
+      <a:lightRig rig="threePt" dir="t"/>
+    </dgm:scene3d>
+    <dgm:sp3d/>
+    <dgm:txPr/>
+    <dgm:style>
+      <a:lnRef idx="1">
+        <a:scrgbClr r="0" g="0" b="0"/>
+      </a:lnRef>
+      <a:fillRef idx="3">
+        <a:scrgbClr r="0" g="0" b="0"/>
+      </a:fillRef>
+      <a:effectRef idx="2">
+        <a:scrgbClr r="0" g="0" b="0"/>
+      </a:effectRef>
+      <a:fontRef idx="minor">
+        <a:schemeClr val="lt1"/>
+      </a:fontRef>
+    </dgm:style>
+  </dgm:styleLbl>
+  <dgm:styleLbl name="parChTrans2D4">
+    <dgm:scene3d>
+      <a:camera prst="orthographicFront"/>
+      <a:lightRig rig="threePt" dir="t"/>
+    </dgm:scene3d>
+    <dgm:sp3d/>
+    <dgm:txPr/>
+    <dgm:style>
+      <a:lnRef idx="1">
+        <a:scrgbClr r="0" g="0" b="0"/>
+      </a:lnRef>
+      <a:fillRef idx="3">
+        <a:scrgbClr r="0" g="0" b="0"/>
+      </a:fillRef>
+      <a:effectRef idx="2">
+        <a:scrgbClr r="0" g="0" b="0"/>
+      </a:effectRef>
+      <a:fontRef idx="minor">
+        <a:schemeClr val="lt1"/>
+      </a:fontRef>
+    </dgm:style>
+  </dgm:styleLbl>
+  <dgm:styleLbl name="parChTrans1D1">
+    <dgm:scene3d>
+      <a:camera prst="orthographicFront"/>
+      <a:lightRig rig="threePt" dir="t"/>
+    </dgm:scene3d>
+    <dgm:sp3d/>
+    <dgm:txPr/>
+    <dgm:style>
+      <a:lnRef idx="1">
+        <a:scrgbClr r="0" g="0" b="0"/>
+      </a:lnRef>
+      <a:fillRef idx="0">
+        <a:scrgbClr r="0" g="0" b="0"/>
+      </a:fillRef>
+      <a:effectRef idx="0">
+        <a:scrgbClr r="0" g="0" b="0"/>
+      </a:effectRef>
+      <a:fontRef idx="minor"/>
+    </dgm:style>
+  </dgm:styleLbl>
+  <dgm:styleLbl name="parChTrans1D2">
+    <dgm:scene3d>
+      <a:camera prst="orthographicFront"/>
+      <a:lightRig rig="threePt" dir="t"/>
+    </dgm:scene3d>
+    <dgm:sp3d/>
+    <dgm:txPr/>
+    <dgm:style>
+      <a:lnRef idx="1">
+        <a:scrgbClr r="0" g="0" b="0"/>
+      </a:lnRef>
+      <a:fillRef idx="0">
+        <a:scrgbClr r="0" g="0" b="0"/>
+      </a:fillRef>
+      <a:effectRef idx="0">
+        <a:scrgbClr r="0" g="0" b="0"/>
+      </a:effectRef>
+      <a:fontRef idx="minor"/>
+    </dgm:style>
+  </dgm:styleLbl>
+  <dgm:styleLbl name="parChTrans1D3">
+    <dgm:scene3d>
+      <a:camera prst="orthographicFront"/>
+      <a:lightRig rig="threePt" dir="t"/>
+    </dgm:scene3d>
+    <dgm:sp3d/>
+    <dgm:txPr/>
+    <dgm:style>
+      <a:lnRef idx="1">
+        <a:scrgbClr r="0" g="0" b="0"/>
+      </a:lnRef>
+      <a:fillRef idx="0">
+        <a:scrgbClr r="0" g="0" b="0"/>
+      </a:fillRef>
+      <a:effectRef idx="0">
+        <a:scrgbClr r="0" g="0" b="0"/>
+      </a:effectRef>
+      <a:fontRef idx="minor"/>
+    </dgm:style>
+  </dgm:styleLbl>
+  <dgm:styleLbl name="parChTrans1D4">
+    <dgm:scene3d>
+      <a:camera prst="orthographicFront"/>
+      <a:lightRig rig="threePt" dir="t"/>
+    </dgm:scene3d>
+    <dgm:sp3d/>
+    <dgm:txPr/>
+    <dgm:style>
+      <a:lnRef idx="1">
+        <a:scrgbClr r="0" g="0" b="0"/>
+      </a:lnRef>
+      <a:fillRef idx="0">
+        <a:scrgbClr r="0" g="0" b="0"/>
+      </a:fillRef>
+      <a:effectRef idx="0">
+        <a:scrgbClr r="0" g="0" b="0"/>
+      </a:effectRef>
+      <a:fontRef idx="minor"/>
+    </dgm:style>
+  </dgm:styleLbl>
+  <dgm:styleLbl name="fgAcc1">
+    <dgm:scene3d>
+      <a:camera prst="orthographicFront"/>
+      <a:lightRig rig="threePt" dir="t"/>
+    </dgm:scene3d>
+    <dgm:sp3d/>
+    <dgm:txPr/>
+    <dgm:style>
+      <a:lnRef idx="1">
+        <a:scrgbClr r="0" g="0" b="0"/>
+      </a:lnRef>
+      <a:fillRef idx="1">
+        <a:scrgbClr r="0" g="0" b="0"/>
+      </a:fillRef>
+      <a:effectRef idx="0">
+        <a:scrgbClr r="0" g="0" b="0"/>
+      </a:effectRef>
+      <a:fontRef idx="minor"/>
+    </dgm:style>
+  </dgm:styleLbl>
+  <dgm:styleLbl name="conFgAcc1">
+    <dgm:scene3d>
+      <a:camera prst="orthographicFront"/>
+      <a:lightRig rig="threePt" dir="t"/>
+    </dgm:scene3d>
+    <dgm:sp3d/>
+    <dgm:txPr/>
+    <dgm:style>
+      <a:lnRef idx="1">
+        <a:scrgbClr r="0" g="0" b="0"/>
+      </a:lnRef>
+      <a:fillRef idx="1">
+        <a:scrgbClr r="0" g="0" b="0"/>
+      </a:fillRef>
+      <a:effectRef idx="0">
+        <a:scrgbClr r="0" g="0" b="0"/>
+      </a:effectRef>
+      <a:fontRef idx="minor"/>
+    </dgm:style>
+  </dgm:styleLbl>
+  <dgm:styleLbl name="alignAcc1">
+    <dgm:scene3d>
+      <a:camera prst="orthographicFront"/>
+      <a:lightRig rig="threePt" dir="t"/>
+    </dgm:scene3d>
+    <dgm:sp3d/>
+    <dgm:txPr/>
+    <dgm:style>
+      <a:lnRef idx="1">
+        <a:scrgbClr r="0" g="0" b="0"/>
+      </a:lnRef>
+      <a:fillRef idx="1">
+        <a:scrgbClr r="0" g="0" b="0"/>
+      </a:fillRef>
+      <a:effectRef idx="0">
+        <a:scrgbClr r="0" g="0" b="0"/>
+      </a:effectRef>
+      <a:fontRef idx="minor"/>
+    </dgm:style>
+  </dgm:styleLbl>
+  <dgm:styleLbl name="trAlignAcc1">
+    <dgm:scene3d>
+      <a:camera prst="orthographicFront"/>
+      <a:lightRig rig="threePt" dir="t"/>
+    </dgm:scene3d>
+    <dgm:sp3d/>
+    <dgm:txPr/>
+    <dgm:style>
+      <a:lnRef idx="1">
+        <a:scrgbClr r="0" g="0" b="0"/>
+      </a:lnRef>
+      <a:fillRef idx="1">
+        <a:scrgbClr r="0" g="0" b="0"/>
+      </a:fillRef>
+      <a:effectRef idx="0">
+        <a:scrgbClr r="0" g="0" b="0"/>
+      </a:effectRef>
+      <a:fontRef idx="minor"/>
+    </dgm:style>
+  </dgm:styleLbl>
+  <dgm:styleLbl name="bgAcc1">
+    <dgm:scene3d>
+      <a:camera prst="orthographicFront"/>
+      <a:lightRig rig="threePt" dir="t"/>
+    </dgm:scene3d>
+    <dgm:sp3d/>
+    <dgm:txPr/>
+    <dgm:style>
+      <a:lnRef idx="1">
+        <a:scrgbClr r="0" g="0" b="0"/>
+      </a:lnRef>
+      <a:fillRef idx="1">
+        <a:scrgbClr r="0" g="0" b="0"/>
+      </a:fillRef>
+      <a:effectRef idx="0">
+        <a:scrgbClr r="0" g="0" b="0"/>
+      </a:effectRef>
+      <a:fontRef idx="minor"/>
+    </dgm:style>
+  </dgm:styleLbl>
+  <dgm:styleLbl name="solidFgAcc1">
+    <dgm:scene3d>
+      <a:camera prst="orthographicFront"/>
+      <a:lightRig rig="threePt" dir="t"/>
+    </dgm:scene3d>
+    <dgm:sp3d/>
+    <dgm:txPr/>
+    <dgm:style>
+      <a:lnRef idx="1">
+        <a:scrgbClr r="0" g="0" b="0"/>
+      </a:lnRef>
+      <a:fillRef idx="1">
+        <a:scrgbClr r="0" g="0" b="0"/>
+      </a:fillRef>
+      <a:effectRef idx="0">
+        <a:scrgbClr r="0" g="0" b="0"/>
+      </a:effectRef>
+      <a:fontRef idx="minor"/>
+    </dgm:style>
+  </dgm:styleLbl>
+  <dgm:styleLbl name="solidAlignAcc1">
+    <dgm:scene3d>
+      <a:camera prst="orthographicFront"/>
+      <a:lightRig rig="threePt" dir="t"/>
+    </dgm:scene3d>
+    <dgm:sp3d/>
+    <dgm:txPr/>
+    <dgm:style>
+      <a:lnRef idx="1">
+        <a:scrgbClr r="0" g="0" b="0"/>
+      </a:lnRef>
+      <a:fillRef idx="1">
+        <a:scrgbClr r="0" g="0" b="0"/>
+      </a:fillRef>
+      <a:effectRef idx="0">
+        <a:scrgbClr r="0" g="0" b="0"/>
+      </a:effectRef>
+      <a:fontRef idx="minor"/>
+    </dgm:style>
+  </dgm:styleLbl>
+  <dgm:styleLbl name="solidBgAcc1">
+    <dgm:scene3d>
+      <a:camera prst="orthographicFront"/>
+      <a:lightRig rig="threePt" dir="t"/>
+    </dgm:scene3d>
+    <dgm:sp3d/>
+    <dgm:txPr/>
+    <dgm:style>
+      <a:lnRef idx="1">
+        <a:scrgbClr r="0" g="0" b="0"/>
+      </a:lnRef>
+      <a:fillRef idx="1">
+        <a:scrgbClr r="0" g="0" b="0"/>
+      </a:fillRef>
+      <a:effectRef idx="0">
+        <a:scrgbClr r="0" g="0" b="0"/>
+      </a:effectRef>
+      <a:fontRef idx="minor"/>
+    </dgm:style>
+  </dgm:styleLbl>
+  <dgm:styleLbl name="fgAccFollowNode1">
+    <dgm:scene3d>
+      <a:camera prst="orthographicFront"/>
+      <a:lightRig rig="threePt" dir="t"/>
+    </dgm:scene3d>
+    <dgm:sp3d/>
+    <dgm:txPr/>
+    <dgm:style>
+      <a:lnRef idx="1">
+        <a:scrgbClr r="0" g="0" b="0"/>
+      </a:lnRef>
+      <a:fillRef idx="1">
+        <a:scrgbClr r="0" g="0" b="0"/>
+      </a:fillRef>
+      <a:effectRef idx="0">
+        <a:scrgbClr r="0" g="0" b="0"/>
+      </a:effectRef>
+      <a:fontRef idx="minor"/>
+    </dgm:style>
+  </dgm:styleLbl>
+  <dgm:styleLbl name="alignAccFollowNode1">
+    <dgm:scene3d>
+      <a:camera prst="orthographicFront"/>
+      <a:lightRig rig="threePt" dir="t"/>
+    </dgm:scene3d>
+    <dgm:sp3d/>
+    <dgm:txPr/>
+    <dgm:style>
+      <a:lnRef idx="1">
+        <a:scrgbClr r="0" g="0" b="0"/>
+      </a:lnRef>
+      <a:fillRef idx="1">
+        <a:scrgbClr r="0" g="0" b="0"/>
+      </a:fillRef>
+      <a:effectRef idx="0">
+        <a:scrgbClr r="0" g="0" b="0"/>
+      </a:effectRef>
+      <a:fontRef idx="minor"/>
+    </dgm:style>
+  </dgm:styleLbl>
+  <dgm:styleLbl name="bgAccFollowNode1">
+    <dgm:scene3d>
+      <a:camera prst="orthographicFront"/>
+      <a:lightRig rig="threePt" dir="t"/>
+    </dgm:scene3d>
+    <dgm:sp3d/>
+    <dgm:txPr/>
+    <dgm:style>
+      <a:lnRef idx="1">
+        <a:scrgbClr r="0" g="0" b="0"/>
+      </a:lnRef>
+      <a:fillRef idx="1">
+        <a:scrgbClr r="0" g="0" b="0"/>
+      </a:fillRef>
+      <a:effectRef idx="0">
+        <a:scrgbClr r="0" g="0" b="0"/>
+      </a:effectRef>
+      <a:fontRef idx="minor"/>
+    </dgm:style>
+  </dgm:styleLbl>
+  <dgm:styleLbl name="fgAcc0">
+    <dgm:scene3d>
+      <a:camera prst="orthographicFront"/>
+      <a:lightRig rig="threePt" dir="t"/>
+    </dgm:scene3d>
+    <dgm:sp3d/>
+    <dgm:txPr/>
+    <dgm:style>
+      <a:lnRef idx="1">
+        <a:scrgbClr r="0" g="0" b="0"/>
+      </a:lnRef>
+      <a:fillRef idx="1">
+        <a:scrgbClr r="0" g="0" b="0"/>
+      </a:fillRef>
+      <a:effectRef idx="0">
+        <a:scrgbClr r="0" g="0" b="0"/>
+      </a:effectRef>
+      <a:fontRef idx="minor"/>
+    </dgm:style>
+  </dgm:styleLbl>
+  <dgm:styleLbl name="fgAcc2">
+    <dgm:scene3d>
+      <a:camera prst="orthographicFront"/>
+      <a:lightRig rig="threePt" dir="t"/>
+    </dgm:scene3d>
+    <dgm:sp3d/>
+    <dgm:txPr/>
+    <dgm:style>
+      <a:lnRef idx="1">
+        <a:scrgbClr r="0" g="0" b="0"/>
+      </a:lnRef>
+      <a:fillRef idx="1">
+        <a:scrgbClr r="0" g="0" b="0"/>
+      </a:fillRef>
+      <a:effectRef idx="0">
+        <a:scrgbClr r="0" g="0" b="0"/>
+      </a:effectRef>
+      <a:fontRef idx="minor"/>
+    </dgm:style>
+  </dgm:styleLbl>
+  <dgm:styleLbl name="fgAcc3">
+    <dgm:scene3d>
+      <a:camera prst="orthographicFront"/>
+      <a:lightRig rig="threePt" dir="t"/>
+    </dgm:scene3d>
+    <dgm:sp3d/>
+    <dgm:txPr/>
+    <dgm:style>
+      <a:lnRef idx="1">
+        <a:scrgbClr r="0" g="0" b="0"/>
+      </a:lnRef>
+      <a:fillRef idx="1">
+        <a:scrgbClr r="0" g="0" b="0"/>
+      </a:fillRef>
+      <a:effectRef idx="0">
+        <a:scrgbClr r="0" g="0" b="0"/>
+      </a:effectRef>
+      <a:fontRef idx="minor"/>
+    </dgm:style>
+  </dgm:styleLbl>
+  <dgm:styleLbl name="fgAcc4">
+    <dgm:scene3d>
+      <a:camera prst="orthographicFront"/>
+      <a:lightRig rig="threePt" dir="t"/>
+    </dgm:scene3d>
+    <dgm:sp3d/>
+    <dgm:txPr/>
+    <dgm:style>
+      <a:lnRef idx="1">
+        <a:scrgbClr r="0" g="0" b="0"/>
+      </a:lnRef>
+      <a:fillRef idx="1">
+        <a:scrgbClr r="0" g="0" b="0"/>
+      </a:fillRef>
+      <a:effectRef idx="0">
+        <a:scrgbClr r="0" g="0" b="0"/>
+      </a:effectRef>
+      <a:fontRef idx="minor"/>
+    </dgm:style>
+  </dgm:styleLbl>
+  <dgm:styleLbl name="bgShp">
+    <dgm:scene3d>
+      <a:camera prst="orthographicFront"/>
+      <a:lightRig rig="threePt" dir="t"/>
+    </dgm:scene3d>
+    <dgm:sp3d/>
+    <dgm:txPr/>
+    <dgm:style>
+      <a:lnRef idx="0">
+        <a:scrgbClr r="0" g="0" b="0"/>
+      </a:lnRef>
+      <a:fillRef idx="1">
+        <a:scrgbClr r="0" g="0" b="0"/>
+      </a:fillRef>
+      <a:effectRef idx="2">
+        <a:scrgbClr r="0" g="0" b="0"/>
+      </a:effectRef>
+      <a:fontRef idx="minor"/>
+    </dgm:style>
+  </dgm:styleLbl>
+  <dgm:styleLbl name="dkBgShp">
+    <dgm:scene3d>
+      <a:camera prst="orthographicFront"/>
+      <a:lightRig rig="threePt" dir="t"/>
+    </dgm:scene3d>
+    <dgm:sp3d/>
+    <dgm:txPr/>
+    <dgm:style>
+      <a:lnRef idx="0">
+        <a:scrgbClr r="0" g="0" b="0"/>
+      </a:lnRef>
+      <a:fillRef idx="1">
+        <a:scrgbClr r="0" g="0" b="0"/>
+      </a:fillRef>
+      <a:effectRef idx="2">
+        <a:scrgbClr r="0" g="0" b="0"/>
+      </a:effectRef>
+      <a:fontRef idx="minor"/>
+    </dgm:style>
+  </dgm:styleLbl>
+  <dgm:styleLbl name="trBgShp">
+    <dgm:scene3d>
+      <a:camera prst="orthographicFront"/>
+      <a:lightRig rig="threePt" dir="t"/>
+    </dgm:scene3d>
+    <dgm:sp3d/>
+    <dgm:txPr/>
+    <dgm:style>
+      <a:lnRef idx="0">
+        <a:scrgbClr r="0" g="0" b="0"/>
+      </a:lnRef>
+      <a:fillRef idx="1">
+        <a:scrgbClr r="0" g="0" b="0"/>
+      </a:fillRef>
+      <a:effectRef idx="0">
+        <a:scrgbClr r="0" g="0" b="0"/>
+      </a:effectRef>
+      <a:fontRef idx="minor"/>
+    </dgm:style>
+  </dgm:styleLbl>
+  <dgm:styleLbl name="fgShp">
+    <dgm:scene3d>
+      <a:camera prst="orthographicFront"/>
+      <a:lightRig rig="threePt" dir="t"/>
+    </dgm:scene3d>
+    <dgm:sp3d/>
+    <dgm:txPr/>
+    <dgm:style>
+      <a:lnRef idx="0">
+        <a:scrgbClr r="0" g="0" b="0"/>
+      </a:lnRef>
+      <a:fillRef idx="3">
+        <a:scrgbClr r="0" g="0" b="0"/>
+      </a:fillRef>
+      <a:effectRef idx="2">
+        <a:scrgbClr r="0" g="0" b="0"/>
+      </a:effectRef>
+      <a:fontRef idx="minor"/>
+    </dgm:style>
+  </dgm:styleLbl>
+  <dgm:styleLbl name="revTx">
+    <dgm:scene3d>
+      <a:camera prst="orthographicFront"/>
+      <a:lightRig rig="threePt" dir="t"/>
+    </dgm:scene3d>
+    <dgm:sp3d/>
+    <dgm:txPr/>
+    <dgm:style>
+      <a:lnRef idx="0">
+        <a:scrgbClr r="0" g="0" b="0"/>
+      </a:lnRef>
+      <a:fillRef idx="0">
+        <a:scrgbClr r="0" g="0" b="0"/>
+      </a:fillRef>
+      <a:effectRef idx="0">
+        <a:scrgbClr r="0" g="0" b="0"/>
+      </a:effectRef>
+      <a:fontRef idx="minor"/>
+    </dgm:style>
+  </dgm:styleLbl>
+</dgm:styleDef>
 </file>
 
 <file path=ppt/notesMasters/notesMaster1.xml><?xml version="1.0" encoding="utf-8"?>
@@ -1332,12 +7625,16 @@
               </a:lnSpc>
             </a:pPr>
             <a:r>
-              <a:rPr lang="en-GB" sz="6600" b="0" dirty="0"/>
-              <a:t>a</a:t>
+              <a:rPr lang="en-GB" sz="6600" b="0" dirty="0" smtClean="0"/>
+              <a:t>… a</a:t>
             </a:r>
             <a:r>
               <a:rPr lang="en-GB" sz="6600" b="0" i="0" dirty="0" smtClean="0"/>
-              <a:t>nd some of the systems that use </a:t>
+              <a:t>nd </a:t>
+            </a:r>
+            <a:r>
+              <a:rPr lang="en-GB" sz="6600" b="0" i="0" dirty="0" smtClean="0"/>
+              <a:t>some of the systems that use </a:t>
             </a:r>
             <a:r>
               <a:rPr lang="en-GB" sz="6600" b="0" dirty="0" smtClean="0"/>
@@ -1376,7 +7673,7 @@
         <p:spPr>
           <a:xfrm>
             <a:off x="1611436" y="7342685"/>
-            <a:ext cx="10189781" cy="24338704"/>
+            <a:ext cx="10189781" cy="23978664"/>
           </a:xfrm>
           <a:prstGeom prst="rect">
             <a:avLst/>
@@ -1548,7 +7845,11 @@
           <a:p>
             <a:r>
               <a:rPr lang="en-US" dirty="0" smtClean="0"/>
-              <a:t>The benchmark </a:t>
+              <a:t>The </a:t>
+            </a:r>
+            <a:r>
+              <a:rPr lang="en-US" dirty="0" smtClean="0"/>
+              <a:t>TIP-benchmark </a:t>
             </a:r>
             <a:r>
               <a:rPr lang="en-US" dirty="0"/>
@@ -1625,6 +7926,9 @@
               <a:buFont typeface="Arial"/>
               <a:buChar char="•"/>
             </a:pPr>
+            <a:endParaRPr lang="en-US" b="0" dirty="0" smtClean="0"/>
+          </a:p>
+          <a:p>
             <a:endParaRPr lang="en-US" b="0" dirty="0"/>
           </a:p>
           <a:p>
@@ -1636,108 +7940,23 @@
           <a:p>
             <a:r>
               <a:rPr lang="en-US" b="0" dirty="0" smtClean="0"/>
-              <a:t>We don’t expect all </a:t>
-            </a:r>
-            <a:r>
-              <a:rPr lang="en-US" b="0" dirty="0" err="1" smtClean="0"/>
-              <a:t>provers</a:t>
+              <a:t>We </a:t>
             </a:r>
             <a:r>
               <a:rPr lang="en-US" b="0" dirty="0" smtClean="0"/>
-              <a:t> to support TIP natively. We are developing a set of tools to translate to and from TIP into a variety of other formats. Currently supported are:</a:t>
+              <a:t>are developing a set of tools to translate to and from TIP into a variety of other </a:t>
+            </a:r>
+            <a:r>
+              <a:rPr lang="en-US" b="0" dirty="0" smtClean="0"/>
+              <a:t>formats: </a:t>
             </a:r>
           </a:p>
           <a:p>
-            <a:pPr marL="571500" indent="-571500">
-              <a:buFont typeface="Arial"/>
-              <a:buChar char="•"/>
-            </a:pPr>
-            <a:r>
-              <a:rPr lang="en-US" b="0" dirty="0" smtClean="0"/>
-              <a:t>TIP </a:t>
-            </a:r>
-            <a:r>
-              <a:rPr lang="en-US" b="0" dirty="0" smtClean="0">
-                <a:sym typeface="Wingdings"/>
-              </a:rPr>
-              <a:t> SMT-LIB (CVC4 compatible)</a:t>
-            </a:r>
-          </a:p>
-          <a:p>
-            <a:pPr marL="571500" indent="-571500">
-              <a:buFont typeface="Arial"/>
-              <a:buChar char="•"/>
-            </a:pPr>
-            <a:r>
-              <a:rPr lang="en-US" b="0" dirty="0"/>
-              <a:t>TIP </a:t>
-            </a:r>
-            <a:r>
-              <a:rPr lang="en-US" b="0" dirty="0" smtClean="0">
-                <a:sym typeface="Wingdings"/>
-              </a:rPr>
-              <a:t> </a:t>
-            </a:r>
-            <a:r>
-              <a:rPr lang="en-US" b="0" dirty="0" err="1" smtClean="0">
-                <a:sym typeface="Wingdings"/>
-              </a:rPr>
-              <a:t>WhyML</a:t>
-            </a:r>
-            <a:endParaRPr lang="en-US" b="0" dirty="0" smtClean="0">
+            <a:endParaRPr lang="en-US" b="0" dirty="0">
               <a:sym typeface="Wingdings"/>
             </a:endParaRPr>
           </a:p>
           <a:p>
-            <a:pPr marL="571500" indent="-571500">
-              <a:buFont typeface="Arial"/>
-              <a:buChar char="•"/>
-            </a:pPr>
-            <a:r>
-              <a:rPr lang="en-US" b="0" dirty="0" smtClean="0">
-                <a:sym typeface="Wingdings"/>
-              </a:rPr>
-              <a:t>TIP  Isabelle/HOL </a:t>
-            </a:r>
-            <a:endParaRPr lang="en-US" b="0" dirty="0" smtClean="0">
-              <a:sym typeface="Wingdings"/>
-            </a:endParaRPr>
-          </a:p>
-          <a:p>
-            <a:pPr marL="571500" indent="-571500">
-              <a:buFont typeface="Arial"/>
-              <a:buChar char="•"/>
-            </a:pPr>
-            <a:r>
-              <a:rPr lang="en-US" b="0" dirty="0" smtClean="0">
-                <a:sym typeface="Wingdings"/>
-              </a:rPr>
-              <a:t>TIP</a:t>
-            </a:r>
-            <a:r>
-              <a:rPr lang="en-US" b="0" dirty="0" smtClean="0">
-                <a:sym typeface="Wingdings"/>
-              </a:rPr>
-              <a:t> </a:t>
-            </a:r>
-            <a:r>
-              <a:rPr lang="en-US" b="0" dirty="0" smtClean="0">
-                <a:sym typeface="Wingdings"/>
-              </a:rPr>
-              <a:t></a:t>
-            </a:r>
-            <a:r>
-              <a:rPr lang="en-US" b="0" smtClean="0">
-                <a:sym typeface="Wingdings"/>
-              </a:rPr>
-              <a:t> </a:t>
-            </a:r>
-            <a:r>
-              <a:rPr lang="en-US" b="0" smtClean="0">
-                <a:sym typeface="Wingdings"/>
-              </a:rPr>
-              <a:t>Haskell</a:t>
-            </a:r>
             <a:endParaRPr lang="en-US" b="0" dirty="0" smtClean="0">
               <a:sym typeface="Wingdings"/>
             </a:endParaRPr>
@@ -1748,257 +7967,86 @@
             </a:endParaRPr>
           </a:p>
           <a:p>
-            <a:r>
-              <a:rPr lang="en-US" b="0" dirty="0" smtClean="0"/>
-              <a:t>For </a:t>
-            </a:r>
-            <a:r>
-              <a:rPr lang="en-US" b="0" dirty="0" err="1" smtClean="0"/>
-              <a:t>provers</a:t>
-            </a:r>
-            <a:r>
-              <a:rPr lang="en-US" b="0" dirty="0" smtClean="0"/>
-              <a:t> not supporting all features of the TIP-format we also supply tools to for instance remove higher-order constructs and for </a:t>
-            </a:r>
-            <a:r>
-              <a:rPr lang="en-US" b="0" dirty="0" err="1" smtClean="0"/>
-              <a:t>monomorphisation</a:t>
-            </a:r>
-            <a:r>
-              <a:rPr lang="en-US" b="0" dirty="0" smtClean="0"/>
-              <a:t>.</a:t>
-            </a:r>
+            <a:endParaRPr lang="en-US" b="0" dirty="0" smtClean="0">
+              <a:sym typeface="Wingdings"/>
+            </a:endParaRPr>
+          </a:p>
+          <a:p>
+            <a:endParaRPr lang="en-US" b="0" dirty="0">
+              <a:sym typeface="Wingdings"/>
+            </a:endParaRPr>
+          </a:p>
+          <a:p>
+            <a:endParaRPr lang="en-US" b="0" dirty="0" smtClean="0">
+              <a:sym typeface="Wingdings"/>
+            </a:endParaRPr>
+          </a:p>
+          <a:p>
+            <a:endParaRPr lang="en-US" b="0" dirty="0">
+              <a:sym typeface="Wingdings"/>
+            </a:endParaRPr>
+          </a:p>
+          <a:p>
+            <a:endParaRPr lang="en-US" b="0" dirty="0" smtClean="0"/>
+          </a:p>
+          <a:p>
+            <a:endParaRPr lang="en-US" b="0" dirty="0" smtClean="0"/>
+          </a:p>
+          <a:p>
+            <a:endParaRPr lang="en-US" b="0" dirty="0"/>
+          </a:p>
+          <a:p>
+            <a:endParaRPr lang="en-US" b="0" dirty="0" smtClean="0"/>
+          </a:p>
+          <a:p>
+            <a:endParaRPr lang="en-US" b="0" dirty="0" smtClean="0"/>
+          </a:p>
+          <a:p>
+            <a:endParaRPr lang="en-US" b="0" dirty="0"/>
+          </a:p>
+          <a:p>
+            <a:endParaRPr lang="en-US" b="0" dirty="0"/>
+          </a:p>
+          <a:p>
+            <a:endParaRPr lang="en-US" b="0" dirty="0" smtClean="0"/>
           </a:p>
           <a:p>
             <a:endParaRPr lang="en-US" b="0" dirty="0"/>
           </a:p>
           <a:p>
             <a:r>
-              <a:rPr lang="sv-SE" dirty="0" err="1"/>
-              <a:t>Contribute</a:t>
+              <a:rPr lang="en-US" b="0" dirty="0" smtClean="0"/>
+              <a:t>For </a:t>
             </a:r>
             <a:r>
-              <a:rPr lang="sv-SE" dirty="0"/>
-              <a:t> </a:t>
+              <a:rPr lang="en-US" b="0" dirty="0" err="1"/>
+              <a:t>provers</a:t>
             </a:r>
             <a:r>
-              <a:rPr lang="sv-SE" dirty="0" err="1"/>
-              <a:t>to</a:t>
+              <a:rPr lang="en-US" b="0" dirty="0"/>
+              <a:t> not supporting all features of the TIP-format </a:t>
             </a:r>
             <a:r>
-              <a:rPr lang="sv-SE" dirty="0"/>
-              <a:t> TIP</a:t>
-            </a:r>
-          </a:p>
-          <a:p>
-            <a:r>
-              <a:rPr lang="sv-SE" b="0" dirty="0" err="1"/>
-              <a:t>We</a:t>
+              <a:rPr lang="en-US" b="0" dirty="0" smtClean="0"/>
+              <a:t>the translators can also remove </a:t>
             </a:r>
             <a:r>
-              <a:rPr lang="sv-SE" b="0" dirty="0"/>
-              <a:t> </a:t>
+              <a:rPr lang="en-US" b="0" dirty="0"/>
+              <a:t>higher-order constructs </a:t>
             </a:r>
             <a:r>
-              <a:rPr lang="sv-SE" b="0" dirty="0" err="1"/>
-              <a:t>are</a:t>
+              <a:rPr lang="en-US" b="0" dirty="0" smtClean="0"/>
+              <a:t>and </a:t>
             </a:r>
             <a:r>
-              <a:rPr lang="sv-SE" b="0" dirty="0"/>
-              <a:t> </a:t>
+              <a:rPr lang="en-US" b="0" dirty="0" err="1" smtClean="0"/>
+              <a:t>monomorphise</a:t>
             </a:r>
             <a:r>
-              <a:rPr lang="sv-SE" b="0" dirty="0" err="1"/>
-              <a:t>always</a:t>
+              <a:rPr lang="en-US" b="0" dirty="0" smtClean="0"/>
+              <a:t> problems.</a:t>
             </a:r>
-            <a:r>
-              <a:rPr lang="sv-SE" b="0" dirty="0"/>
-              <a:t> </a:t>
-            </a:r>
-            <a:r>
-              <a:rPr lang="sv-SE" b="0" dirty="0" err="1"/>
-              <a:t>looking</a:t>
-            </a:r>
-            <a:r>
-              <a:rPr lang="sv-SE" b="0" dirty="0"/>
-              <a:t> for </a:t>
-            </a:r>
-            <a:r>
-              <a:rPr lang="sv-SE" b="0" dirty="0" err="1"/>
-              <a:t>more</a:t>
-            </a:r>
-            <a:r>
-              <a:rPr lang="sv-SE" b="0" dirty="0"/>
-              <a:t> </a:t>
-            </a:r>
-            <a:r>
-              <a:rPr lang="sv-SE" b="0" dirty="0" err="1"/>
-              <a:t>challenge</a:t>
-            </a:r>
-            <a:r>
-              <a:rPr lang="sv-SE" b="0" dirty="0"/>
-              <a:t> problems for </a:t>
-            </a:r>
-            <a:r>
-              <a:rPr lang="sv-SE" b="0" dirty="0" err="1"/>
-              <a:t>inductive</a:t>
-            </a:r>
-            <a:r>
-              <a:rPr lang="sv-SE" b="0" dirty="0"/>
-              <a:t> </a:t>
-            </a:r>
-            <a:r>
-              <a:rPr lang="sv-SE" b="0" dirty="0" smtClean="0"/>
-              <a:t>provers, and </a:t>
-            </a:r>
-            <a:r>
-              <a:rPr lang="sv-SE" b="0" dirty="0" err="1" smtClean="0"/>
-              <a:t>also</a:t>
-            </a:r>
-            <a:r>
-              <a:rPr lang="sv-SE" b="0" dirty="0" smtClean="0"/>
-              <a:t> </a:t>
-            </a:r>
-            <a:r>
-              <a:rPr lang="sv-SE" b="0" dirty="0" err="1" smtClean="0"/>
-              <a:t>welcome</a:t>
-            </a:r>
-            <a:r>
-              <a:rPr lang="sv-SE" b="0" dirty="0" smtClean="0"/>
-              <a:t> </a:t>
-            </a:r>
-            <a:r>
-              <a:rPr lang="sv-SE" b="0" dirty="0" err="1" smtClean="0"/>
-              <a:t>additional</a:t>
-            </a:r>
-            <a:r>
-              <a:rPr lang="sv-SE" b="0" dirty="0" smtClean="0"/>
-              <a:t> </a:t>
-            </a:r>
-            <a:r>
-              <a:rPr lang="sv-SE" b="0" dirty="0" err="1" smtClean="0"/>
-              <a:t>translations</a:t>
-            </a:r>
-            <a:r>
-              <a:rPr lang="sv-SE" b="0" dirty="0" smtClean="0"/>
-              <a:t> </a:t>
-            </a:r>
-            <a:r>
-              <a:rPr lang="sv-SE" b="0" dirty="0" err="1" smtClean="0"/>
-              <a:t>to</a:t>
-            </a:r>
-            <a:r>
-              <a:rPr lang="sv-SE" b="0" dirty="0" smtClean="0"/>
-              <a:t> </a:t>
-            </a:r>
-            <a:r>
-              <a:rPr lang="sv-SE" b="0" dirty="0" err="1" smtClean="0"/>
-              <a:t>your</a:t>
-            </a:r>
-            <a:r>
-              <a:rPr lang="sv-SE" b="0" dirty="0" smtClean="0"/>
-              <a:t> </a:t>
-            </a:r>
-            <a:r>
-              <a:rPr lang="sv-SE" b="0" dirty="0" err="1" smtClean="0"/>
-              <a:t>favourite</a:t>
-            </a:r>
-            <a:r>
-              <a:rPr lang="sv-SE" b="0" dirty="0" smtClean="0"/>
-              <a:t> format. </a:t>
-            </a:r>
-            <a:r>
-              <a:rPr lang="sv-SE" b="0" dirty="0" err="1"/>
-              <a:t>Please</a:t>
-            </a:r>
-            <a:r>
-              <a:rPr lang="sv-SE" b="0" dirty="0"/>
-              <a:t> visit the TIP </a:t>
-            </a:r>
-            <a:r>
-              <a:rPr lang="sv-SE" b="0" dirty="0" err="1"/>
-              <a:t>webpage</a:t>
-            </a:r>
-            <a:r>
-              <a:rPr lang="sv-SE" b="0" dirty="0"/>
-              <a:t> for </a:t>
-            </a:r>
-            <a:r>
-              <a:rPr lang="sv-SE" b="0" dirty="0" err="1"/>
-              <a:t>more</a:t>
-            </a:r>
-            <a:r>
-              <a:rPr lang="sv-SE" b="0" dirty="0"/>
-              <a:t> </a:t>
-            </a:r>
-            <a:r>
-              <a:rPr lang="sv-SE" b="0" dirty="0" smtClean="0"/>
-              <a:t>info </a:t>
-            </a:r>
-            <a:r>
-              <a:rPr lang="sv-SE" b="0" dirty="0" err="1" smtClean="0"/>
-              <a:t>about</a:t>
-            </a:r>
-            <a:r>
-              <a:rPr lang="sv-SE" b="0" dirty="0" smtClean="0"/>
-              <a:t> </a:t>
-            </a:r>
-            <a:r>
-              <a:rPr lang="sv-SE" b="0" dirty="0" err="1" smtClean="0"/>
-              <a:t>how</a:t>
-            </a:r>
-            <a:r>
-              <a:rPr lang="sv-SE" b="0" dirty="0" smtClean="0"/>
-              <a:t> </a:t>
-            </a:r>
-            <a:r>
-              <a:rPr lang="sv-SE" b="0" dirty="0" err="1" smtClean="0"/>
-              <a:t>to</a:t>
-            </a:r>
-            <a:r>
-              <a:rPr lang="sv-SE" b="0" dirty="0" smtClean="0"/>
-              <a:t> </a:t>
-            </a:r>
-            <a:r>
-              <a:rPr lang="sv-SE" b="0" dirty="0" err="1" smtClean="0"/>
-              <a:t>contribute</a:t>
-            </a:r>
-            <a:r>
-              <a:rPr lang="sv-SE" b="0" dirty="0" smtClean="0"/>
-              <a:t>: </a:t>
-            </a:r>
-            <a:endParaRPr lang="sv-SE" b="0" dirty="0"/>
-          </a:p>
-          <a:p>
-            <a:pPr algn="ctr"/>
-            <a:r>
-              <a:rPr lang="sv-SE" b="0" dirty="0">
-                <a:latin typeface="Courier New"/>
-                <a:cs typeface="Courier New"/>
-              </a:rPr>
-              <a:t>http://</a:t>
-            </a:r>
-            <a:r>
-              <a:rPr lang="sv-SE" b="0" dirty="0" err="1">
-                <a:latin typeface="Courier New"/>
-                <a:cs typeface="Courier New"/>
-              </a:rPr>
-              <a:t>tip-org.github.io</a:t>
-            </a:r>
-            <a:endParaRPr lang="sv-SE" b="0" dirty="0">
-              <a:latin typeface="Courier New"/>
-              <a:cs typeface="Courier New"/>
-            </a:endParaRPr>
-          </a:p>
-          <a:p>
-            <a:endParaRPr lang="en-US" b="0" dirty="0" smtClean="0"/>
-          </a:p>
-          <a:p>
-            <a:pPr marL="571500" indent="-571500">
-              <a:buFont typeface="Arial"/>
-              <a:buChar char="•"/>
-            </a:pPr>
-            <a:endParaRPr lang="en-US" b="0" dirty="0" smtClean="0"/>
+            <a:endParaRPr lang="en-US" b="0" dirty="0"/>
           </a:p>
           <a:p>
             <a:endParaRPr lang="en-US" b="0" dirty="0"/>
@@ -2016,7 +8064,7 @@
         <p:spPr>
           <a:xfrm>
             <a:off x="13298420" y="7342685"/>
-            <a:ext cx="10081121" cy="24338704"/>
+            <a:ext cx="10081121" cy="23978664"/>
           </a:xfrm>
           <a:prstGeom prst="rect">
             <a:avLst/>
@@ -2163,181 +8211,14 @@
           </a:lstStyle>
           <a:p>
             <a:r>
-              <a:rPr lang="sv-SE" dirty="0" err="1" smtClean="0"/>
-              <a:t>Some</a:t>
-            </a:r>
-            <a:r>
-              <a:rPr lang="sv-SE" dirty="0" smtClean="0"/>
-              <a:t> systems </a:t>
-            </a:r>
-            <a:r>
-              <a:rPr lang="sv-SE" dirty="0" err="1" smtClean="0"/>
-              <a:t>that</a:t>
-            </a:r>
-            <a:r>
-              <a:rPr lang="sv-SE" dirty="0" smtClean="0"/>
-              <a:t> </a:t>
-            </a:r>
-            <a:r>
-              <a:rPr lang="sv-SE" dirty="0" err="1" smtClean="0"/>
-              <a:t>use</a:t>
-            </a:r>
-            <a:r>
-              <a:rPr lang="sv-SE" dirty="0" smtClean="0"/>
-              <a:t> TIP</a:t>
+              <a:rPr lang="en-GB" dirty="0" smtClean="0"/>
+              <a:t>Some systems that use TIP</a:t>
             </a:r>
           </a:p>
           <a:p>
             <a:r>
-              <a:rPr lang="sv-SE" b="0" dirty="0" err="1" smtClean="0"/>
-              <a:t>Our</a:t>
-            </a:r>
-            <a:r>
-              <a:rPr lang="sv-SE" b="0" dirty="0" smtClean="0"/>
-              <a:t> </a:t>
-            </a:r>
-            <a:r>
-              <a:rPr lang="sv-SE" b="0" dirty="0" err="1" smtClean="0"/>
-              <a:t>group</a:t>
-            </a:r>
-            <a:r>
-              <a:rPr lang="sv-SE" b="0" dirty="0" smtClean="0"/>
-              <a:t> at Chalmers </a:t>
-            </a:r>
-            <a:r>
-              <a:rPr lang="sv-SE" b="0" dirty="0" err="1" smtClean="0"/>
-              <a:t>are</a:t>
-            </a:r>
-            <a:r>
-              <a:rPr lang="sv-SE" b="0" dirty="0" smtClean="0"/>
-              <a:t> </a:t>
-            </a:r>
-            <a:r>
-              <a:rPr lang="sv-SE" b="0" dirty="0" err="1" smtClean="0"/>
-              <a:t>developing</a:t>
-            </a:r>
-            <a:r>
-              <a:rPr lang="sv-SE" b="0" dirty="0" smtClean="0"/>
-              <a:t> </a:t>
-            </a:r>
-            <a:r>
-              <a:rPr lang="sv-SE" b="0" dirty="0" err="1" smtClean="0"/>
-              <a:t>several</a:t>
-            </a:r>
-            <a:r>
-              <a:rPr lang="sv-SE" b="0" dirty="0" smtClean="0"/>
-              <a:t> </a:t>
-            </a:r>
-            <a:r>
-              <a:rPr lang="sv-SE" b="0" dirty="0" err="1" smtClean="0"/>
-              <a:t>inductive</a:t>
-            </a:r>
-            <a:r>
-              <a:rPr lang="sv-SE" b="0" dirty="0" smtClean="0"/>
-              <a:t> </a:t>
-            </a:r>
-            <a:r>
-              <a:rPr lang="sv-SE" b="0" dirty="0" err="1" smtClean="0"/>
-              <a:t>theorem</a:t>
-            </a:r>
-            <a:r>
-              <a:rPr lang="sv-SE" b="0" dirty="0" smtClean="0"/>
-              <a:t> </a:t>
-            </a:r>
-            <a:r>
-              <a:rPr lang="sv-SE" b="0" dirty="0" err="1" smtClean="0"/>
-              <a:t>proving</a:t>
-            </a:r>
-            <a:r>
-              <a:rPr lang="sv-SE" b="0" dirty="0" smtClean="0"/>
-              <a:t> </a:t>
-            </a:r>
-            <a:r>
-              <a:rPr lang="sv-SE" b="0" dirty="0" err="1" smtClean="0"/>
-              <a:t>tools</a:t>
-            </a:r>
-            <a:r>
-              <a:rPr lang="sv-SE" b="0" dirty="0" smtClean="0"/>
-              <a:t> </a:t>
-            </a:r>
-            <a:r>
-              <a:rPr lang="sv-SE" b="0" dirty="0" err="1" smtClean="0"/>
-              <a:t>that</a:t>
-            </a:r>
-            <a:r>
-              <a:rPr lang="sv-SE" b="0" dirty="0" smtClean="0"/>
-              <a:t> </a:t>
-            </a:r>
-            <a:r>
-              <a:rPr lang="sv-SE" b="0" dirty="0" err="1" smtClean="0"/>
-              <a:t>have</a:t>
-            </a:r>
-            <a:r>
-              <a:rPr lang="sv-SE" b="0" dirty="0" smtClean="0"/>
-              <a:t> </a:t>
-            </a:r>
-            <a:r>
-              <a:rPr lang="sv-SE" b="0" dirty="0" err="1" smtClean="0"/>
-              <a:t>been</a:t>
-            </a:r>
-            <a:r>
-              <a:rPr lang="sv-SE" b="0" dirty="0" smtClean="0"/>
-              <a:t> </a:t>
-            </a:r>
-            <a:r>
-              <a:rPr lang="sv-SE" b="0" dirty="0" err="1" smtClean="0"/>
-              <a:t>evaluated</a:t>
-            </a:r>
-            <a:r>
-              <a:rPr lang="sv-SE" b="0" dirty="0" smtClean="0"/>
-              <a:t> on </a:t>
-            </a:r>
-            <a:r>
-              <a:rPr lang="sv-SE" b="0" dirty="0" err="1" smtClean="0"/>
-              <a:t>benchmarks</a:t>
-            </a:r>
-            <a:r>
-              <a:rPr lang="sv-SE" b="0" dirty="0" smtClean="0"/>
-              <a:t> from TIP.</a:t>
-            </a:r>
-            <a:endParaRPr lang="sv-SE" b="0" dirty="0"/>
-          </a:p>
-          <a:p>
-            <a:pPr marL="571500" indent="-571500">
-              <a:buFont typeface="Arial"/>
-              <a:buChar char="•"/>
-            </a:pPr>
-            <a:r>
-              <a:rPr lang="sv-SE" dirty="0" err="1" smtClean="0"/>
-              <a:t>QuickSpec</a:t>
-            </a:r>
-            <a:r>
-              <a:rPr lang="sv-SE" b="0" dirty="0" smtClean="0"/>
-              <a:t>: A </a:t>
-            </a:r>
-            <a:r>
-              <a:rPr lang="sv-SE" b="0" dirty="0" err="1" smtClean="0"/>
-              <a:t>conjecture</a:t>
-            </a:r>
-            <a:r>
-              <a:rPr lang="sv-SE" b="0" dirty="0" smtClean="0"/>
-              <a:t> </a:t>
-            </a:r>
-            <a:r>
-              <a:rPr lang="sv-SE" b="0" dirty="0" err="1" smtClean="0"/>
-              <a:t>discovery</a:t>
-            </a:r>
-            <a:r>
-              <a:rPr lang="sv-SE" b="0" dirty="0" smtClean="0"/>
-              <a:t> system for </a:t>
-            </a:r>
-            <a:r>
-              <a:rPr lang="sv-SE" b="0" dirty="0" err="1" smtClean="0"/>
-              <a:t>Haskell</a:t>
-            </a:r>
-            <a:r>
-              <a:rPr lang="sv-SE" b="0" dirty="0" smtClean="0"/>
-              <a:t> programs. </a:t>
+              <a:rPr lang="en-GB" b="0" dirty="0" smtClean="0"/>
+              <a:t>Our group at Chalmers are developing several tools that use TIP.</a:t>
             </a:r>
           </a:p>
           <a:p>
@@ -2346,40 +8227,12 @@
               <a:buChar char="•"/>
             </a:pPr>
             <a:r>
-              <a:rPr lang="sv-SE" dirty="0" err="1" smtClean="0"/>
-              <a:t>HipSpec</a:t>
+              <a:rPr lang="en-GB" dirty="0" err="1" smtClean="0"/>
+              <a:t>QuickSpec</a:t>
             </a:r>
             <a:r>
-              <a:rPr lang="sv-SE" dirty="0" smtClean="0"/>
-              <a:t>: </a:t>
-            </a:r>
-            <a:r>
-              <a:rPr lang="sv-SE" b="0" dirty="0" smtClean="0"/>
-              <a:t>An </a:t>
-            </a:r>
-            <a:r>
-              <a:rPr lang="sv-SE" b="0" dirty="0" err="1" smtClean="0"/>
-              <a:t>automated</a:t>
-            </a:r>
-            <a:r>
-              <a:rPr lang="sv-SE" b="0" dirty="0" smtClean="0"/>
-              <a:t> </a:t>
-            </a:r>
-            <a:r>
-              <a:rPr lang="sv-SE" b="0" dirty="0" err="1" smtClean="0"/>
-              <a:t>inductive</a:t>
-            </a:r>
-            <a:r>
-              <a:rPr lang="sv-SE" b="0" dirty="0" smtClean="0"/>
-              <a:t> prover for </a:t>
-            </a:r>
-            <a:r>
-              <a:rPr lang="sv-SE" b="0" dirty="0" err="1" smtClean="0"/>
-              <a:t>Haskell</a:t>
-            </a:r>
-            <a:r>
-              <a:rPr lang="sv-SE" b="0" dirty="0" smtClean="0"/>
-              <a:t>.</a:t>
+              <a:rPr lang="en-GB" b="0" dirty="0" smtClean="0"/>
+              <a:t>: A conjecture discovery system for Haskell programs. </a:t>
             </a:r>
           </a:p>
           <a:p>
@@ -2388,56 +8241,24 @@
               <a:buChar char="•"/>
             </a:pPr>
             <a:r>
-              <a:rPr lang="sv-SE" dirty="0" err="1" smtClean="0"/>
-              <a:t>Hipster</a:t>
+              <a:rPr lang="en-GB" dirty="0" err="1" smtClean="0"/>
+              <a:t>HipSpec</a:t>
             </a:r>
             <a:r>
-              <a:rPr lang="sv-SE" dirty="0" smtClean="0"/>
-              <a:t>:</a:t>
+              <a:rPr lang="en-GB" dirty="0" smtClean="0"/>
+              <a:t>: </a:t>
             </a:r>
             <a:r>
-              <a:rPr lang="sv-SE" b="0" dirty="0" smtClean="0"/>
-              <a:t> A </a:t>
+              <a:rPr lang="en-GB" b="0" dirty="0" smtClean="0"/>
+              <a:t>An automated inductive </a:t>
             </a:r>
             <a:r>
-              <a:rPr lang="sv-SE" b="0" dirty="0" err="1" smtClean="0"/>
-              <a:t>theory</a:t>
+              <a:rPr lang="en-GB" b="0" dirty="0" err="1" smtClean="0"/>
+              <a:t>prover</a:t>
             </a:r>
             <a:r>
-              <a:rPr lang="sv-SE" b="0" dirty="0" smtClean="0"/>
-              <a:t> </a:t>
-            </a:r>
-            <a:r>
-              <a:rPr lang="sv-SE" b="0" dirty="0" err="1" smtClean="0"/>
-              <a:t>exploration</a:t>
-            </a:r>
-            <a:r>
-              <a:rPr lang="sv-SE" b="0" dirty="0" smtClean="0"/>
-              <a:t> system </a:t>
-            </a:r>
-            <a:r>
-              <a:rPr lang="sv-SE" b="0" dirty="0" err="1" smtClean="0"/>
-              <a:t>which</a:t>
-            </a:r>
-            <a:r>
-              <a:rPr lang="sv-SE" b="0" dirty="0" smtClean="0"/>
-              <a:t> </a:t>
-            </a:r>
-            <a:r>
-              <a:rPr lang="sv-SE" b="0" dirty="0" err="1" smtClean="0"/>
-              <a:t>invents</a:t>
-            </a:r>
-            <a:r>
-              <a:rPr lang="sv-SE" b="0" dirty="0" smtClean="0"/>
-              <a:t> and </a:t>
-            </a:r>
-            <a:r>
-              <a:rPr lang="sv-SE" b="0" dirty="0" err="1" smtClean="0"/>
-              <a:t>proves</a:t>
-            </a:r>
-            <a:r>
-              <a:rPr lang="sv-SE" b="0" dirty="0" smtClean="0"/>
-              <a:t> lemmas for Isabelle/HOL</a:t>
+              <a:rPr lang="en-GB" b="0" dirty="0" smtClean="0"/>
+              <a:t> for Haskell.</a:t>
             </a:r>
           </a:p>
           <a:p>
@@ -2445,157 +8266,286 @@
               <a:buFont typeface="Arial"/>
               <a:buChar char="•"/>
             </a:pPr>
-            <a:endParaRPr lang="sv-SE" b="0" dirty="0"/>
+            <a:r>
+              <a:rPr lang="en-GB" dirty="0" smtClean="0"/>
+              <a:t>Hipster:</a:t>
+            </a:r>
+            <a:r>
+              <a:rPr lang="en-GB" b="0" dirty="0" smtClean="0"/>
+              <a:t> An automated inductive </a:t>
+            </a:r>
+            <a:r>
+              <a:rPr lang="en-GB" b="0" dirty="0" err="1" smtClean="0"/>
+              <a:t>prover</a:t>
+            </a:r>
+            <a:r>
+              <a:rPr lang="en-GB" b="0" dirty="0" smtClean="0"/>
+              <a:t> and theory exploration system for Isabelle/HOL.</a:t>
+            </a:r>
+          </a:p>
+          <a:p>
+            <a:pPr marL="571500" indent="-571500">
+              <a:buFont typeface="Arial"/>
+              <a:buChar char="•"/>
+            </a:pPr>
+            <a:r>
+              <a:rPr lang="en-GB" dirty="0" smtClean="0"/>
+              <a:t>HBMC: </a:t>
+            </a:r>
+            <a:r>
+              <a:rPr lang="en-GB" b="0" dirty="0" smtClean="0"/>
+              <a:t>A counter-example finder using bounded model checking.</a:t>
+            </a:r>
+            <a:endParaRPr lang="en-GB" b="0" dirty="0" smtClean="0"/>
+          </a:p>
+          <a:p>
+            <a:pPr marL="571500" indent="-571500">
+              <a:buFont typeface="Arial"/>
+              <a:buChar char="•"/>
+            </a:pPr>
+            <a:endParaRPr lang="en-GB" b="0" dirty="0" smtClean="0"/>
+          </a:p>
+          <a:p>
+            <a:pPr marL="571500" indent="-571500">
+              <a:buFont typeface="Arial"/>
+              <a:buChar char="•"/>
+            </a:pPr>
+            <a:endParaRPr lang="en-GB" b="0" dirty="0" smtClean="0"/>
+          </a:p>
+          <a:p>
+            <a:pPr marL="571500" indent="-571500">
+              <a:buFont typeface="Arial"/>
+              <a:buChar char="•"/>
+            </a:pPr>
+            <a:endParaRPr lang="en-GB" b="0" dirty="0" smtClean="0"/>
+          </a:p>
+          <a:p>
+            <a:pPr marL="571500" indent="-571500">
+              <a:buFont typeface="Arial"/>
+              <a:buChar char="•"/>
+            </a:pPr>
+            <a:endParaRPr lang="en-GB" b="0" dirty="0" smtClean="0"/>
+          </a:p>
+          <a:p>
+            <a:endParaRPr lang="en-GB" b="0" dirty="0" smtClean="0"/>
+          </a:p>
+          <a:p>
+            <a:endParaRPr lang="en-GB" b="0" dirty="0" smtClean="0"/>
+          </a:p>
+          <a:p>
+            <a:endParaRPr lang="en-GB" b="0" dirty="0" smtClean="0"/>
+          </a:p>
+          <a:p>
+            <a:endParaRPr lang="en-GB" b="0" dirty="0" smtClean="0"/>
+          </a:p>
+          <a:p>
+            <a:endParaRPr lang="en-GB" b="0" dirty="0" smtClean="0"/>
+          </a:p>
+          <a:p>
+            <a:endParaRPr lang="en-GB" b="0" dirty="0" smtClean="0"/>
+          </a:p>
+          <a:p>
+            <a:endParaRPr lang="en-GB" b="0" dirty="0" smtClean="0"/>
+          </a:p>
+          <a:p>
+            <a:endParaRPr lang="en-GB" b="0" dirty="0" smtClean="0"/>
+          </a:p>
+          <a:p>
+            <a:endParaRPr lang="en-GB" b="0" dirty="0" smtClean="0"/>
+          </a:p>
+          <a:p>
+            <a:endParaRPr lang="en-GB" b="0" dirty="0" smtClean="0"/>
           </a:p>
           <a:p>
             <a:r>
-              <a:rPr lang="sv-SE" b="0" dirty="0" err="1" smtClean="0"/>
-              <a:t>Both</a:t>
+              <a:rPr lang="en-GB" b="0" dirty="0" smtClean="0"/>
+              <a:t>Both </a:t>
             </a:r>
             <a:r>
-              <a:rPr lang="sv-SE" b="0" dirty="0" smtClean="0"/>
-              <a:t> </a:t>
-            </a:r>
-            <a:r>
-              <a:rPr lang="sv-SE" b="0" dirty="0" err="1" smtClean="0"/>
+              <a:rPr lang="en-GB" b="0" dirty="0" err="1" smtClean="0"/>
               <a:t>HipSpec</a:t>
             </a:r>
             <a:r>
-              <a:rPr lang="sv-SE" b="0" dirty="0" smtClean="0"/>
-              <a:t> and </a:t>
+              <a:rPr lang="en-GB" b="0" dirty="0" smtClean="0"/>
+              <a:t> and Hipster use </a:t>
             </a:r>
             <a:r>
-              <a:rPr lang="sv-SE" b="0" dirty="0" err="1" smtClean="0"/>
-              <a:t>Hipster</a:t>
-            </a:r>
-            <a:r>
-              <a:rPr lang="sv-SE" b="0" dirty="0" smtClean="0"/>
-              <a:t> </a:t>
-            </a:r>
-            <a:r>
-              <a:rPr lang="sv-SE" b="0" dirty="0" err="1" smtClean="0"/>
-              <a:t>use</a:t>
-            </a:r>
-            <a:r>
-              <a:rPr lang="sv-SE" b="0" dirty="0" smtClean="0"/>
-              <a:t> </a:t>
-            </a:r>
-            <a:r>
-              <a:rPr lang="sv-SE" b="0" dirty="0" err="1" smtClean="0"/>
+              <a:rPr lang="en-GB" b="0" dirty="0" err="1" smtClean="0"/>
               <a:t>QuickSpec</a:t>
             </a:r>
             <a:r>
-              <a:rPr lang="sv-SE" b="0" dirty="0" smtClean="0"/>
-              <a:t> as a </a:t>
+              <a:rPr lang="en-GB" b="0" dirty="0" smtClean="0"/>
+              <a:t> as a backend to automatically suggest interesting conjectures, which the </a:t>
             </a:r>
             <a:r>
-              <a:rPr lang="sv-SE" b="0" dirty="0" err="1" smtClean="0"/>
-              <a:t>backend</a:t>
+              <a:rPr lang="en-GB" b="0" dirty="0" err="1" smtClean="0"/>
+              <a:t>provers</a:t>
             </a:r>
             <a:r>
-              <a:rPr lang="sv-SE" b="0" dirty="0" smtClean="0"/>
-              <a:t> </a:t>
+              <a:rPr lang="en-GB" b="0" dirty="0" smtClean="0"/>
+              <a:t> then may use as lemmas in subsequent inductive proofs.</a:t>
+            </a:r>
+            <a:endParaRPr lang="en-GB" dirty="0" smtClean="0"/>
+          </a:p>
+          <a:p>
+            <a:endParaRPr lang="en-GB" dirty="0" smtClean="0"/>
+          </a:p>
+          <a:p>
+            <a:r>
+              <a:rPr lang="en-GB" dirty="0" smtClean="0"/>
+              <a:t>More reading</a:t>
+            </a:r>
+          </a:p>
+          <a:p>
+            <a:pPr marL="571500" indent="-571500">
+              <a:buFont typeface="Arial"/>
+              <a:buChar char="•"/>
+            </a:pPr>
+            <a:r>
+              <a:rPr lang="en-GB" sz="3200" b="0" i="1" dirty="0" smtClean="0"/>
+              <a:t>TIP: Tons of Inductive Problems.</a:t>
             </a:r>
             <a:r>
-              <a:rPr lang="sv-SE" b="0" dirty="0" err="1" smtClean="0"/>
-              <a:t>to</a:t>
+              <a:rPr lang="en-GB" sz="3200" b="0" dirty="0" smtClean="0"/>
+              <a:t> Conference on Intelligent Computer Mathematics (CICM) 2015.</a:t>
+            </a:r>
+          </a:p>
+          <a:p>
+            <a:pPr marL="571500" indent="-571500">
+              <a:buFont typeface="Arial"/>
+              <a:buChar char="•"/>
+            </a:pPr>
+            <a:r>
+              <a:rPr lang="en-GB" sz="3200" b="0" i="1" dirty="0" smtClean="0"/>
+              <a:t>Automating Inductive Proofs Using Theory Exploration</a:t>
             </a:r>
             <a:r>
-              <a:rPr lang="sv-SE" b="0" dirty="0" smtClean="0"/>
-              <a:t> </a:t>
+              <a:rPr lang="en-GB" sz="3200" b="0" dirty="0" smtClean="0"/>
+              <a:t>. Conference on Automated Deduction (CADE) 2013.</a:t>
+            </a:r>
+          </a:p>
+          <a:p>
+            <a:pPr marL="571500" indent="-571500">
+              <a:buFont typeface="Arial"/>
+              <a:buChar char="•"/>
+            </a:pPr>
+            <a:r>
+              <a:rPr lang="en-GB" sz="3200" b="0" i="1" dirty="0" smtClean="0"/>
+              <a:t>Hipster: Integrating Theory Exploration in a Proof Assistant. </a:t>
             </a:r>
             <a:r>
-              <a:rPr lang="sv-SE" b="0" dirty="0" err="1" smtClean="0"/>
-              <a:t>automatically</a:t>
+              <a:rPr lang="en-GB" sz="3200" b="0" dirty="0" smtClean="0"/>
+              <a:t>Conference on Intelligent Computer Mathematics (CICM) 2014.</a:t>
             </a:r>
-            <a:r>
-              <a:rPr lang="sv-SE" b="0" dirty="0" smtClean="0"/>
-              <a:t> </a:t>
-            </a:r>
-            <a:r>
-              <a:rPr lang="sv-SE" b="0" dirty="0" err="1" smtClean="0"/>
-              <a:t>suggest</a:t>
-            </a:r>
-            <a:r>
-              <a:rPr lang="sv-SE" b="0" dirty="0" smtClean="0"/>
-              <a:t> </a:t>
-            </a:r>
-            <a:r>
-              <a:rPr lang="sv-SE" b="0" dirty="0" err="1" smtClean="0"/>
-              <a:t>interesting</a:t>
-            </a:r>
-            <a:r>
-              <a:rPr lang="sv-SE" b="0" dirty="0" smtClean="0"/>
-              <a:t> </a:t>
-            </a:r>
-            <a:r>
-              <a:rPr lang="sv-SE" b="0" dirty="0" err="1" smtClean="0"/>
-              <a:t>conjectures</a:t>
-            </a:r>
-            <a:r>
-              <a:rPr lang="sv-SE" b="0" dirty="0" smtClean="0"/>
-              <a:t>, </a:t>
-            </a:r>
-            <a:r>
-              <a:rPr lang="sv-SE" b="0" dirty="0" err="1" smtClean="0"/>
-              <a:t>which</a:t>
-            </a:r>
-            <a:r>
-              <a:rPr lang="sv-SE" b="0" dirty="0" smtClean="0"/>
-              <a:t> the provers </a:t>
-            </a:r>
-            <a:r>
-              <a:rPr lang="sv-SE" b="0" dirty="0" err="1" smtClean="0"/>
-              <a:t>then</a:t>
-            </a:r>
-            <a:r>
-              <a:rPr lang="sv-SE" b="0" dirty="0" smtClean="0"/>
-              <a:t> </a:t>
-            </a:r>
-            <a:r>
-              <a:rPr lang="sv-SE" b="0" dirty="0" err="1" smtClean="0"/>
-              <a:t>may</a:t>
-            </a:r>
-            <a:r>
-              <a:rPr lang="sv-SE" b="0" dirty="0" smtClean="0"/>
-              <a:t> </a:t>
-            </a:r>
-            <a:r>
-              <a:rPr lang="sv-SE" b="0" dirty="0" err="1" smtClean="0"/>
-              <a:t>use</a:t>
-            </a:r>
-            <a:r>
-              <a:rPr lang="sv-SE" b="0" dirty="0" smtClean="0"/>
-              <a:t> as lemmas in </a:t>
-            </a:r>
-            <a:r>
-              <a:rPr lang="sv-SE" b="0" dirty="0" err="1" smtClean="0"/>
-              <a:t>subsequent</a:t>
-            </a:r>
-            <a:r>
-              <a:rPr lang="sv-SE" b="0" dirty="0" smtClean="0"/>
-              <a:t> </a:t>
-            </a:r>
-            <a:r>
-              <a:rPr lang="sv-SE" b="0" dirty="0" err="1" smtClean="0"/>
-              <a:t>inductive</a:t>
-            </a:r>
-            <a:r>
-              <a:rPr lang="sv-SE" b="0" dirty="0" smtClean="0"/>
-              <a:t> </a:t>
-            </a:r>
-            <a:r>
-              <a:rPr lang="sv-SE" b="0" dirty="0" err="1" smtClean="0"/>
-              <a:t>proofs</a:t>
-            </a:r>
-            <a:r>
-              <a:rPr lang="sv-SE" b="0" dirty="0" smtClean="0"/>
-              <a:t>.</a:t>
-            </a:r>
+          </a:p>
+          <a:p>
             <a:endParaRPr lang="sv-SE" b="0" dirty="0"/>
           </a:p>
         </p:txBody>
       </p:sp>
+      <p:sp>
+        <p:nvSpPr>
+          <p:cNvPr id="2" name="TextBox 1"/>
+          <p:cNvSpPr txBox="1"/>
+          <p:nvPr/>
+        </p:nvSpPr>
+        <p:spPr>
+          <a:xfrm>
+            <a:off x="1690920" y="31825405"/>
+            <a:ext cx="21363936" cy="1938992"/>
+          </a:xfrm>
+          <a:prstGeom prst="rect">
+            <a:avLst/>
+          </a:prstGeom>
+          <a:noFill/>
+        </p:spPr>
+        <p:txBody>
+          <a:bodyPr wrap="square" rtlCol="0">
+            <a:spAutoFit/>
+          </a:bodyPr>
+          <a:lstStyle/>
+          <a:p>
+            <a:pPr algn="ctr"/>
+            <a:r>
+              <a:rPr lang="en-GB" sz="6000" b="1" dirty="0" smtClean="0"/>
+              <a:t>Got inductive problems? Contribute to TIP!</a:t>
+            </a:r>
+            <a:endParaRPr lang="en-GB" sz="6000" dirty="0" smtClean="0"/>
+          </a:p>
+          <a:p>
+            <a:pPr algn="ctr"/>
+            <a:r>
+              <a:rPr lang="sv-SE" sz="6000" dirty="0" smtClean="0">
+                <a:latin typeface="Courier New"/>
+                <a:cs typeface="Courier New"/>
+              </a:rPr>
+              <a:t>http</a:t>
+            </a:r>
+            <a:r>
+              <a:rPr lang="sv-SE" sz="6000" dirty="0">
+                <a:latin typeface="Courier New"/>
+                <a:cs typeface="Courier New"/>
+              </a:rPr>
+              <a:t>://</a:t>
+            </a:r>
+            <a:r>
+              <a:rPr lang="sv-SE" sz="6000" dirty="0" err="1">
+                <a:latin typeface="Courier New"/>
+                <a:cs typeface="Courier New"/>
+              </a:rPr>
+              <a:t>tip-org.github.io</a:t>
+            </a:r>
+            <a:endParaRPr lang="sv-SE" sz="6000" dirty="0">
+              <a:latin typeface="Courier New"/>
+              <a:cs typeface="Courier New"/>
+            </a:endParaRPr>
+          </a:p>
+        </p:txBody>
+      </p:sp>
+      <p:graphicFrame>
+        <p:nvGraphicFramePr>
+          <p:cNvPr id="5" name="Diagram 4"/>
+          <p:cNvGraphicFramePr/>
+          <p:nvPr>
+            <p:extLst>
+              <p:ext uri="{D42A27DB-BD31-4B8C-83A1-F6EECF244321}">
+                <p14:modId xmlns:p14="http://schemas.microsoft.com/office/powerpoint/2010/main" val="3746224948"/>
+              </p:ext>
+            </p:extLst>
+          </p:nvPr>
+        </p:nvGraphicFramePr>
+        <p:xfrm>
+          <a:off x="1486828" y="20016093"/>
+          <a:ext cx="10153128" cy="8284777"/>
+        </p:xfrm>
+        <a:graphic>
+          <a:graphicData uri="http://schemas.openxmlformats.org/drawingml/2006/diagram">
+            <dgm:relIds xmlns:dgm="http://schemas.openxmlformats.org/drawingml/2006/diagram" xmlns:r="http://schemas.openxmlformats.org/officeDocument/2006/relationships" r:dm="rId3" r:lo="rId4" r:qs="rId5" r:cs="rId6"/>
+          </a:graphicData>
+        </a:graphic>
+      </p:graphicFrame>
+      <p:graphicFrame>
+        <p:nvGraphicFramePr>
+          <p:cNvPr id="8" name="Diagram 7"/>
+          <p:cNvGraphicFramePr/>
+          <p:nvPr>
+            <p:extLst>
+              <p:ext uri="{D42A27DB-BD31-4B8C-83A1-F6EECF244321}">
+                <p14:modId xmlns:p14="http://schemas.microsoft.com/office/powerpoint/2010/main" val="4280001451"/>
+              </p:ext>
+            </p:extLst>
+          </p:nvPr>
+        </p:nvGraphicFramePr>
+        <p:xfrm>
+          <a:off x="12232990" y="14183445"/>
+          <a:ext cx="11529031" cy="8552198"/>
+        </p:xfrm>
+        <a:graphic>
+          <a:graphicData uri="http://schemas.openxmlformats.org/drawingml/2006/diagram">
+            <dgm:relIds xmlns:dgm="http://schemas.openxmlformats.org/drawingml/2006/diagram" xmlns:r="http://schemas.openxmlformats.org/officeDocument/2006/relationships" r:dm="rId8" r:lo="rId9" r:qs="rId10" r:cs="rId11"/>
+          </a:graphicData>
+        </a:graphic>
+      </p:graphicFrame>
     </p:spTree>
   </p:cSld>
   <p:clrMapOvr>

--- a/cicm2015-poster.pptx
+++ b/cicm2015-poster.pptx
@@ -1882,18 +1882,46 @@
         </dgm:presLayoutVars>
       </dgm:prSet>
       <dgm:spPr/>
+      <dgm:t>
+        <a:bodyPr/>
+        <a:lstStyle/>
+        <a:p>
+          <a:endParaRPr lang="en-GB"/>
+        </a:p>
+      </dgm:t>
     </dgm:pt>
     <dgm:pt modelId="{580C5EC2-B321-8348-96A6-69B2D7D9C25A}" type="pres">
       <dgm:prSet presAssocID="{F46A178B-E19F-724F-99EF-E451E2AC192A}" presName="centerShape" presStyleLbl="node0" presStyleIdx="0" presStyleCnt="1"/>
       <dgm:spPr/>
+      <dgm:t>
+        <a:bodyPr/>
+        <a:lstStyle/>
+        <a:p>
+          <a:endParaRPr lang="en-GB"/>
+        </a:p>
+      </dgm:t>
     </dgm:pt>
     <dgm:pt modelId="{7ABBC4B2-E334-5D4A-A8B1-F9B4E7C9213C}" type="pres">
       <dgm:prSet presAssocID="{7CCDD536-CD15-334E-B4D3-4B80927987AE}" presName="parTrans" presStyleLbl="sibTrans2D1" presStyleIdx="0" presStyleCnt="4"/>
       <dgm:spPr/>
+      <dgm:t>
+        <a:bodyPr/>
+        <a:lstStyle/>
+        <a:p>
+          <a:endParaRPr lang="en-GB"/>
+        </a:p>
+      </dgm:t>
     </dgm:pt>
     <dgm:pt modelId="{0BBB25AC-0B10-0840-B720-125AF27BA57D}" type="pres">
       <dgm:prSet presAssocID="{7CCDD536-CD15-334E-B4D3-4B80927987AE}" presName="connectorText" presStyleLbl="sibTrans2D1" presStyleIdx="0" presStyleCnt="4"/>
       <dgm:spPr/>
+      <dgm:t>
+        <a:bodyPr/>
+        <a:lstStyle/>
+        <a:p>
+          <a:endParaRPr lang="en-GB"/>
+        </a:p>
+      </dgm:t>
     </dgm:pt>
     <dgm:pt modelId="{C7ED01B8-1DDB-1F49-A3B7-BDF46B76D552}" type="pres">
       <dgm:prSet presAssocID="{3A90D533-5A64-5147-B455-A1712C6D2C0D}" presName="node" presStyleLbl="node1" presStyleIdx="0" presStyleCnt="4">
@@ -1913,10 +1941,24 @@
     <dgm:pt modelId="{FE4B66CD-C07E-1247-A2F8-E2B1A84C59CA}" type="pres">
       <dgm:prSet presAssocID="{B6A8999E-62F8-F641-8F8C-0437BBA396AF}" presName="parTrans" presStyleLbl="sibTrans2D1" presStyleIdx="1" presStyleCnt="4"/>
       <dgm:spPr/>
+      <dgm:t>
+        <a:bodyPr/>
+        <a:lstStyle/>
+        <a:p>
+          <a:endParaRPr lang="en-GB"/>
+        </a:p>
+      </dgm:t>
     </dgm:pt>
     <dgm:pt modelId="{18522A0C-2FB5-C846-B52D-D5BC273FDCD9}" type="pres">
       <dgm:prSet presAssocID="{B6A8999E-62F8-F641-8F8C-0437BBA396AF}" presName="connectorText" presStyleLbl="sibTrans2D1" presStyleIdx="1" presStyleCnt="4"/>
       <dgm:spPr/>
+      <dgm:t>
+        <a:bodyPr/>
+        <a:lstStyle/>
+        <a:p>
+          <a:endParaRPr lang="en-GB"/>
+        </a:p>
+      </dgm:t>
     </dgm:pt>
     <dgm:pt modelId="{FAFB3D5E-CF76-3044-BF1D-75BDFF452BE4}" type="pres">
       <dgm:prSet presAssocID="{BE8CDE50-AA30-C440-B642-F5BE1BB97B61}" presName="node" presStyleLbl="node1" presStyleIdx="1" presStyleCnt="4">
@@ -1925,14 +1967,35 @@
         </dgm:presLayoutVars>
       </dgm:prSet>
       <dgm:spPr/>
+      <dgm:t>
+        <a:bodyPr/>
+        <a:lstStyle/>
+        <a:p>
+          <a:endParaRPr lang="en-GB"/>
+        </a:p>
+      </dgm:t>
     </dgm:pt>
     <dgm:pt modelId="{AF4C9CB7-0E8A-B04B-8570-C0940F4D65A9}" type="pres">
       <dgm:prSet presAssocID="{3D16CAED-EA4B-394A-9D74-AA86B931A543}" presName="parTrans" presStyleLbl="sibTrans2D1" presStyleIdx="2" presStyleCnt="4"/>
       <dgm:spPr/>
+      <dgm:t>
+        <a:bodyPr/>
+        <a:lstStyle/>
+        <a:p>
+          <a:endParaRPr lang="en-GB"/>
+        </a:p>
+      </dgm:t>
     </dgm:pt>
     <dgm:pt modelId="{3B8331C0-EF4D-9E43-9249-6C60A163EFA4}" type="pres">
       <dgm:prSet presAssocID="{3D16CAED-EA4B-394A-9D74-AA86B931A543}" presName="connectorText" presStyleLbl="sibTrans2D1" presStyleIdx="2" presStyleCnt="4"/>
       <dgm:spPr/>
+      <dgm:t>
+        <a:bodyPr/>
+        <a:lstStyle/>
+        <a:p>
+          <a:endParaRPr lang="en-GB"/>
+        </a:p>
+      </dgm:t>
     </dgm:pt>
     <dgm:pt modelId="{76E86298-7F88-8B44-8992-2543A0365208}" type="pres">
       <dgm:prSet presAssocID="{09B4DD7A-7BF2-E04B-8B51-3A09650E159A}" presName="node" presStyleLbl="node1" presStyleIdx="2" presStyleCnt="4">
@@ -1952,10 +2015,24 @@
     <dgm:pt modelId="{9C670869-D0D4-364D-8B70-023CAC2ECE89}" type="pres">
       <dgm:prSet presAssocID="{4355D6B0-6858-9D41-9195-0FE000E7AB9A}" presName="parTrans" presStyleLbl="sibTrans2D1" presStyleIdx="3" presStyleCnt="4"/>
       <dgm:spPr/>
+      <dgm:t>
+        <a:bodyPr/>
+        <a:lstStyle/>
+        <a:p>
+          <a:endParaRPr lang="en-GB"/>
+        </a:p>
+      </dgm:t>
     </dgm:pt>
     <dgm:pt modelId="{13D8A98B-B9A6-2848-B6A1-F8F3A8213E59}" type="pres">
       <dgm:prSet presAssocID="{4355D6B0-6858-9D41-9195-0FE000E7AB9A}" presName="connectorText" presStyleLbl="sibTrans2D1" presStyleIdx="3" presStyleCnt="4"/>
       <dgm:spPr/>
+      <dgm:t>
+        <a:bodyPr/>
+        <a:lstStyle/>
+        <a:p>
+          <a:endParaRPr lang="en-GB"/>
+        </a:p>
+      </dgm:t>
     </dgm:pt>
     <dgm:pt modelId="{DF9D8650-9AA8-FC4B-8E10-265DB3B343F0}" type="pres">
       <dgm:prSet presAssocID="{6C105103-6249-244B-9274-06EF3A7FCED2}" presName="node" presStyleLbl="node1" presStyleIdx="3" presStyleCnt="4">
@@ -1964,29 +2041,36 @@
         </dgm:presLayoutVars>
       </dgm:prSet>
       <dgm:spPr/>
+      <dgm:t>
+        <a:bodyPr/>
+        <a:lstStyle/>
+        <a:p>
+          <a:endParaRPr lang="en-GB"/>
+        </a:p>
+      </dgm:t>
     </dgm:pt>
   </dgm:ptLst>
   <dgm:cxnLst>
+    <dgm:cxn modelId="{91BC8721-62E1-D749-8369-8CF2D3FCAAF0}" type="presOf" srcId="{3A90D533-5A64-5147-B455-A1712C6D2C0D}" destId="{C7ED01B8-1DDB-1F49-A3B7-BDF46B76D552}" srcOrd="0" destOrd="0" presId="urn:microsoft.com/office/officeart/2005/8/layout/radial5"/>
+    <dgm:cxn modelId="{9C76FEA8-3A52-314B-9259-53EEE8B4C06D}" type="presOf" srcId="{4355D6B0-6858-9D41-9195-0FE000E7AB9A}" destId="{13D8A98B-B9A6-2848-B6A1-F8F3A8213E59}" srcOrd="1" destOrd="0" presId="urn:microsoft.com/office/officeart/2005/8/layout/radial5"/>
+    <dgm:cxn modelId="{D1B4D98E-B2B7-1E46-9199-E38167D07D75}" type="presOf" srcId="{B6A8999E-62F8-F641-8F8C-0437BBA396AF}" destId="{FE4B66CD-C07E-1247-A2F8-E2B1A84C59CA}" srcOrd="0" destOrd="0" presId="urn:microsoft.com/office/officeart/2005/8/layout/radial5"/>
+    <dgm:cxn modelId="{662773A3-1F39-5C42-9B47-6C481666C01B}" type="presOf" srcId="{F46A178B-E19F-724F-99EF-E451E2AC192A}" destId="{580C5EC2-B321-8348-96A6-69B2D7D9C25A}" srcOrd="0" destOrd="0" presId="urn:microsoft.com/office/officeart/2005/8/layout/radial5"/>
+    <dgm:cxn modelId="{A73A4867-18B9-3E4A-8087-620F28C35E0D}" type="presOf" srcId="{7CCDD536-CD15-334E-B4D3-4B80927987AE}" destId="{7ABBC4B2-E334-5D4A-A8B1-F9B4E7C9213C}" srcOrd="0" destOrd="0" presId="urn:microsoft.com/office/officeart/2005/8/layout/radial5"/>
+    <dgm:cxn modelId="{63CFBBB8-493E-7B4D-95C2-3DA6CE4534E3}" srcId="{F46A178B-E19F-724F-99EF-E451E2AC192A}" destId="{09B4DD7A-7BF2-E04B-8B51-3A09650E159A}" srcOrd="2" destOrd="0" parTransId="{3D16CAED-EA4B-394A-9D74-AA86B931A543}" sibTransId="{38F50254-0465-8C4C-BB30-CF1EF28A7CCB}"/>
+    <dgm:cxn modelId="{B33A013D-389E-FA46-8E2D-FC8C6E8A41C9}" type="presOf" srcId="{3D16CAED-EA4B-394A-9D74-AA86B931A543}" destId="{AF4C9CB7-0E8A-B04B-8570-C0940F4D65A9}" srcOrd="0" destOrd="0" presId="urn:microsoft.com/office/officeart/2005/8/layout/radial5"/>
+    <dgm:cxn modelId="{CBF32032-E9C0-F94A-A41D-40B5804B13AD}" type="presOf" srcId="{3D16CAED-EA4B-394A-9D74-AA86B931A543}" destId="{3B8331C0-EF4D-9E43-9249-6C60A163EFA4}" srcOrd="1" destOrd="0" presId="urn:microsoft.com/office/officeart/2005/8/layout/radial5"/>
+    <dgm:cxn modelId="{2EA3EE56-FABF-BA46-87B4-649D44431463}" type="presOf" srcId="{B6A8999E-62F8-F641-8F8C-0437BBA396AF}" destId="{18522A0C-2FB5-C846-B52D-D5BC273FDCD9}" srcOrd="1" destOrd="0" presId="urn:microsoft.com/office/officeart/2005/8/layout/radial5"/>
+    <dgm:cxn modelId="{7063D459-322C-9543-9459-67D8462EF8A8}" type="presOf" srcId="{C8C0CBDC-5F1D-3849-B649-0B2A80BFAED5}" destId="{C53D66F3-B88D-9045-87B3-5B19C55E318C}" srcOrd="0" destOrd="0" presId="urn:microsoft.com/office/officeart/2005/8/layout/radial5"/>
+    <dgm:cxn modelId="{59844860-1563-CC43-8F6C-9CCE4E054B5C}" srcId="{C8C0CBDC-5F1D-3849-B649-0B2A80BFAED5}" destId="{57212AE7-8CDC-654C-9AE6-36194BD2727B}" srcOrd="1" destOrd="0" parTransId="{AF4C51BA-641B-F948-9F93-D955424EBF9F}" sibTransId="{F3C5A20D-4C91-E641-B084-217A348B9656}"/>
+    <dgm:cxn modelId="{ED5A6582-AC78-AD4E-8EBD-30F99D89B916}" type="presOf" srcId="{BE8CDE50-AA30-C440-B642-F5BE1BB97B61}" destId="{FAFB3D5E-CF76-3044-BF1D-75BDFF452BE4}" srcOrd="0" destOrd="0" presId="urn:microsoft.com/office/officeart/2005/8/layout/radial5"/>
+    <dgm:cxn modelId="{E6540C31-A0C0-1A4C-BA48-5DB7EAFBA7A3}" srcId="{F46A178B-E19F-724F-99EF-E451E2AC192A}" destId="{6C105103-6249-244B-9274-06EF3A7FCED2}" srcOrd="3" destOrd="0" parTransId="{4355D6B0-6858-9D41-9195-0FE000E7AB9A}" sibTransId="{7C3BF529-B095-1E4C-ABAF-E4BB5B90A89C}"/>
+    <dgm:cxn modelId="{99C33F50-E443-4741-936B-8F6692895481}" type="presOf" srcId="{6C105103-6249-244B-9274-06EF3A7FCED2}" destId="{DF9D8650-9AA8-FC4B-8E10-265DB3B343F0}" srcOrd="0" destOrd="0" presId="urn:microsoft.com/office/officeart/2005/8/layout/radial5"/>
+    <dgm:cxn modelId="{11BC1C1D-35A6-C14E-96F9-284DE41A70E2}" srcId="{F46A178B-E19F-724F-99EF-E451E2AC192A}" destId="{BE8CDE50-AA30-C440-B642-F5BE1BB97B61}" srcOrd="1" destOrd="0" parTransId="{B6A8999E-62F8-F641-8F8C-0437BBA396AF}" sibTransId="{4F18A2D7-C60B-0E46-8A7A-55D394F54A74}"/>
+    <dgm:cxn modelId="{FDC4D18C-95FB-524C-9C83-0FB887BD6828}" srcId="{C8C0CBDC-5F1D-3849-B649-0B2A80BFAED5}" destId="{F46A178B-E19F-724F-99EF-E451E2AC192A}" srcOrd="0" destOrd="0" parTransId="{46BDF1FE-02F1-0644-A708-5D9DFB89A1D4}" sibTransId="{58F784D9-8447-F34F-A74D-0BB13794CC50}"/>
     <dgm:cxn modelId="{8AEDC194-9BE0-414F-81A8-87D168303C64}" srcId="{F46A178B-E19F-724F-99EF-E451E2AC192A}" destId="{3A90D533-5A64-5147-B455-A1712C6D2C0D}" srcOrd="0" destOrd="0" parTransId="{7CCDD536-CD15-334E-B4D3-4B80927987AE}" sibTransId="{7BEED671-7565-DF4C-9A18-50C27EAABBB0}"/>
-    <dgm:cxn modelId="{59844860-1563-CC43-8F6C-9CCE4E054B5C}" srcId="{C8C0CBDC-5F1D-3849-B649-0B2A80BFAED5}" destId="{57212AE7-8CDC-654C-9AE6-36194BD2727B}" srcOrd="1" destOrd="0" parTransId="{AF4C51BA-641B-F948-9F93-D955424EBF9F}" sibTransId="{F3C5A20D-4C91-E641-B084-217A348B9656}"/>
+    <dgm:cxn modelId="{22C4BB1B-B173-C247-ADCC-8CB85FC6CACE}" type="presOf" srcId="{4355D6B0-6858-9D41-9195-0FE000E7AB9A}" destId="{9C670869-D0D4-364D-8B70-023CAC2ECE89}" srcOrd="0" destOrd="0" presId="urn:microsoft.com/office/officeart/2005/8/layout/radial5"/>
     <dgm:cxn modelId="{080733DD-9635-9941-BFA5-77B34239F124}" type="presOf" srcId="{09B4DD7A-7BF2-E04B-8B51-3A09650E159A}" destId="{76E86298-7F88-8B44-8992-2543A0365208}" srcOrd="0" destOrd="0" presId="urn:microsoft.com/office/officeart/2005/8/layout/radial5"/>
-    <dgm:cxn modelId="{662773A3-1F39-5C42-9B47-6C481666C01B}" type="presOf" srcId="{F46A178B-E19F-724F-99EF-E451E2AC192A}" destId="{580C5EC2-B321-8348-96A6-69B2D7D9C25A}" srcOrd="0" destOrd="0" presId="urn:microsoft.com/office/officeart/2005/8/layout/radial5"/>
-    <dgm:cxn modelId="{D1B4D98E-B2B7-1E46-9199-E38167D07D75}" type="presOf" srcId="{B6A8999E-62F8-F641-8F8C-0437BBA396AF}" destId="{FE4B66CD-C07E-1247-A2F8-E2B1A84C59CA}" srcOrd="0" destOrd="0" presId="urn:microsoft.com/office/officeart/2005/8/layout/radial5"/>
-    <dgm:cxn modelId="{11BC1C1D-35A6-C14E-96F9-284DE41A70E2}" srcId="{F46A178B-E19F-724F-99EF-E451E2AC192A}" destId="{BE8CDE50-AA30-C440-B642-F5BE1BB97B61}" srcOrd="1" destOrd="0" parTransId="{B6A8999E-62F8-F641-8F8C-0437BBA396AF}" sibTransId="{4F18A2D7-C60B-0E46-8A7A-55D394F54A74}"/>
-    <dgm:cxn modelId="{A73A4867-18B9-3E4A-8087-620F28C35E0D}" type="presOf" srcId="{7CCDD536-CD15-334E-B4D3-4B80927987AE}" destId="{7ABBC4B2-E334-5D4A-A8B1-F9B4E7C9213C}" srcOrd="0" destOrd="0" presId="urn:microsoft.com/office/officeart/2005/8/layout/radial5"/>
-    <dgm:cxn modelId="{99C33F50-E443-4741-936B-8F6692895481}" type="presOf" srcId="{6C105103-6249-244B-9274-06EF3A7FCED2}" destId="{DF9D8650-9AA8-FC4B-8E10-265DB3B343F0}" srcOrd="0" destOrd="0" presId="urn:microsoft.com/office/officeart/2005/8/layout/radial5"/>
-    <dgm:cxn modelId="{63CFBBB8-493E-7B4D-95C2-3DA6CE4534E3}" srcId="{F46A178B-E19F-724F-99EF-E451E2AC192A}" destId="{09B4DD7A-7BF2-E04B-8B51-3A09650E159A}" srcOrd="2" destOrd="0" parTransId="{3D16CAED-EA4B-394A-9D74-AA86B931A543}" sibTransId="{38F50254-0465-8C4C-BB30-CF1EF28A7CCB}"/>
-    <dgm:cxn modelId="{7063D459-322C-9543-9459-67D8462EF8A8}" type="presOf" srcId="{C8C0CBDC-5F1D-3849-B649-0B2A80BFAED5}" destId="{C53D66F3-B88D-9045-87B3-5B19C55E318C}" srcOrd="0" destOrd="0" presId="urn:microsoft.com/office/officeart/2005/8/layout/radial5"/>
-    <dgm:cxn modelId="{B33A013D-389E-FA46-8E2D-FC8C6E8A41C9}" type="presOf" srcId="{3D16CAED-EA4B-394A-9D74-AA86B931A543}" destId="{AF4C9CB7-0E8A-B04B-8570-C0940F4D65A9}" srcOrd="0" destOrd="0" presId="urn:microsoft.com/office/officeart/2005/8/layout/radial5"/>
-    <dgm:cxn modelId="{91BC8721-62E1-D749-8369-8CF2D3FCAAF0}" type="presOf" srcId="{3A90D533-5A64-5147-B455-A1712C6D2C0D}" destId="{C7ED01B8-1DDB-1F49-A3B7-BDF46B76D552}" srcOrd="0" destOrd="0" presId="urn:microsoft.com/office/officeart/2005/8/layout/radial5"/>
     <dgm:cxn modelId="{3BD97DC4-0F81-3E4E-B1FB-42DD848A6F07}" type="presOf" srcId="{7CCDD536-CD15-334E-B4D3-4B80927987AE}" destId="{0BBB25AC-0B10-0840-B720-125AF27BA57D}" srcOrd="1" destOrd="0" presId="urn:microsoft.com/office/officeart/2005/8/layout/radial5"/>
-    <dgm:cxn modelId="{2EA3EE56-FABF-BA46-87B4-649D44431463}" type="presOf" srcId="{B6A8999E-62F8-F641-8F8C-0437BBA396AF}" destId="{18522A0C-2FB5-C846-B52D-D5BC273FDCD9}" srcOrd="1" destOrd="0" presId="urn:microsoft.com/office/officeart/2005/8/layout/radial5"/>
-    <dgm:cxn modelId="{22C4BB1B-B173-C247-ADCC-8CB85FC6CACE}" type="presOf" srcId="{4355D6B0-6858-9D41-9195-0FE000E7AB9A}" destId="{9C670869-D0D4-364D-8B70-023CAC2ECE89}" srcOrd="0" destOrd="0" presId="urn:microsoft.com/office/officeart/2005/8/layout/radial5"/>
-    <dgm:cxn modelId="{9C76FEA8-3A52-314B-9259-53EEE8B4C06D}" type="presOf" srcId="{4355D6B0-6858-9D41-9195-0FE000E7AB9A}" destId="{13D8A98B-B9A6-2848-B6A1-F8F3A8213E59}" srcOrd="1" destOrd="0" presId="urn:microsoft.com/office/officeart/2005/8/layout/radial5"/>
-    <dgm:cxn modelId="{E6540C31-A0C0-1A4C-BA48-5DB7EAFBA7A3}" srcId="{F46A178B-E19F-724F-99EF-E451E2AC192A}" destId="{6C105103-6249-244B-9274-06EF3A7FCED2}" srcOrd="3" destOrd="0" parTransId="{4355D6B0-6858-9D41-9195-0FE000E7AB9A}" sibTransId="{7C3BF529-B095-1E4C-ABAF-E4BB5B90A89C}"/>
-    <dgm:cxn modelId="{CBF32032-E9C0-F94A-A41D-40B5804B13AD}" type="presOf" srcId="{3D16CAED-EA4B-394A-9D74-AA86B931A543}" destId="{3B8331C0-EF4D-9E43-9249-6C60A163EFA4}" srcOrd="1" destOrd="0" presId="urn:microsoft.com/office/officeart/2005/8/layout/radial5"/>
-    <dgm:cxn modelId="{FDC4D18C-95FB-524C-9C83-0FB887BD6828}" srcId="{C8C0CBDC-5F1D-3849-B649-0B2A80BFAED5}" destId="{F46A178B-E19F-724F-99EF-E451E2AC192A}" srcOrd="0" destOrd="0" parTransId="{46BDF1FE-02F1-0644-A708-5D9DFB89A1D4}" sibTransId="{58F784D9-8447-F34F-A74D-0BB13794CC50}"/>
-    <dgm:cxn modelId="{ED5A6582-AC78-AD4E-8EBD-30F99D89B916}" type="presOf" srcId="{BE8CDE50-AA30-C440-B642-F5BE1BB97B61}" destId="{FAFB3D5E-CF76-3044-BF1D-75BDFF452BE4}" srcOrd="0" destOrd="0" presId="urn:microsoft.com/office/officeart/2005/8/layout/radial5"/>
     <dgm:cxn modelId="{2D6B6E21-E1F8-FF49-8B3E-C5B3BB6A8371}" type="presParOf" srcId="{C53D66F3-B88D-9045-87B3-5B19C55E318C}" destId="{580C5EC2-B321-8348-96A6-69B2D7D9C25A}" srcOrd="0" destOrd="0" presId="urn:microsoft.com/office/officeart/2005/8/layout/radial5"/>
     <dgm:cxn modelId="{78DC60D4-8560-5944-B997-AF1612D90042}" type="presParOf" srcId="{C53D66F3-B88D-9045-87B3-5B19C55E318C}" destId="{7ABBC4B2-E334-5D4A-A8B1-F9B4E7C9213C}" srcOrd="1" destOrd="0" presId="urn:microsoft.com/office/officeart/2005/8/layout/radial5"/>
     <dgm:cxn modelId="{FF5C9135-093D-9B40-B901-F5DB337807A3}" type="presParOf" srcId="{7ABBC4B2-E334-5D4A-A8B1-F9B4E7C9213C}" destId="{0BBB25AC-0B10-0840-B720-125AF27BA57D}" srcOrd="0" destOrd="0" presId="urn:microsoft.com/office/officeart/2005/8/layout/radial5"/>
@@ -2113,7 +2197,9 @@
     </dgm:pt>
     <dgm:pt modelId="{98491BB1-768B-5C4B-BBC3-39A091E47C34}" type="parTrans" cxnId="{7ABF3385-CA6A-EA44-9F79-7E236A299F4B}">
       <dgm:prSet/>
-      <dgm:spPr/>
+      <dgm:spPr>
+        <a:ln w="76200" cmpd="sng"/>
+      </dgm:spPr>
       <dgm:t>
         <a:bodyPr/>
         <a:lstStyle/>
@@ -2172,7 +2258,13 @@
     </dgm:pt>
     <dgm:pt modelId="{96911CD6-94BE-734D-B6F5-9F613B27B356}" type="parTrans" cxnId="{40685C87-4A07-F74E-AE49-671BD13C571F}">
       <dgm:prSet/>
-      <dgm:spPr/>
+      <dgm:spPr>
+        <a:ln w="76200" cmpd="sng">
+          <a:solidFill>
+            <a:schemeClr val="tx1"/>
+          </a:solidFill>
+        </a:ln>
+      </dgm:spPr>
       <dgm:t>
         <a:bodyPr/>
         <a:lstStyle/>
@@ -2233,7 +2325,13 @@
     </dgm:pt>
     <dgm:pt modelId="{3EC18492-01B6-7047-A283-B6F138227FEA}" type="parTrans" cxnId="{140766C6-3E5C-5447-BE34-C84F730ED02E}">
       <dgm:prSet/>
-      <dgm:spPr/>
+      <dgm:spPr>
+        <a:ln w="76200" cmpd="sng">
+          <a:solidFill>
+            <a:schemeClr val="tx1"/>
+          </a:solidFill>
+        </a:ln>
+      </dgm:spPr>
       <dgm:t>
         <a:bodyPr/>
         <a:lstStyle/>
@@ -2282,7 +2380,13 @@
     </dgm:pt>
     <dgm:pt modelId="{794178FC-0D1D-7C49-A0A0-C552ED482260}" type="parTrans" cxnId="{B5F1ADF6-1A18-FA4F-8562-2E185ACFDF82}">
       <dgm:prSet/>
-      <dgm:spPr/>
+      <dgm:spPr>
+        <a:ln w="76200" cmpd="sng">
+          <a:solidFill>
+            <a:schemeClr val="tx1"/>
+          </a:solidFill>
+        </a:ln>
+      </dgm:spPr>
       <dgm:t>
         <a:bodyPr/>
         <a:lstStyle/>
@@ -2312,18 +2416,46 @@
         </dgm:presLayoutVars>
       </dgm:prSet>
       <dgm:spPr/>
+      <dgm:t>
+        <a:bodyPr/>
+        <a:lstStyle/>
+        <a:p>
+          <a:endParaRPr lang="en-GB"/>
+        </a:p>
+      </dgm:t>
     </dgm:pt>
     <dgm:pt modelId="{6DF4C925-8CC6-AA47-A6CA-DE412B686264}" type="pres">
       <dgm:prSet presAssocID="{F14CB638-B74D-ED4C-BD8E-FDD9E09910C7}" presName="centerShape" presStyleLbl="node0" presStyleIdx="0" presStyleCnt="1"/>
       <dgm:spPr/>
+      <dgm:t>
+        <a:bodyPr/>
+        <a:lstStyle/>
+        <a:p>
+          <a:endParaRPr lang="en-GB"/>
+        </a:p>
+      </dgm:t>
     </dgm:pt>
     <dgm:pt modelId="{A22B6FC2-B0DC-3B46-970A-600D67EE71BA}" type="pres">
       <dgm:prSet presAssocID="{3EC18492-01B6-7047-A283-B6F138227FEA}" presName="Name9" presStyleLbl="parChTrans1D2" presStyleIdx="0" presStyleCnt="4"/>
       <dgm:spPr/>
+      <dgm:t>
+        <a:bodyPr/>
+        <a:lstStyle/>
+        <a:p>
+          <a:endParaRPr lang="en-GB"/>
+        </a:p>
+      </dgm:t>
     </dgm:pt>
     <dgm:pt modelId="{3E336E57-605E-2F4E-A66E-F2A81FCAB3ED}" type="pres">
       <dgm:prSet presAssocID="{3EC18492-01B6-7047-A283-B6F138227FEA}" presName="connTx" presStyleLbl="parChTrans1D2" presStyleIdx="0" presStyleCnt="4"/>
       <dgm:spPr/>
+      <dgm:t>
+        <a:bodyPr/>
+        <a:lstStyle/>
+        <a:p>
+          <a:endParaRPr lang="en-GB"/>
+        </a:p>
+      </dgm:t>
     </dgm:pt>
     <dgm:pt modelId="{A03AAEB2-4E4C-4F44-868C-7CF6E7FA7998}" type="pres">
       <dgm:prSet presAssocID="{C7EBA55C-F2E2-E246-9DDC-9E71A33AB76F}" presName="node" presStyleLbl="node1" presStyleIdx="0" presStyleCnt="4" custRadScaleRad="143120" custRadScaleInc="-98494">
@@ -2343,10 +2475,24 @@
     <dgm:pt modelId="{42921DDD-7DC4-2249-B141-428EACE2D266}" type="pres">
       <dgm:prSet presAssocID="{98491BB1-768B-5C4B-BBC3-39A091E47C34}" presName="Name9" presStyleLbl="parChTrans1D2" presStyleIdx="1" presStyleCnt="4"/>
       <dgm:spPr/>
+      <dgm:t>
+        <a:bodyPr/>
+        <a:lstStyle/>
+        <a:p>
+          <a:endParaRPr lang="en-GB"/>
+        </a:p>
+      </dgm:t>
     </dgm:pt>
     <dgm:pt modelId="{5570C892-DB8B-4946-8690-42ED6A283EAF}" type="pres">
       <dgm:prSet presAssocID="{98491BB1-768B-5C4B-BBC3-39A091E47C34}" presName="connTx" presStyleLbl="parChTrans1D2" presStyleIdx="1" presStyleCnt="4"/>
       <dgm:spPr/>
+      <dgm:t>
+        <a:bodyPr/>
+        <a:lstStyle/>
+        <a:p>
+          <a:endParaRPr lang="en-GB"/>
+        </a:p>
+      </dgm:t>
     </dgm:pt>
     <dgm:pt modelId="{2A1B689B-C457-BF48-A151-610190C99530}" type="pres">
       <dgm:prSet presAssocID="{93CA8E9A-841B-DB41-A61D-61546E7D2525}" presName="node" presStyleLbl="node1" presStyleIdx="1" presStyleCnt="4" custRadScaleRad="139724" custRadScaleInc="-102008">
@@ -2366,10 +2512,24 @@
     <dgm:pt modelId="{17839772-0060-FB46-9D5E-11DCC87894C3}" type="pres">
       <dgm:prSet presAssocID="{96911CD6-94BE-734D-B6F5-9F613B27B356}" presName="Name9" presStyleLbl="parChTrans1D2" presStyleIdx="2" presStyleCnt="4"/>
       <dgm:spPr/>
+      <dgm:t>
+        <a:bodyPr/>
+        <a:lstStyle/>
+        <a:p>
+          <a:endParaRPr lang="en-GB"/>
+        </a:p>
+      </dgm:t>
     </dgm:pt>
     <dgm:pt modelId="{2E6D9793-4081-5F49-A5E7-0A0F2FD8DF82}" type="pres">
       <dgm:prSet presAssocID="{96911CD6-94BE-734D-B6F5-9F613B27B356}" presName="connTx" presStyleLbl="parChTrans1D2" presStyleIdx="2" presStyleCnt="4"/>
       <dgm:spPr/>
+      <dgm:t>
+        <a:bodyPr/>
+        <a:lstStyle/>
+        <a:p>
+          <a:endParaRPr lang="en-GB"/>
+        </a:p>
+      </dgm:t>
     </dgm:pt>
     <dgm:pt modelId="{CAA9D483-1CF2-5C46-A9F1-7BE58D3BF38F}" type="pres">
       <dgm:prSet presAssocID="{2219D024-6F23-364F-A001-6906CCC0BC36}" presName="node" presStyleLbl="node1" presStyleIdx="2" presStyleCnt="4" custRadScaleRad="141883" custRadScaleInc="-99053">
@@ -2378,14 +2538,35 @@
         </dgm:presLayoutVars>
       </dgm:prSet>
       <dgm:spPr/>
+      <dgm:t>
+        <a:bodyPr/>
+        <a:lstStyle/>
+        <a:p>
+          <a:endParaRPr lang="en-GB"/>
+        </a:p>
+      </dgm:t>
     </dgm:pt>
     <dgm:pt modelId="{7C61498A-FF74-CC41-96C4-070D8764FF96}" type="pres">
       <dgm:prSet presAssocID="{794178FC-0D1D-7C49-A0A0-C552ED482260}" presName="Name9" presStyleLbl="parChTrans1D2" presStyleIdx="3" presStyleCnt="4"/>
       <dgm:spPr/>
+      <dgm:t>
+        <a:bodyPr/>
+        <a:lstStyle/>
+        <a:p>
+          <a:endParaRPr lang="en-GB"/>
+        </a:p>
+      </dgm:t>
     </dgm:pt>
     <dgm:pt modelId="{65FC26EA-2C48-6A44-83BA-BF3EF459BD05}" type="pres">
       <dgm:prSet presAssocID="{794178FC-0D1D-7C49-A0A0-C552ED482260}" presName="connTx" presStyleLbl="parChTrans1D2" presStyleIdx="3" presStyleCnt="4"/>
       <dgm:spPr/>
+      <dgm:t>
+        <a:bodyPr/>
+        <a:lstStyle/>
+        <a:p>
+          <a:endParaRPr lang="en-GB"/>
+        </a:p>
+      </dgm:t>
     </dgm:pt>
     <dgm:pt modelId="{98BA5590-0B55-184C-B522-93B1AF70C12D}" type="pres">
       <dgm:prSet presAssocID="{56ADF586-CC6A-C143-9F24-73967A171701}" presName="node" presStyleLbl="node1" presStyleIdx="3" presStyleCnt="4" custRadScaleRad="143710" custRadScaleInc="-100972">
@@ -2404,25 +2585,25 @@
     </dgm:pt>
   </dgm:ptLst>
   <dgm:cxnLst>
-    <dgm:cxn modelId="{42E360CF-83B0-164D-A21E-E4A9D232AE26}" type="presOf" srcId="{96911CD6-94BE-734D-B6F5-9F613B27B356}" destId="{2E6D9793-4081-5F49-A5E7-0A0F2FD8DF82}" srcOrd="1" destOrd="0" presId="urn:microsoft.com/office/officeart/2005/8/layout/radial1"/>
-    <dgm:cxn modelId="{1A319B00-0116-8641-902C-5A5F2874A6F3}" type="presOf" srcId="{3EC18492-01B6-7047-A283-B6F138227FEA}" destId="{A22B6FC2-B0DC-3B46-970A-600D67EE71BA}" srcOrd="0" destOrd="0" presId="urn:microsoft.com/office/officeart/2005/8/layout/radial1"/>
     <dgm:cxn modelId="{C06F0FB2-AABC-F44E-B48B-8A2E722A55B7}" type="presOf" srcId="{56ADF586-CC6A-C143-9F24-73967A171701}" destId="{98BA5590-0B55-184C-B522-93B1AF70C12D}" srcOrd="0" destOrd="0" presId="urn:microsoft.com/office/officeart/2005/8/layout/radial1"/>
-    <dgm:cxn modelId="{140766C6-3E5C-5447-BE34-C84F730ED02E}" srcId="{F14CB638-B74D-ED4C-BD8E-FDD9E09910C7}" destId="{C7EBA55C-F2E2-E246-9DDC-9E71A33AB76F}" srcOrd="0" destOrd="0" parTransId="{3EC18492-01B6-7047-A283-B6F138227FEA}" sibTransId="{7530B075-8C2C-4547-B15D-713F1DE1F406}"/>
-    <dgm:cxn modelId="{B1715924-4B10-4D45-9998-EB960CBF47AD}" type="presOf" srcId="{3EC18492-01B6-7047-A283-B6F138227FEA}" destId="{3E336E57-605E-2F4E-A66E-F2A81FCAB3ED}" srcOrd="1" destOrd="0" presId="urn:microsoft.com/office/officeart/2005/8/layout/radial1"/>
-    <dgm:cxn modelId="{2B292DAF-E8DE-8E45-BE01-64B8EB49A5F6}" type="presOf" srcId="{98491BB1-768B-5C4B-BBC3-39A091E47C34}" destId="{42921DDD-7DC4-2249-B141-428EACE2D266}" srcOrd="0" destOrd="0" presId="urn:microsoft.com/office/officeart/2005/8/layout/radial1"/>
-    <dgm:cxn modelId="{45C7A68F-E44C-2347-8906-48D624127ED0}" type="presOf" srcId="{93CA8E9A-841B-DB41-A61D-61546E7D2525}" destId="{2A1B689B-C457-BF48-A151-610190C99530}" srcOrd="0" destOrd="0" presId="urn:microsoft.com/office/officeart/2005/8/layout/radial1"/>
     <dgm:cxn modelId="{A14F2238-D45B-174C-8A1B-823AA3DBBF61}" type="presOf" srcId="{98491BB1-768B-5C4B-BBC3-39A091E47C34}" destId="{5570C892-DB8B-4946-8690-42ED6A283EAF}" srcOrd="1" destOrd="0" presId="urn:microsoft.com/office/officeart/2005/8/layout/radial1"/>
     <dgm:cxn modelId="{2EBB00B9-725D-1544-B9C2-FE510710DFDE}" type="presOf" srcId="{794178FC-0D1D-7C49-A0A0-C552ED482260}" destId="{7C61498A-FF74-CC41-96C4-070D8764FF96}" srcOrd="0" destOrd="0" presId="urn:microsoft.com/office/officeart/2005/8/layout/radial1"/>
-    <dgm:cxn modelId="{40685C87-4A07-F74E-AE49-671BD13C571F}" srcId="{F14CB638-B74D-ED4C-BD8E-FDD9E09910C7}" destId="{2219D024-6F23-364F-A001-6906CCC0BC36}" srcOrd="2" destOrd="0" parTransId="{96911CD6-94BE-734D-B6F5-9F613B27B356}" sibTransId="{ACC8B9DB-0461-1A4F-A97D-48D09041E379}"/>
+    <dgm:cxn modelId="{42E360CF-83B0-164D-A21E-E4A9D232AE26}" type="presOf" srcId="{96911CD6-94BE-734D-B6F5-9F613B27B356}" destId="{2E6D9793-4081-5F49-A5E7-0A0F2FD8DF82}" srcOrd="1" destOrd="0" presId="urn:microsoft.com/office/officeart/2005/8/layout/radial1"/>
+    <dgm:cxn modelId="{F1CA4F7F-1C16-4B4C-AC34-9323B967A434}" type="presOf" srcId="{F14CB638-B74D-ED4C-BD8E-FDD9E09910C7}" destId="{6DF4C925-8CC6-AA47-A6CA-DE412B686264}" srcOrd="0" destOrd="0" presId="urn:microsoft.com/office/officeart/2005/8/layout/radial1"/>
+    <dgm:cxn modelId="{B1715924-4B10-4D45-9998-EB960CBF47AD}" type="presOf" srcId="{3EC18492-01B6-7047-A283-B6F138227FEA}" destId="{3E336E57-605E-2F4E-A66E-F2A81FCAB3ED}" srcOrd="1" destOrd="0" presId="urn:microsoft.com/office/officeart/2005/8/layout/radial1"/>
+    <dgm:cxn modelId="{45C7A68F-E44C-2347-8906-48D624127ED0}" type="presOf" srcId="{93CA8E9A-841B-DB41-A61D-61546E7D2525}" destId="{2A1B689B-C457-BF48-A151-610190C99530}" srcOrd="0" destOrd="0" presId="urn:microsoft.com/office/officeart/2005/8/layout/radial1"/>
     <dgm:cxn modelId="{B5F1ADF6-1A18-FA4F-8562-2E185ACFDF82}" srcId="{F14CB638-B74D-ED4C-BD8E-FDD9E09910C7}" destId="{56ADF586-CC6A-C143-9F24-73967A171701}" srcOrd="3" destOrd="0" parTransId="{794178FC-0D1D-7C49-A0A0-C552ED482260}" sibTransId="{326E4B0A-AA67-E345-AF36-7BCBEE55ED4B}"/>
-    <dgm:cxn modelId="{0264524A-B189-C748-B1F2-6C495C624D70}" type="presOf" srcId="{C7EBA55C-F2E2-E246-9DDC-9E71A33AB76F}" destId="{A03AAEB2-4E4C-4F44-868C-7CF6E7FA7998}" srcOrd="0" destOrd="0" presId="urn:microsoft.com/office/officeart/2005/8/layout/radial1"/>
-    <dgm:cxn modelId="{F1CA4F7F-1C16-4B4C-AC34-9323B967A434}" type="presOf" srcId="{F14CB638-B74D-ED4C-BD8E-FDD9E09910C7}" destId="{6DF4C925-8CC6-AA47-A6CA-DE412B686264}" srcOrd="0" destOrd="0" presId="urn:microsoft.com/office/officeart/2005/8/layout/radial1"/>
+    <dgm:cxn modelId="{73B3CCC8-8FED-554B-B566-2EAFDDF2B34E}" type="presOf" srcId="{054C43B2-017F-B84E-B05C-2D7C92039D6E}" destId="{AF521888-B978-764B-AD76-146F3168DB3C}" srcOrd="0" destOrd="0" presId="urn:microsoft.com/office/officeart/2005/8/layout/radial1"/>
     <dgm:cxn modelId="{F16EE095-BA8D-924B-875C-95A1B050B7E5}" type="presOf" srcId="{794178FC-0D1D-7C49-A0A0-C552ED482260}" destId="{65FC26EA-2C48-6A44-83BA-BF3EF459BD05}" srcOrd="1" destOrd="0" presId="urn:microsoft.com/office/officeart/2005/8/layout/radial1"/>
     <dgm:cxn modelId="{B1E79E0B-AE9E-5E4D-9EAF-EC65632AFA8A}" type="presOf" srcId="{96911CD6-94BE-734D-B6F5-9F613B27B356}" destId="{17839772-0060-FB46-9D5E-11DCC87894C3}" srcOrd="0" destOrd="0" presId="urn:microsoft.com/office/officeart/2005/8/layout/radial1"/>
+    <dgm:cxn modelId="{1A319B00-0116-8641-902C-5A5F2874A6F3}" type="presOf" srcId="{3EC18492-01B6-7047-A283-B6F138227FEA}" destId="{A22B6FC2-B0DC-3B46-970A-600D67EE71BA}" srcOrd="0" destOrd="0" presId="urn:microsoft.com/office/officeart/2005/8/layout/radial1"/>
+    <dgm:cxn modelId="{40685C87-4A07-F74E-AE49-671BD13C571F}" srcId="{F14CB638-B74D-ED4C-BD8E-FDD9E09910C7}" destId="{2219D024-6F23-364F-A001-6906CCC0BC36}" srcOrd="2" destOrd="0" parTransId="{96911CD6-94BE-734D-B6F5-9F613B27B356}" sibTransId="{ACC8B9DB-0461-1A4F-A97D-48D09041E379}"/>
     <dgm:cxn modelId="{5FD1C5DE-4698-2746-85FF-3F8D55FA5431}" type="presOf" srcId="{2219D024-6F23-364F-A001-6906CCC0BC36}" destId="{CAA9D483-1CF2-5C46-A9F1-7BE58D3BF38F}" srcOrd="0" destOrd="0" presId="urn:microsoft.com/office/officeart/2005/8/layout/radial1"/>
-    <dgm:cxn modelId="{73B3CCC8-8FED-554B-B566-2EAFDDF2B34E}" type="presOf" srcId="{054C43B2-017F-B84E-B05C-2D7C92039D6E}" destId="{AF521888-B978-764B-AD76-146F3168DB3C}" srcOrd="0" destOrd="0" presId="urn:microsoft.com/office/officeart/2005/8/layout/radial1"/>
+    <dgm:cxn modelId="{140766C6-3E5C-5447-BE34-C84F730ED02E}" srcId="{F14CB638-B74D-ED4C-BD8E-FDD9E09910C7}" destId="{C7EBA55C-F2E2-E246-9DDC-9E71A33AB76F}" srcOrd="0" destOrd="0" parTransId="{3EC18492-01B6-7047-A283-B6F138227FEA}" sibTransId="{7530B075-8C2C-4547-B15D-713F1DE1F406}"/>
+    <dgm:cxn modelId="{7ABF3385-CA6A-EA44-9F79-7E236A299F4B}" srcId="{F14CB638-B74D-ED4C-BD8E-FDD9E09910C7}" destId="{93CA8E9A-841B-DB41-A61D-61546E7D2525}" srcOrd="1" destOrd="0" parTransId="{98491BB1-768B-5C4B-BBC3-39A091E47C34}" sibTransId="{B20853E0-5EAA-EB4E-A205-2C7D8509563A}"/>
+    <dgm:cxn modelId="{2B292DAF-E8DE-8E45-BE01-64B8EB49A5F6}" type="presOf" srcId="{98491BB1-768B-5C4B-BBC3-39A091E47C34}" destId="{42921DDD-7DC4-2249-B141-428EACE2D266}" srcOrd="0" destOrd="0" presId="urn:microsoft.com/office/officeart/2005/8/layout/radial1"/>
+    <dgm:cxn modelId="{0264524A-B189-C748-B1F2-6C495C624D70}" type="presOf" srcId="{C7EBA55C-F2E2-E246-9DDC-9E71A33AB76F}" destId="{A03AAEB2-4E4C-4F44-868C-7CF6E7FA7998}" srcOrd="0" destOrd="0" presId="urn:microsoft.com/office/officeart/2005/8/layout/radial1"/>
     <dgm:cxn modelId="{A178F5D8-14DD-E246-99FA-7EDA7E9761ED}" srcId="{054C43B2-017F-B84E-B05C-2D7C92039D6E}" destId="{F14CB638-B74D-ED4C-BD8E-FDD9E09910C7}" srcOrd="0" destOrd="0" parTransId="{6843C2C4-45DB-E74F-AD08-8A248B28391C}" sibTransId="{179E6CEA-74DD-A444-B35D-4855B81052CD}"/>
-    <dgm:cxn modelId="{7ABF3385-CA6A-EA44-9F79-7E236A299F4B}" srcId="{F14CB638-B74D-ED4C-BD8E-FDD9E09910C7}" destId="{93CA8E9A-841B-DB41-A61D-61546E7D2525}" srcOrd="1" destOrd="0" parTransId="{98491BB1-768B-5C4B-BBC3-39A091E47C34}" sibTransId="{B20853E0-5EAA-EB4E-A205-2C7D8509563A}"/>
     <dgm:cxn modelId="{62EEB940-28C9-274F-BF43-E85286E7AB7F}" type="presParOf" srcId="{AF521888-B978-764B-AD76-146F3168DB3C}" destId="{6DF4C925-8CC6-AA47-A6CA-DE412B686264}" srcOrd="0" destOrd="0" presId="urn:microsoft.com/office/officeart/2005/8/layout/radial1"/>
     <dgm:cxn modelId="{A28037F0-7EC6-DB41-8F1D-1E74EB54AD02}" type="presParOf" srcId="{AF521888-B978-764B-AD76-146F3168DB3C}" destId="{A22B6FC2-B0DC-3B46-970A-600D67EE71BA}" srcOrd="1" destOrd="0" presId="urn:microsoft.com/office/officeart/2005/8/layout/radial1"/>
     <dgm:cxn modelId="{BE273855-591E-1247-9348-BDAAF977E56D}" type="presParOf" srcId="{A22B6FC2-B0DC-3B46-970A-600D67EE71BA}" destId="{3E336E57-605E-2F4E-A66E-F2A81FCAB3ED}" srcOrd="0" destOrd="0" presId="urn:microsoft.com/office/officeart/2005/8/layout/radial1"/>
@@ -3201,15 +3382,9 @@
           </a:pathLst>
         </a:custGeom>
         <a:noFill/>
-        <a:ln w="9525" cap="flat" cmpd="sng" algn="ctr">
+        <a:ln w="76200" cap="flat" cmpd="sng" algn="ctr">
           <a:solidFill>
-            <a:schemeClr val="accent1">
-              <a:shade val="60000"/>
-              <a:hueOff val="0"/>
-              <a:satOff val="0"/>
-              <a:lumOff val="0"/>
-              <a:alphaOff val="0"/>
-            </a:schemeClr>
+            <a:schemeClr val="tx1"/>
           </a:solidFill>
           <a:prstDash val="solid"/>
         </a:ln>
@@ -3379,15 +3554,12 @@
           </a:pathLst>
         </a:custGeom>
         <a:noFill/>
-        <a:ln w="9525" cap="flat" cmpd="sng" algn="ctr">
+        <a:ln w="76200" cap="flat" cmpd="sng" algn="ctr">
           <a:solidFill>
-            <a:schemeClr val="accent1">
-              <a:shade val="60000"/>
-              <a:hueOff val="0"/>
-              <a:satOff val="0"/>
-              <a:lumOff val="0"/>
-              <a:alphaOff val="0"/>
-            </a:schemeClr>
+            <a:scrgbClr r="0" g="0" b="0">
+              <a:shade val="95000"/>
+              <a:satMod val="105000"/>
+            </a:scrgbClr>
           </a:solidFill>
           <a:prstDash val="solid"/>
         </a:ln>
@@ -3557,15 +3729,9 @@
           </a:pathLst>
         </a:custGeom>
         <a:noFill/>
-        <a:ln w="9525" cap="flat" cmpd="sng" algn="ctr">
+        <a:ln w="76200" cap="flat" cmpd="sng" algn="ctr">
           <a:solidFill>
-            <a:schemeClr val="accent1">
-              <a:shade val="60000"/>
-              <a:hueOff val="0"/>
-              <a:satOff val="0"/>
-              <a:lumOff val="0"/>
-              <a:alphaOff val="0"/>
-            </a:schemeClr>
+            <a:schemeClr val="tx1"/>
           </a:solidFill>
           <a:prstDash val="solid"/>
         </a:ln>
@@ -3735,15 +3901,9 @@
           </a:pathLst>
         </a:custGeom>
         <a:noFill/>
-        <a:ln w="9525" cap="flat" cmpd="sng" algn="ctr">
+        <a:ln w="76200" cap="flat" cmpd="sng" algn="ctr">
           <a:solidFill>
-            <a:schemeClr val="accent1">
-              <a:shade val="60000"/>
-              <a:hueOff val="0"/>
-              <a:satOff val="0"/>
-              <a:lumOff val="0"/>
-              <a:alphaOff val="0"/>
-            </a:schemeClr>
+            <a:schemeClr val="tx1"/>
           </a:solidFill>
           <a:prstDash val="solid"/>
         </a:ln>
@@ -7630,11 +7790,7 @@
             </a:r>
             <a:r>
               <a:rPr lang="en-GB" sz="6600" b="0" i="0" dirty="0" smtClean="0"/>
-              <a:t>nd </a:t>
-            </a:r>
-            <a:r>
-              <a:rPr lang="en-GB" sz="6600" b="0" i="0" dirty="0" smtClean="0"/>
-              <a:t>some of the systems that use </a:t>
+              <a:t>nd some of the systems that use </a:t>
             </a:r>
             <a:r>
               <a:rPr lang="en-GB" sz="6600" b="0" dirty="0" smtClean="0"/>
@@ -7845,11 +8001,7 @@
           <a:p>
             <a:r>
               <a:rPr lang="en-US" dirty="0" smtClean="0"/>
-              <a:t>The </a:t>
-            </a:r>
-            <a:r>
-              <a:rPr lang="en-US" dirty="0" smtClean="0"/>
-              <a:t>TIP-benchmark </a:t>
+              <a:t>The TIP-benchmark </a:t>
             </a:r>
             <a:r>
               <a:rPr lang="en-US" dirty="0"/>
@@ -7940,15 +8092,7 @@
           <a:p>
             <a:r>
               <a:rPr lang="en-US" b="0" dirty="0" smtClean="0"/>
-              <a:t>We </a:t>
-            </a:r>
-            <a:r>
-              <a:rPr lang="en-US" b="0" dirty="0" smtClean="0"/>
-              <a:t>are developing a set of tools to translate to and from TIP into a variety of other </a:t>
-            </a:r>
-            <a:r>
-              <a:rPr lang="en-US" b="0" dirty="0" smtClean="0"/>
-              <a:t>formats: </a:t>
+              <a:t>We are developing a set of tools to translate to and from TIP into a variety of other formats: </a:t>
             </a:r>
           </a:p>
           <a:p>
@@ -8063,7 +8207,7 @@
         </p:nvSpPr>
         <p:spPr>
           <a:xfrm>
-            <a:off x="13298420" y="7342685"/>
+            <a:off x="13298420" y="7270677"/>
             <a:ext cx="10081121" cy="23978664"/>
           </a:xfrm>
           <a:prstGeom prst="rect">
@@ -8218,7 +8362,15 @@
           <a:p>
             <a:r>
               <a:rPr lang="en-GB" b="0" dirty="0" smtClean="0"/>
-              <a:t>Our group at Chalmers are developing several tools that use TIP.</a:t>
+              <a:t>Our group at Chalmers are developing several tools that </a:t>
+            </a:r>
+            <a:r>
+              <a:rPr lang="en-GB" b="0" dirty="0" smtClean="0"/>
+              <a:t>use and support </a:t>
+            </a:r>
+            <a:r>
+              <a:rPr lang="en-GB" b="0" dirty="0" smtClean="0"/>
+              <a:t>TIP.</a:t>
             </a:r>
           </a:p>
           <a:p>
@@ -8232,8 +8384,13 @@
             </a:r>
             <a:r>
               <a:rPr lang="en-GB" b="0" dirty="0" smtClean="0"/>
-              <a:t>: A conjecture discovery system for Haskell programs. </a:t>
+              <a:t>: A conjecture discovery </a:t>
             </a:r>
+            <a:r>
+              <a:rPr lang="en-GB" b="0" dirty="0" smtClean="0"/>
+              <a:t>system. </a:t>
+            </a:r>
+            <a:endParaRPr lang="en-GB" b="0" dirty="0" smtClean="0"/>
           </a:p>
           <a:p>
             <a:pPr marL="571500" indent="-571500">
@@ -8258,8 +8415,9 @@
             </a:r>
             <a:r>
               <a:rPr lang="en-GB" b="0" dirty="0" smtClean="0"/>
-              <a:t> for Haskell.</a:t>
+              <a:t>.</a:t>
             </a:r>
+            <a:endParaRPr lang="en-GB" b="0" dirty="0" smtClean="0"/>
           </a:p>
           <a:p>
             <a:pPr marL="571500" indent="-571500">
@@ -8296,7 +8454,6 @@
               <a:rPr lang="en-GB" b="0" dirty="0" smtClean="0"/>
               <a:t>A counter-example finder using bounded model checking.</a:t>
             </a:r>
-            <a:endParaRPr lang="en-GB" b="0" dirty="0" smtClean="0"/>
           </a:p>
           <a:p>
             <a:pPr marL="571500" indent="-571500">
@@ -8355,6 +8512,12 @@
           </a:p>
           <a:p>
             <a:endParaRPr lang="en-GB" b="0" dirty="0" smtClean="0"/>
+          </a:p>
+          <a:p>
+            <a:endParaRPr lang="en-GB" b="0" dirty="0" smtClean="0"/>
+          </a:p>
+          <a:p>
+            <a:endParaRPr lang="en-GB" b="0" dirty="0"/>
           </a:p>
           <a:p>
             <a:r>
@@ -8531,7 +8694,7 @@
           <p:nvPr>
             <p:extLst>
               <p:ext uri="{D42A27DB-BD31-4B8C-83A1-F6EECF244321}">
-                <p14:modId xmlns:p14="http://schemas.microsoft.com/office/powerpoint/2010/main" val="4280001451"/>
+                <p14:modId xmlns:p14="http://schemas.microsoft.com/office/powerpoint/2010/main" val="2511432899"/>
               </p:ext>
             </p:extLst>
           </p:nvPr>
